--- a/Vi - Presentation.pptx
+++ b/Vi - Presentation.pptx
@@ -4,16 +4,29 @@
   <p:sldMasterIdLst>
     <p:sldMasterId id="2147483648" r:id="rId1"/>
   </p:sldMasterIdLst>
+  <p:notesMasterIdLst>
+    <p:notesMasterId r:id="rId21"/>
+  </p:notesMasterIdLst>
   <p:sldIdLst>
-    <p:sldId id="256" r:id="rId2"/>
-    <p:sldId id="257" r:id="rId3"/>
-    <p:sldId id="258" r:id="rId4"/>
-    <p:sldId id="259" r:id="rId5"/>
-    <p:sldId id="260" r:id="rId6"/>
-    <p:sldId id="261" r:id="rId7"/>
-    <p:sldId id="262" r:id="rId8"/>
-    <p:sldId id="263" r:id="rId9"/>
-    <p:sldId id="264" r:id="rId10"/>
+    <p:sldId id="275" r:id="rId2"/>
+    <p:sldId id="267" r:id="rId3"/>
+    <p:sldId id="268" r:id="rId4"/>
+    <p:sldId id="269" r:id="rId5"/>
+    <p:sldId id="270" r:id="rId6"/>
+    <p:sldId id="271" r:id="rId7"/>
+    <p:sldId id="272" r:id="rId8"/>
+    <p:sldId id="273" r:id="rId9"/>
+    <p:sldId id="274" r:id="rId10"/>
+    <p:sldId id="256" r:id="rId11"/>
+    <p:sldId id="257" r:id="rId12"/>
+    <p:sldId id="258" r:id="rId13"/>
+    <p:sldId id="259" r:id="rId14"/>
+    <p:sldId id="260" r:id="rId15"/>
+    <p:sldId id="261" r:id="rId16"/>
+    <p:sldId id="264" r:id="rId17"/>
+    <p:sldId id="262" r:id="rId18"/>
+    <p:sldId id="263" r:id="rId19"/>
+    <p:sldId id="265" r:id="rId20"/>
   </p:sldIdLst>
   <p:sldSz cx="12192000" cy="6858000"/>
   <p:notesSz cx="6858000" cy="9144000"/>
@@ -113,6 +126,3117 @@
     </a:lvl9pPr>
   </p:defaultTextStyle>
 </p:presentation>
+</file>
+
+<file path=ppt/diagrams/colors1.xml><?xml version="1.0" encoding="utf-8"?>
+<dgm:colorsDef xmlns:dgm="http://schemas.openxmlformats.org/drawingml/2006/diagram" xmlns:a="http://schemas.openxmlformats.org/drawingml/2006/main" uniqueId="urn:microsoft.com/office/officeart/2005/8/colors/accent1_2">
+  <dgm:title val=""/>
+  <dgm:desc val=""/>
+  <dgm:catLst>
+    <dgm:cat type="accent1" pri="11200"/>
+  </dgm:catLst>
+  <dgm:styleLbl name="node0">
+    <dgm:fillClrLst meth="repeat">
+      <a:schemeClr val="accent1"/>
+    </dgm:fillClrLst>
+    <dgm:linClrLst meth="repeat">
+      <a:schemeClr val="lt1"/>
+    </dgm:linClrLst>
+    <dgm:effectClrLst/>
+    <dgm:txLinClrLst/>
+    <dgm:txFillClrLst/>
+    <dgm:txEffectClrLst/>
+  </dgm:styleLbl>
+  <dgm:styleLbl name="alignNode1">
+    <dgm:fillClrLst meth="repeat">
+      <a:schemeClr val="accent1"/>
+    </dgm:fillClrLst>
+    <dgm:linClrLst meth="repeat">
+      <a:schemeClr val="accent1"/>
+    </dgm:linClrLst>
+    <dgm:effectClrLst/>
+    <dgm:txLinClrLst/>
+    <dgm:txFillClrLst/>
+    <dgm:txEffectClrLst/>
+  </dgm:styleLbl>
+  <dgm:styleLbl name="node1">
+    <dgm:fillClrLst meth="repeat">
+      <a:schemeClr val="accent1"/>
+    </dgm:fillClrLst>
+    <dgm:linClrLst meth="repeat">
+      <a:schemeClr val="lt1"/>
+    </dgm:linClrLst>
+    <dgm:effectClrLst/>
+    <dgm:txLinClrLst/>
+    <dgm:txFillClrLst/>
+    <dgm:txEffectClrLst/>
+  </dgm:styleLbl>
+  <dgm:styleLbl name="lnNode1">
+    <dgm:fillClrLst meth="repeat">
+      <a:schemeClr val="accent1"/>
+    </dgm:fillClrLst>
+    <dgm:linClrLst meth="repeat">
+      <a:schemeClr val="lt1"/>
+    </dgm:linClrLst>
+    <dgm:effectClrLst/>
+    <dgm:txLinClrLst/>
+    <dgm:txFillClrLst/>
+    <dgm:txEffectClrLst/>
+  </dgm:styleLbl>
+  <dgm:styleLbl name="vennNode1">
+    <dgm:fillClrLst meth="repeat">
+      <a:schemeClr val="accent1">
+        <a:alpha val="50000"/>
+      </a:schemeClr>
+    </dgm:fillClrLst>
+    <dgm:linClrLst meth="repeat">
+      <a:schemeClr val="lt1"/>
+    </dgm:linClrLst>
+    <dgm:effectClrLst/>
+    <dgm:txLinClrLst/>
+    <dgm:txFillClrLst/>
+    <dgm:txEffectClrLst/>
+  </dgm:styleLbl>
+  <dgm:styleLbl name="node2">
+    <dgm:fillClrLst meth="repeat">
+      <a:schemeClr val="accent1"/>
+    </dgm:fillClrLst>
+    <dgm:linClrLst meth="repeat">
+      <a:schemeClr val="lt1"/>
+    </dgm:linClrLst>
+    <dgm:effectClrLst/>
+    <dgm:txLinClrLst/>
+    <dgm:txFillClrLst/>
+    <dgm:txEffectClrLst/>
+  </dgm:styleLbl>
+  <dgm:styleLbl name="node3">
+    <dgm:fillClrLst meth="repeat">
+      <a:schemeClr val="accent1"/>
+    </dgm:fillClrLst>
+    <dgm:linClrLst meth="repeat">
+      <a:schemeClr val="lt1"/>
+    </dgm:linClrLst>
+    <dgm:effectClrLst/>
+    <dgm:txLinClrLst/>
+    <dgm:txFillClrLst/>
+    <dgm:txEffectClrLst/>
+  </dgm:styleLbl>
+  <dgm:styleLbl name="node4">
+    <dgm:fillClrLst meth="repeat">
+      <a:schemeClr val="accent1"/>
+    </dgm:fillClrLst>
+    <dgm:linClrLst meth="repeat">
+      <a:schemeClr val="lt1"/>
+    </dgm:linClrLst>
+    <dgm:effectClrLst/>
+    <dgm:txLinClrLst/>
+    <dgm:txFillClrLst/>
+    <dgm:txEffectClrLst/>
+  </dgm:styleLbl>
+  <dgm:styleLbl name="fgImgPlace1">
+    <dgm:fillClrLst meth="repeat">
+      <a:schemeClr val="accent1">
+        <a:tint val="50000"/>
+      </a:schemeClr>
+    </dgm:fillClrLst>
+    <dgm:linClrLst meth="repeat">
+      <a:schemeClr val="lt1"/>
+    </dgm:linClrLst>
+    <dgm:effectClrLst/>
+    <dgm:txLinClrLst/>
+    <dgm:txFillClrLst meth="repeat">
+      <a:schemeClr val="lt1"/>
+    </dgm:txFillClrLst>
+    <dgm:txEffectClrLst/>
+  </dgm:styleLbl>
+  <dgm:styleLbl name="alignImgPlace1">
+    <dgm:fillClrLst meth="repeat">
+      <a:schemeClr val="accent1">
+        <a:tint val="50000"/>
+      </a:schemeClr>
+    </dgm:fillClrLst>
+    <dgm:linClrLst meth="repeat">
+      <a:schemeClr val="lt1"/>
+    </dgm:linClrLst>
+    <dgm:effectClrLst/>
+    <dgm:txLinClrLst/>
+    <dgm:txFillClrLst meth="repeat">
+      <a:schemeClr val="lt1"/>
+    </dgm:txFillClrLst>
+    <dgm:txEffectClrLst/>
+  </dgm:styleLbl>
+  <dgm:styleLbl name="bgImgPlace1">
+    <dgm:fillClrLst meth="repeat">
+      <a:schemeClr val="accent1">
+        <a:tint val="50000"/>
+      </a:schemeClr>
+    </dgm:fillClrLst>
+    <dgm:linClrLst meth="repeat">
+      <a:schemeClr val="lt1"/>
+    </dgm:linClrLst>
+    <dgm:effectClrLst/>
+    <dgm:txLinClrLst/>
+    <dgm:txFillClrLst meth="repeat">
+      <a:schemeClr val="lt1"/>
+    </dgm:txFillClrLst>
+    <dgm:txEffectClrLst/>
+  </dgm:styleLbl>
+  <dgm:styleLbl name="sibTrans2D1">
+    <dgm:fillClrLst meth="repeat">
+      <a:schemeClr val="accent1">
+        <a:tint val="60000"/>
+      </a:schemeClr>
+    </dgm:fillClrLst>
+    <dgm:linClrLst meth="repeat">
+      <a:schemeClr val="accent1">
+        <a:tint val="60000"/>
+      </a:schemeClr>
+    </dgm:linClrLst>
+    <dgm:effectClrLst/>
+    <dgm:txLinClrLst/>
+    <dgm:txFillClrLst/>
+    <dgm:txEffectClrLst/>
+  </dgm:styleLbl>
+  <dgm:styleLbl name="fgSibTrans2D1">
+    <dgm:fillClrLst meth="repeat">
+      <a:schemeClr val="accent1">
+        <a:tint val="60000"/>
+      </a:schemeClr>
+    </dgm:fillClrLst>
+    <dgm:linClrLst meth="repeat">
+      <a:schemeClr val="accent1">
+        <a:tint val="60000"/>
+      </a:schemeClr>
+    </dgm:linClrLst>
+    <dgm:effectClrLst/>
+    <dgm:txLinClrLst/>
+    <dgm:txFillClrLst/>
+    <dgm:txEffectClrLst/>
+  </dgm:styleLbl>
+  <dgm:styleLbl name="bgSibTrans2D1">
+    <dgm:fillClrLst meth="repeat">
+      <a:schemeClr val="accent1">
+        <a:tint val="60000"/>
+      </a:schemeClr>
+    </dgm:fillClrLst>
+    <dgm:linClrLst meth="repeat">
+      <a:schemeClr val="accent1">
+        <a:tint val="60000"/>
+      </a:schemeClr>
+    </dgm:linClrLst>
+    <dgm:effectClrLst/>
+    <dgm:txLinClrLst/>
+    <dgm:txFillClrLst/>
+    <dgm:txEffectClrLst/>
+  </dgm:styleLbl>
+  <dgm:styleLbl name="sibTrans1D1">
+    <dgm:fillClrLst meth="repeat">
+      <a:schemeClr val="accent1"/>
+    </dgm:fillClrLst>
+    <dgm:linClrLst meth="repeat">
+      <a:schemeClr val="accent1"/>
+    </dgm:linClrLst>
+    <dgm:effectClrLst/>
+    <dgm:txLinClrLst/>
+    <dgm:txFillClrLst meth="repeat">
+      <a:schemeClr val="tx1"/>
+    </dgm:txFillClrLst>
+    <dgm:txEffectClrLst/>
+  </dgm:styleLbl>
+  <dgm:styleLbl name="callout">
+    <dgm:fillClrLst meth="repeat">
+      <a:schemeClr val="accent1"/>
+    </dgm:fillClrLst>
+    <dgm:linClrLst meth="repeat">
+      <a:schemeClr val="accent1">
+        <a:tint val="50000"/>
+      </a:schemeClr>
+    </dgm:linClrLst>
+    <dgm:effectClrLst/>
+    <dgm:txLinClrLst/>
+    <dgm:txFillClrLst meth="repeat">
+      <a:schemeClr val="tx1"/>
+    </dgm:txFillClrLst>
+    <dgm:txEffectClrLst/>
+  </dgm:styleLbl>
+  <dgm:styleLbl name="asst0">
+    <dgm:fillClrLst meth="repeat">
+      <a:schemeClr val="accent1"/>
+    </dgm:fillClrLst>
+    <dgm:linClrLst meth="repeat">
+      <a:schemeClr val="lt1"/>
+    </dgm:linClrLst>
+    <dgm:effectClrLst/>
+    <dgm:txLinClrLst/>
+    <dgm:txFillClrLst/>
+    <dgm:txEffectClrLst/>
+  </dgm:styleLbl>
+  <dgm:styleLbl name="asst1">
+    <dgm:fillClrLst meth="repeat">
+      <a:schemeClr val="accent1"/>
+    </dgm:fillClrLst>
+    <dgm:linClrLst meth="repeat">
+      <a:schemeClr val="lt1"/>
+    </dgm:linClrLst>
+    <dgm:effectClrLst/>
+    <dgm:txLinClrLst/>
+    <dgm:txFillClrLst/>
+    <dgm:txEffectClrLst/>
+  </dgm:styleLbl>
+  <dgm:styleLbl name="asst2">
+    <dgm:fillClrLst meth="repeat">
+      <a:schemeClr val="accent1"/>
+    </dgm:fillClrLst>
+    <dgm:linClrLst meth="repeat">
+      <a:schemeClr val="lt1"/>
+    </dgm:linClrLst>
+    <dgm:effectClrLst/>
+    <dgm:txLinClrLst/>
+    <dgm:txFillClrLst/>
+    <dgm:txEffectClrLst/>
+  </dgm:styleLbl>
+  <dgm:styleLbl name="asst3">
+    <dgm:fillClrLst meth="repeat">
+      <a:schemeClr val="accent1"/>
+    </dgm:fillClrLst>
+    <dgm:linClrLst meth="repeat">
+      <a:schemeClr val="lt1"/>
+    </dgm:linClrLst>
+    <dgm:effectClrLst/>
+    <dgm:txLinClrLst/>
+    <dgm:txFillClrLst/>
+    <dgm:txEffectClrLst/>
+  </dgm:styleLbl>
+  <dgm:styleLbl name="asst4">
+    <dgm:fillClrLst meth="repeat">
+      <a:schemeClr val="accent1"/>
+    </dgm:fillClrLst>
+    <dgm:linClrLst meth="repeat">
+      <a:schemeClr val="lt1"/>
+    </dgm:linClrLst>
+    <dgm:effectClrLst/>
+    <dgm:txLinClrLst/>
+    <dgm:txFillClrLst/>
+    <dgm:txEffectClrLst/>
+  </dgm:styleLbl>
+  <dgm:styleLbl name="parChTrans2D1">
+    <dgm:fillClrLst meth="repeat">
+      <a:schemeClr val="accent1">
+        <a:tint val="60000"/>
+      </a:schemeClr>
+    </dgm:fillClrLst>
+    <dgm:linClrLst meth="repeat">
+      <a:schemeClr val="accent1">
+        <a:tint val="60000"/>
+      </a:schemeClr>
+    </dgm:linClrLst>
+    <dgm:effectClrLst/>
+    <dgm:txLinClrLst/>
+    <dgm:txFillClrLst meth="repeat">
+      <a:schemeClr val="lt1"/>
+    </dgm:txFillClrLst>
+    <dgm:txEffectClrLst/>
+  </dgm:styleLbl>
+  <dgm:styleLbl name="parChTrans2D2">
+    <dgm:fillClrLst meth="repeat">
+      <a:schemeClr val="accent1"/>
+    </dgm:fillClrLst>
+    <dgm:linClrLst meth="repeat">
+      <a:schemeClr val="accent1"/>
+    </dgm:linClrLst>
+    <dgm:effectClrLst/>
+    <dgm:txLinClrLst/>
+    <dgm:txFillClrLst meth="repeat">
+      <a:schemeClr val="lt1"/>
+    </dgm:txFillClrLst>
+    <dgm:txEffectClrLst/>
+  </dgm:styleLbl>
+  <dgm:styleLbl name="parChTrans2D3">
+    <dgm:fillClrLst meth="repeat">
+      <a:schemeClr val="accent1"/>
+    </dgm:fillClrLst>
+    <dgm:linClrLst meth="repeat">
+      <a:schemeClr val="accent1"/>
+    </dgm:linClrLst>
+    <dgm:effectClrLst/>
+    <dgm:txLinClrLst/>
+    <dgm:txFillClrLst meth="repeat">
+      <a:schemeClr val="lt1"/>
+    </dgm:txFillClrLst>
+    <dgm:txEffectClrLst/>
+  </dgm:styleLbl>
+  <dgm:styleLbl name="parChTrans2D4">
+    <dgm:fillClrLst meth="repeat">
+      <a:schemeClr val="accent1"/>
+    </dgm:fillClrLst>
+    <dgm:linClrLst meth="repeat">
+      <a:schemeClr val="accent1"/>
+    </dgm:linClrLst>
+    <dgm:effectClrLst/>
+    <dgm:txLinClrLst/>
+    <dgm:txFillClrLst meth="repeat">
+      <a:schemeClr val="lt1"/>
+    </dgm:txFillClrLst>
+    <dgm:txEffectClrLst/>
+  </dgm:styleLbl>
+  <dgm:styleLbl name="parChTrans1D1">
+    <dgm:fillClrLst meth="repeat">
+      <a:schemeClr val="accent1"/>
+    </dgm:fillClrLst>
+    <dgm:linClrLst meth="repeat">
+      <a:schemeClr val="accent1">
+        <a:shade val="60000"/>
+      </a:schemeClr>
+    </dgm:linClrLst>
+    <dgm:effectClrLst/>
+    <dgm:txLinClrLst/>
+    <dgm:txFillClrLst meth="repeat">
+      <a:schemeClr val="tx1"/>
+    </dgm:txFillClrLst>
+    <dgm:txEffectClrLst/>
+  </dgm:styleLbl>
+  <dgm:styleLbl name="parChTrans1D2">
+    <dgm:fillClrLst meth="repeat">
+      <a:schemeClr val="accent1"/>
+    </dgm:fillClrLst>
+    <dgm:linClrLst meth="repeat">
+      <a:schemeClr val="accent1">
+        <a:shade val="60000"/>
+      </a:schemeClr>
+    </dgm:linClrLst>
+    <dgm:effectClrLst/>
+    <dgm:txLinClrLst/>
+    <dgm:txFillClrLst meth="repeat">
+      <a:schemeClr val="tx1"/>
+    </dgm:txFillClrLst>
+    <dgm:txEffectClrLst/>
+  </dgm:styleLbl>
+  <dgm:styleLbl name="parChTrans1D3">
+    <dgm:fillClrLst meth="repeat">
+      <a:schemeClr val="accent1"/>
+    </dgm:fillClrLst>
+    <dgm:linClrLst meth="repeat">
+      <a:schemeClr val="accent1">
+        <a:shade val="80000"/>
+      </a:schemeClr>
+    </dgm:linClrLst>
+    <dgm:effectClrLst/>
+    <dgm:txLinClrLst/>
+    <dgm:txFillClrLst meth="repeat">
+      <a:schemeClr val="tx1"/>
+    </dgm:txFillClrLst>
+    <dgm:txEffectClrLst/>
+  </dgm:styleLbl>
+  <dgm:styleLbl name="parChTrans1D4">
+    <dgm:fillClrLst meth="repeat">
+      <a:schemeClr val="accent1"/>
+    </dgm:fillClrLst>
+    <dgm:linClrLst meth="repeat">
+      <a:schemeClr val="accent1">
+        <a:shade val="80000"/>
+      </a:schemeClr>
+    </dgm:linClrLst>
+    <dgm:effectClrLst/>
+    <dgm:txLinClrLst/>
+    <dgm:txFillClrLst meth="repeat">
+      <a:schemeClr val="tx1"/>
+    </dgm:txFillClrLst>
+    <dgm:txEffectClrLst/>
+  </dgm:styleLbl>
+  <dgm:styleLbl name="fgAcc1">
+    <dgm:fillClrLst meth="repeat">
+      <a:schemeClr val="lt1">
+        <a:alpha val="90000"/>
+      </a:schemeClr>
+    </dgm:fillClrLst>
+    <dgm:linClrLst meth="repeat">
+      <a:schemeClr val="accent1"/>
+    </dgm:linClrLst>
+    <dgm:effectClrLst/>
+    <dgm:txLinClrLst/>
+    <dgm:txFillClrLst meth="repeat">
+      <a:schemeClr val="dk1"/>
+    </dgm:txFillClrLst>
+    <dgm:txEffectClrLst/>
+  </dgm:styleLbl>
+  <dgm:styleLbl name="conFgAcc1">
+    <dgm:fillClrLst meth="repeat">
+      <a:schemeClr val="lt1">
+        <a:alpha val="90000"/>
+      </a:schemeClr>
+    </dgm:fillClrLst>
+    <dgm:linClrLst meth="repeat">
+      <a:schemeClr val="accent1"/>
+    </dgm:linClrLst>
+    <dgm:effectClrLst/>
+    <dgm:txLinClrLst/>
+    <dgm:txFillClrLst meth="repeat">
+      <a:schemeClr val="dk1"/>
+    </dgm:txFillClrLst>
+    <dgm:txEffectClrLst/>
+  </dgm:styleLbl>
+  <dgm:styleLbl name="alignAcc1">
+    <dgm:fillClrLst meth="repeat">
+      <a:schemeClr val="lt1">
+        <a:alpha val="90000"/>
+      </a:schemeClr>
+    </dgm:fillClrLst>
+    <dgm:linClrLst meth="repeat">
+      <a:schemeClr val="accent1"/>
+    </dgm:linClrLst>
+    <dgm:effectClrLst/>
+    <dgm:txLinClrLst/>
+    <dgm:txFillClrLst meth="repeat">
+      <a:schemeClr val="dk1"/>
+    </dgm:txFillClrLst>
+    <dgm:txEffectClrLst/>
+  </dgm:styleLbl>
+  <dgm:styleLbl name="trAlignAcc1">
+    <dgm:fillClrLst meth="repeat">
+      <a:schemeClr val="lt1">
+        <a:alpha val="40000"/>
+      </a:schemeClr>
+    </dgm:fillClrLst>
+    <dgm:linClrLst meth="repeat">
+      <a:schemeClr val="accent1"/>
+    </dgm:linClrLst>
+    <dgm:effectClrLst/>
+    <dgm:txLinClrLst/>
+    <dgm:txFillClrLst meth="repeat">
+      <a:schemeClr val="dk1"/>
+    </dgm:txFillClrLst>
+    <dgm:txEffectClrLst/>
+  </dgm:styleLbl>
+  <dgm:styleLbl name="bgAcc1">
+    <dgm:fillClrLst meth="repeat">
+      <a:schemeClr val="lt1">
+        <a:alpha val="90000"/>
+      </a:schemeClr>
+    </dgm:fillClrLst>
+    <dgm:linClrLst meth="repeat">
+      <a:schemeClr val="accent1"/>
+    </dgm:linClrLst>
+    <dgm:effectClrLst/>
+    <dgm:txLinClrLst/>
+    <dgm:txFillClrLst meth="repeat">
+      <a:schemeClr val="dk1"/>
+    </dgm:txFillClrLst>
+    <dgm:txEffectClrLst/>
+  </dgm:styleLbl>
+  <dgm:styleLbl name="solidFgAcc1">
+    <dgm:fillClrLst meth="repeat">
+      <a:schemeClr val="lt1"/>
+    </dgm:fillClrLst>
+    <dgm:linClrLst meth="repeat">
+      <a:schemeClr val="accent1"/>
+    </dgm:linClrLst>
+    <dgm:effectClrLst/>
+    <dgm:txLinClrLst/>
+    <dgm:txFillClrLst meth="repeat">
+      <a:schemeClr val="dk1"/>
+    </dgm:txFillClrLst>
+    <dgm:txEffectClrLst/>
+  </dgm:styleLbl>
+  <dgm:styleLbl name="solidAlignAcc1">
+    <dgm:fillClrLst meth="repeat">
+      <a:schemeClr val="lt1"/>
+    </dgm:fillClrLst>
+    <dgm:linClrLst meth="repeat">
+      <a:schemeClr val="accent1"/>
+    </dgm:linClrLst>
+    <dgm:effectClrLst/>
+    <dgm:txLinClrLst/>
+    <dgm:txFillClrLst meth="repeat">
+      <a:schemeClr val="dk1"/>
+    </dgm:txFillClrLst>
+    <dgm:txEffectClrLst/>
+  </dgm:styleLbl>
+  <dgm:styleLbl name="solidBgAcc1">
+    <dgm:fillClrLst meth="repeat">
+      <a:schemeClr val="lt1"/>
+    </dgm:fillClrLst>
+    <dgm:linClrLst meth="repeat">
+      <a:schemeClr val="accent1"/>
+    </dgm:linClrLst>
+    <dgm:effectClrLst/>
+    <dgm:txLinClrLst/>
+    <dgm:txFillClrLst meth="repeat">
+      <a:schemeClr val="dk1"/>
+    </dgm:txFillClrLst>
+    <dgm:txEffectClrLst/>
+  </dgm:styleLbl>
+  <dgm:styleLbl name="fgAccFollowNode1">
+    <dgm:fillClrLst meth="repeat">
+      <a:schemeClr val="accent1">
+        <a:alpha val="90000"/>
+        <a:tint val="40000"/>
+      </a:schemeClr>
+    </dgm:fillClrLst>
+    <dgm:linClrLst meth="repeat">
+      <a:schemeClr val="accent1">
+        <a:alpha val="90000"/>
+        <a:tint val="40000"/>
+      </a:schemeClr>
+    </dgm:linClrLst>
+    <dgm:effectClrLst/>
+    <dgm:txLinClrLst/>
+    <dgm:txFillClrLst meth="repeat">
+      <a:schemeClr val="dk1"/>
+    </dgm:txFillClrLst>
+    <dgm:txEffectClrLst/>
+  </dgm:styleLbl>
+  <dgm:styleLbl name="alignAccFollowNode1">
+    <dgm:fillClrLst meth="repeat">
+      <a:schemeClr val="accent1">
+        <a:alpha val="90000"/>
+        <a:tint val="40000"/>
+      </a:schemeClr>
+    </dgm:fillClrLst>
+    <dgm:linClrLst meth="repeat">
+      <a:schemeClr val="accent1">
+        <a:alpha val="90000"/>
+        <a:tint val="40000"/>
+      </a:schemeClr>
+    </dgm:linClrLst>
+    <dgm:effectClrLst/>
+    <dgm:txLinClrLst/>
+    <dgm:txFillClrLst meth="repeat">
+      <a:schemeClr val="dk1"/>
+    </dgm:txFillClrLst>
+    <dgm:txEffectClrLst/>
+  </dgm:styleLbl>
+  <dgm:styleLbl name="bgAccFollowNode1">
+    <dgm:fillClrLst meth="repeat">
+      <a:schemeClr val="accent1">
+        <a:alpha val="90000"/>
+        <a:tint val="40000"/>
+      </a:schemeClr>
+    </dgm:fillClrLst>
+    <dgm:linClrLst meth="repeat">
+      <a:schemeClr val="accent1">
+        <a:alpha val="90000"/>
+        <a:tint val="40000"/>
+      </a:schemeClr>
+    </dgm:linClrLst>
+    <dgm:effectClrLst/>
+    <dgm:txLinClrLst/>
+    <dgm:txFillClrLst meth="repeat">
+      <a:schemeClr val="dk1"/>
+    </dgm:txFillClrLst>
+    <dgm:txEffectClrLst/>
+  </dgm:styleLbl>
+  <dgm:styleLbl name="fgAcc0">
+    <dgm:fillClrLst meth="repeat">
+      <a:schemeClr val="lt1">
+        <a:alpha val="90000"/>
+      </a:schemeClr>
+    </dgm:fillClrLst>
+    <dgm:linClrLst meth="repeat">
+      <a:schemeClr val="accent1"/>
+    </dgm:linClrLst>
+    <dgm:effectClrLst/>
+    <dgm:txLinClrLst/>
+    <dgm:txFillClrLst meth="repeat">
+      <a:schemeClr val="dk1"/>
+    </dgm:txFillClrLst>
+    <dgm:txEffectClrLst/>
+  </dgm:styleLbl>
+  <dgm:styleLbl name="fgAcc2">
+    <dgm:fillClrLst meth="repeat">
+      <a:schemeClr val="lt1">
+        <a:alpha val="90000"/>
+      </a:schemeClr>
+    </dgm:fillClrLst>
+    <dgm:linClrLst meth="repeat">
+      <a:schemeClr val="accent1"/>
+    </dgm:linClrLst>
+    <dgm:effectClrLst/>
+    <dgm:txLinClrLst/>
+    <dgm:txFillClrLst meth="repeat">
+      <a:schemeClr val="dk1"/>
+    </dgm:txFillClrLst>
+    <dgm:txEffectClrLst/>
+  </dgm:styleLbl>
+  <dgm:styleLbl name="fgAcc3">
+    <dgm:fillClrLst meth="repeat">
+      <a:schemeClr val="lt1">
+        <a:alpha val="90000"/>
+      </a:schemeClr>
+    </dgm:fillClrLst>
+    <dgm:linClrLst meth="repeat">
+      <a:schemeClr val="accent1"/>
+    </dgm:linClrLst>
+    <dgm:effectClrLst/>
+    <dgm:txLinClrLst/>
+    <dgm:txFillClrLst meth="repeat">
+      <a:schemeClr val="dk1"/>
+    </dgm:txFillClrLst>
+    <dgm:txEffectClrLst/>
+  </dgm:styleLbl>
+  <dgm:styleLbl name="fgAcc4">
+    <dgm:fillClrLst meth="repeat">
+      <a:schemeClr val="lt1">
+        <a:alpha val="90000"/>
+      </a:schemeClr>
+    </dgm:fillClrLst>
+    <dgm:linClrLst meth="repeat">
+      <a:schemeClr val="accent1"/>
+    </dgm:linClrLst>
+    <dgm:effectClrLst/>
+    <dgm:txLinClrLst/>
+    <dgm:txFillClrLst meth="repeat">
+      <a:schemeClr val="dk1"/>
+    </dgm:txFillClrLst>
+    <dgm:txEffectClrLst/>
+  </dgm:styleLbl>
+  <dgm:styleLbl name="bgShp">
+    <dgm:fillClrLst meth="repeat">
+      <a:schemeClr val="accent1">
+        <a:tint val="40000"/>
+      </a:schemeClr>
+    </dgm:fillClrLst>
+    <dgm:linClrLst meth="repeat">
+      <a:schemeClr val="accent1"/>
+    </dgm:linClrLst>
+    <dgm:effectClrLst/>
+    <dgm:txLinClrLst/>
+    <dgm:txFillClrLst meth="repeat">
+      <a:schemeClr val="dk1"/>
+    </dgm:txFillClrLst>
+    <dgm:txEffectClrLst/>
+  </dgm:styleLbl>
+  <dgm:styleLbl name="dkBgShp">
+    <dgm:fillClrLst meth="repeat">
+      <a:schemeClr val="accent1">
+        <a:shade val="80000"/>
+      </a:schemeClr>
+    </dgm:fillClrLst>
+    <dgm:linClrLst meth="repeat">
+      <a:schemeClr val="accent1"/>
+    </dgm:linClrLst>
+    <dgm:effectClrLst/>
+    <dgm:txLinClrLst/>
+    <dgm:txFillClrLst meth="repeat">
+      <a:schemeClr val="lt1"/>
+    </dgm:txFillClrLst>
+    <dgm:txEffectClrLst/>
+  </dgm:styleLbl>
+  <dgm:styleLbl name="trBgShp">
+    <dgm:fillClrLst meth="repeat">
+      <a:schemeClr val="accent1">
+        <a:tint val="50000"/>
+        <a:alpha val="40000"/>
+      </a:schemeClr>
+    </dgm:fillClrLst>
+    <dgm:linClrLst meth="repeat">
+      <a:schemeClr val="accent1"/>
+    </dgm:linClrLst>
+    <dgm:effectClrLst/>
+    <dgm:txLinClrLst/>
+    <dgm:txFillClrLst meth="repeat">
+      <a:schemeClr val="lt1"/>
+    </dgm:txFillClrLst>
+    <dgm:txEffectClrLst/>
+  </dgm:styleLbl>
+  <dgm:styleLbl name="fgShp">
+    <dgm:fillClrLst meth="repeat">
+      <a:schemeClr val="accent1">
+        <a:tint val="60000"/>
+      </a:schemeClr>
+    </dgm:fillClrLst>
+    <dgm:linClrLst meth="repeat">
+      <a:schemeClr val="lt1"/>
+    </dgm:linClrLst>
+    <dgm:effectClrLst/>
+    <dgm:txLinClrLst/>
+    <dgm:txFillClrLst meth="repeat">
+      <a:schemeClr val="dk1"/>
+    </dgm:txFillClrLst>
+    <dgm:txEffectClrLst/>
+  </dgm:styleLbl>
+  <dgm:styleLbl name="revTx">
+    <dgm:fillClrLst meth="repeat">
+      <a:schemeClr val="lt1">
+        <a:alpha val="0"/>
+      </a:schemeClr>
+    </dgm:fillClrLst>
+    <dgm:linClrLst meth="repeat">
+      <a:schemeClr val="dk1">
+        <a:alpha val="0"/>
+      </a:schemeClr>
+    </dgm:linClrLst>
+    <dgm:effectClrLst/>
+    <dgm:txLinClrLst/>
+    <dgm:txFillClrLst meth="repeat">
+      <a:schemeClr val="tx1"/>
+    </dgm:txFillClrLst>
+    <dgm:txEffectClrLst/>
+  </dgm:styleLbl>
+</dgm:colorsDef>
+</file>
+
+<file path=ppt/diagrams/data1.xml><?xml version="1.0" encoding="utf-8"?>
+<dgm:dataModel xmlns:dgm="http://schemas.openxmlformats.org/drawingml/2006/diagram" xmlns:a="http://schemas.openxmlformats.org/drawingml/2006/main">
+  <dgm:ptLst>
+    <dgm:pt modelId="{EA86DDEA-0BC4-1F41-A22B-A07D8166858B}" type="doc">
+      <dgm:prSet loTypeId="urn:microsoft.com/office/officeart/2005/8/layout/hProcess9" loCatId="process" qsTypeId="urn:microsoft.com/office/officeart/2005/8/quickstyle/simple1" qsCatId="simple" csTypeId="urn:microsoft.com/office/officeart/2005/8/colors/accent1_2" csCatId="accent1" phldr="1"/>
+      <dgm:spPr/>
+    </dgm:pt>
+    <dgm:pt modelId="{F08692E5-CC40-1A42-8E6F-950125DB3CB0}">
+      <dgm:prSet phldrT="[Text]"/>
+      <dgm:spPr/>
+      <dgm:t>
+        <a:bodyPr/>
+        <a:lstStyle/>
+        <a:p>
+          <a:pPr rtl="0"/>
+          <a:r>
+            <a:rPr lang="en-US" dirty="0"/>
+            <a:t>EDA</a:t>
+          </a:r>
+        </a:p>
+      </dgm:t>
+    </dgm:pt>
+    <dgm:pt modelId="{9BB8C2B3-7D8F-4D49-A029-54B2F919EA7B}" type="parTrans" cxnId="{BBC7E8EF-F575-894C-BEA2-CCD178BBD0E5}">
+      <dgm:prSet/>
+      <dgm:spPr/>
+      <dgm:t>
+        <a:bodyPr/>
+        <a:lstStyle/>
+        <a:p>
+          <a:endParaRPr lang="en-US"/>
+        </a:p>
+      </dgm:t>
+    </dgm:pt>
+    <dgm:pt modelId="{A2F959CF-E415-7F46-B37A-6CB822286D0A}" type="sibTrans" cxnId="{BBC7E8EF-F575-894C-BEA2-CCD178BBD0E5}">
+      <dgm:prSet/>
+      <dgm:spPr/>
+      <dgm:t>
+        <a:bodyPr/>
+        <a:lstStyle/>
+        <a:p>
+          <a:endParaRPr lang="en-US"/>
+        </a:p>
+      </dgm:t>
+    </dgm:pt>
+    <dgm:pt modelId="{D9BA2D52-372A-E44D-9F8E-57D5CB61CB74}">
+      <dgm:prSet phldrT="[Text]"/>
+      <dgm:spPr/>
+      <dgm:t>
+        <a:bodyPr/>
+        <a:lstStyle/>
+        <a:p>
+          <a:pPr rtl="0"/>
+          <a:r>
+            <a:rPr lang="en-US" dirty="0"/>
+            <a:t>The model	</a:t>
+          </a:r>
+        </a:p>
+      </dgm:t>
+    </dgm:pt>
+    <dgm:pt modelId="{274CD2B5-9B48-D448-B357-AB73B578219E}" type="parTrans" cxnId="{E161CE35-2B24-CC4F-BDBC-272469881BBB}">
+      <dgm:prSet/>
+      <dgm:spPr/>
+      <dgm:t>
+        <a:bodyPr/>
+        <a:lstStyle/>
+        <a:p>
+          <a:endParaRPr lang="en-US"/>
+        </a:p>
+      </dgm:t>
+    </dgm:pt>
+    <dgm:pt modelId="{380518A2-6D10-E442-9A35-B1A7C10BC811}" type="sibTrans" cxnId="{E161CE35-2B24-CC4F-BDBC-272469881BBB}">
+      <dgm:prSet/>
+      <dgm:spPr/>
+      <dgm:t>
+        <a:bodyPr/>
+        <a:lstStyle/>
+        <a:p>
+          <a:endParaRPr lang="en-US"/>
+        </a:p>
+      </dgm:t>
+    </dgm:pt>
+    <dgm:pt modelId="{33C7803A-F911-704F-9DD3-E7335EA53CC7}">
+      <dgm:prSet phldrT="[Text]"/>
+      <dgm:spPr/>
+      <dgm:t>
+        <a:bodyPr/>
+        <a:lstStyle/>
+        <a:p>
+          <a:pPr rtl="0"/>
+          <a:r>
+            <a:rPr lang="en-US" dirty="0"/>
+            <a:t>Model evaluation</a:t>
+          </a:r>
+        </a:p>
+      </dgm:t>
+    </dgm:pt>
+    <dgm:pt modelId="{56574B98-5DD5-4A47-9A64-6DC710906720}" type="parTrans" cxnId="{8559F315-1763-5C47-BC3B-FF24EC6F3A71}">
+      <dgm:prSet/>
+      <dgm:spPr/>
+      <dgm:t>
+        <a:bodyPr/>
+        <a:lstStyle/>
+        <a:p>
+          <a:endParaRPr lang="en-US"/>
+        </a:p>
+      </dgm:t>
+    </dgm:pt>
+    <dgm:pt modelId="{5FD86448-43B0-474F-A7D1-3845332D2652}" type="sibTrans" cxnId="{8559F315-1763-5C47-BC3B-FF24EC6F3A71}">
+      <dgm:prSet/>
+      <dgm:spPr/>
+      <dgm:t>
+        <a:bodyPr/>
+        <a:lstStyle/>
+        <a:p>
+          <a:endParaRPr lang="en-US"/>
+        </a:p>
+      </dgm:t>
+    </dgm:pt>
+    <dgm:pt modelId="{45E34093-36B5-244E-A744-1C0BFCDA701F}">
+      <dgm:prSet/>
+      <dgm:spPr/>
+      <dgm:t>
+        <a:bodyPr/>
+        <a:lstStyle/>
+        <a:p>
+          <a:pPr rtl="0"/>
+          <a:r>
+            <a:rPr lang="en-US" dirty="0"/>
+            <a:t>Feature engineering</a:t>
+          </a:r>
+        </a:p>
+      </dgm:t>
+    </dgm:pt>
+    <dgm:pt modelId="{AED18C26-6F0C-A843-84CA-92978C3EC827}" type="parTrans" cxnId="{4DC052FC-ABCE-D049-85BE-608B6A83BE8A}">
+      <dgm:prSet/>
+      <dgm:spPr/>
+      <dgm:t>
+        <a:bodyPr/>
+        <a:lstStyle/>
+        <a:p>
+          <a:endParaRPr lang="en-US"/>
+        </a:p>
+      </dgm:t>
+    </dgm:pt>
+    <dgm:pt modelId="{C8730E67-DC15-2C4B-904D-365371C70402}" type="sibTrans" cxnId="{4DC052FC-ABCE-D049-85BE-608B6A83BE8A}">
+      <dgm:prSet/>
+      <dgm:spPr/>
+      <dgm:t>
+        <a:bodyPr/>
+        <a:lstStyle/>
+        <a:p>
+          <a:endParaRPr lang="en-US"/>
+        </a:p>
+      </dgm:t>
+    </dgm:pt>
+    <dgm:pt modelId="{5329877D-9AE7-CA4D-9D6C-A32D92FE1288}">
+      <dgm:prSet/>
+      <dgm:spPr/>
+      <dgm:t>
+        <a:bodyPr/>
+        <a:lstStyle/>
+        <a:p>
+          <a:pPr rtl="0"/>
+          <a:r>
+            <a:rPr lang="en-US" dirty="0"/>
+            <a:t>Train/Test split</a:t>
+          </a:r>
+        </a:p>
+      </dgm:t>
+    </dgm:pt>
+    <dgm:pt modelId="{AF60B2FA-09DB-8D4B-A7D5-91ECCC88E03D}" type="parTrans" cxnId="{E72B9945-F582-2347-9144-220802FB8DB9}">
+      <dgm:prSet/>
+      <dgm:spPr/>
+      <dgm:t>
+        <a:bodyPr/>
+        <a:lstStyle/>
+        <a:p>
+          <a:endParaRPr lang="en-US"/>
+        </a:p>
+      </dgm:t>
+    </dgm:pt>
+    <dgm:pt modelId="{0283DD6C-C69A-3341-8B01-F6CED2948649}" type="sibTrans" cxnId="{E72B9945-F582-2347-9144-220802FB8DB9}">
+      <dgm:prSet/>
+      <dgm:spPr/>
+      <dgm:t>
+        <a:bodyPr/>
+        <a:lstStyle/>
+        <a:p>
+          <a:endParaRPr lang="en-US"/>
+        </a:p>
+      </dgm:t>
+    </dgm:pt>
+    <dgm:pt modelId="{4B80CFEA-B42E-2243-B8A9-D846670AE1B6}" type="pres">
+      <dgm:prSet presAssocID="{EA86DDEA-0BC4-1F41-A22B-A07D8166858B}" presName="CompostProcess" presStyleCnt="0">
+        <dgm:presLayoutVars>
+          <dgm:dir/>
+          <dgm:resizeHandles val="exact"/>
+        </dgm:presLayoutVars>
+      </dgm:prSet>
+      <dgm:spPr/>
+    </dgm:pt>
+    <dgm:pt modelId="{972EAACF-AB5C-7B48-ABF9-18724343983B}" type="pres">
+      <dgm:prSet presAssocID="{EA86DDEA-0BC4-1F41-A22B-A07D8166858B}" presName="arrow" presStyleLbl="bgShp" presStyleIdx="0" presStyleCnt="1"/>
+      <dgm:spPr/>
+    </dgm:pt>
+    <dgm:pt modelId="{1EC67ECD-1741-FB48-BF81-42E942E8D33E}" type="pres">
+      <dgm:prSet presAssocID="{EA86DDEA-0BC4-1F41-A22B-A07D8166858B}" presName="linearProcess" presStyleCnt="0"/>
+      <dgm:spPr/>
+    </dgm:pt>
+    <dgm:pt modelId="{A76A755D-FCCD-704D-8348-163569AE857A}" type="pres">
+      <dgm:prSet presAssocID="{F08692E5-CC40-1A42-8E6F-950125DB3CB0}" presName="textNode" presStyleLbl="node1" presStyleIdx="0" presStyleCnt="5">
+        <dgm:presLayoutVars>
+          <dgm:bulletEnabled val="1"/>
+        </dgm:presLayoutVars>
+      </dgm:prSet>
+      <dgm:spPr/>
+    </dgm:pt>
+    <dgm:pt modelId="{52A8BB8F-3D14-8B41-BA10-800C72D3D97E}" type="pres">
+      <dgm:prSet presAssocID="{A2F959CF-E415-7F46-B37A-6CB822286D0A}" presName="sibTrans" presStyleCnt="0"/>
+      <dgm:spPr/>
+    </dgm:pt>
+    <dgm:pt modelId="{B432ABEC-3D51-0945-B757-45B63F6E7C2A}" type="pres">
+      <dgm:prSet presAssocID="{45E34093-36B5-244E-A744-1C0BFCDA701F}" presName="textNode" presStyleLbl="node1" presStyleIdx="1" presStyleCnt="5">
+        <dgm:presLayoutVars>
+          <dgm:bulletEnabled val="1"/>
+        </dgm:presLayoutVars>
+      </dgm:prSet>
+      <dgm:spPr/>
+    </dgm:pt>
+    <dgm:pt modelId="{6AC8B6F3-888F-3343-B0BF-9ADC9632EFAD}" type="pres">
+      <dgm:prSet presAssocID="{C8730E67-DC15-2C4B-904D-365371C70402}" presName="sibTrans" presStyleCnt="0"/>
+      <dgm:spPr/>
+    </dgm:pt>
+    <dgm:pt modelId="{49ECA9B8-04A8-2441-B18D-802824548581}" type="pres">
+      <dgm:prSet presAssocID="{5329877D-9AE7-CA4D-9D6C-A32D92FE1288}" presName="textNode" presStyleLbl="node1" presStyleIdx="2" presStyleCnt="5">
+        <dgm:presLayoutVars>
+          <dgm:bulletEnabled val="1"/>
+        </dgm:presLayoutVars>
+      </dgm:prSet>
+      <dgm:spPr/>
+    </dgm:pt>
+    <dgm:pt modelId="{B0532369-E501-B145-B3A3-B9A263426AA0}" type="pres">
+      <dgm:prSet presAssocID="{0283DD6C-C69A-3341-8B01-F6CED2948649}" presName="sibTrans" presStyleCnt="0"/>
+      <dgm:spPr/>
+    </dgm:pt>
+    <dgm:pt modelId="{5AC031BB-884F-0048-BD2A-32FB0B4982E9}" type="pres">
+      <dgm:prSet presAssocID="{D9BA2D52-372A-E44D-9F8E-57D5CB61CB74}" presName="textNode" presStyleLbl="node1" presStyleIdx="3" presStyleCnt="5">
+        <dgm:presLayoutVars>
+          <dgm:bulletEnabled val="1"/>
+        </dgm:presLayoutVars>
+      </dgm:prSet>
+      <dgm:spPr/>
+    </dgm:pt>
+    <dgm:pt modelId="{3CF0A7DF-AE37-0C48-B886-8D1D37D34F7B}" type="pres">
+      <dgm:prSet presAssocID="{380518A2-6D10-E442-9A35-B1A7C10BC811}" presName="sibTrans" presStyleCnt="0"/>
+      <dgm:spPr/>
+    </dgm:pt>
+    <dgm:pt modelId="{7A7A943C-2905-2143-82BE-B66E97EBFE42}" type="pres">
+      <dgm:prSet presAssocID="{33C7803A-F911-704F-9DD3-E7335EA53CC7}" presName="textNode" presStyleLbl="node1" presStyleIdx="4" presStyleCnt="5">
+        <dgm:presLayoutVars>
+          <dgm:bulletEnabled val="1"/>
+        </dgm:presLayoutVars>
+      </dgm:prSet>
+      <dgm:spPr/>
+    </dgm:pt>
+  </dgm:ptLst>
+  <dgm:cxnLst>
+    <dgm:cxn modelId="{8559F315-1763-5C47-BC3B-FF24EC6F3A71}" srcId="{EA86DDEA-0BC4-1F41-A22B-A07D8166858B}" destId="{33C7803A-F911-704F-9DD3-E7335EA53CC7}" srcOrd="4" destOrd="0" parTransId="{56574B98-5DD5-4A47-9A64-6DC710906720}" sibTransId="{5FD86448-43B0-474F-A7D1-3845332D2652}"/>
+    <dgm:cxn modelId="{E161CE35-2B24-CC4F-BDBC-272469881BBB}" srcId="{EA86DDEA-0BC4-1F41-A22B-A07D8166858B}" destId="{D9BA2D52-372A-E44D-9F8E-57D5CB61CB74}" srcOrd="3" destOrd="0" parTransId="{274CD2B5-9B48-D448-B357-AB73B578219E}" sibTransId="{380518A2-6D10-E442-9A35-B1A7C10BC811}"/>
+    <dgm:cxn modelId="{E72B9945-F582-2347-9144-220802FB8DB9}" srcId="{EA86DDEA-0BC4-1F41-A22B-A07D8166858B}" destId="{5329877D-9AE7-CA4D-9D6C-A32D92FE1288}" srcOrd="2" destOrd="0" parTransId="{AF60B2FA-09DB-8D4B-A7D5-91ECCC88E03D}" sibTransId="{0283DD6C-C69A-3341-8B01-F6CED2948649}"/>
+    <dgm:cxn modelId="{66C1B34C-ED51-E246-88B6-A23CE6E2439A}" type="presOf" srcId="{D9BA2D52-372A-E44D-9F8E-57D5CB61CB74}" destId="{5AC031BB-884F-0048-BD2A-32FB0B4982E9}" srcOrd="0" destOrd="0" presId="urn:microsoft.com/office/officeart/2005/8/layout/hProcess9"/>
+    <dgm:cxn modelId="{EC71CC4D-23E3-1046-8086-919F03978EC6}" type="presOf" srcId="{5329877D-9AE7-CA4D-9D6C-A32D92FE1288}" destId="{49ECA9B8-04A8-2441-B18D-802824548581}" srcOrd="0" destOrd="0" presId="urn:microsoft.com/office/officeart/2005/8/layout/hProcess9"/>
+    <dgm:cxn modelId="{205B0D5D-3AB2-F749-A70A-9739AB30E6C8}" type="presOf" srcId="{EA86DDEA-0BC4-1F41-A22B-A07D8166858B}" destId="{4B80CFEA-B42E-2243-B8A9-D846670AE1B6}" srcOrd="0" destOrd="0" presId="urn:microsoft.com/office/officeart/2005/8/layout/hProcess9"/>
+    <dgm:cxn modelId="{5F632D5F-2C85-C947-8DAC-E837A8B62442}" type="presOf" srcId="{33C7803A-F911-704F-9DD3-E7335EA53CC7}" destId="{7A7A943C-2905-2143-82BE-B66E97EBFE42}" srcOrd="0" destOrd="0" presId="urn:microsoft.com/office/officeart/2005/8/layout/hProcess9"/>
+    <dgm:cxn modelId="{7AE6A9B6-0BA9-D243-8806-F3EC6C19649E}" type="presOf" srcId="{45E34093-36B5-244E-A744-1C0BFCDA701F}" destId="{B432ABEC-3D51-0945-B757-45B63F6E7C2A}" srcOrd="0" destOrd="0" presId="urn:microsoft.com/office/officeart/2005/8/layout/hProcess9"/>
+    <dgm:cxn modelId="{0108BDDB-CA84-824C-B46A-CFA1AEC5E959}" type="presOf" srcId="{F08692E5-CC40-1A42-8E6F-950125DB3CB0}" destId="{A76A755D-FCCD-704D-8348-163569AE857A}" srcOrd="0" destOrd="0" presId="urn:microsoft.com/office/officeart/2005/8/layout/hProcess9"/>
+    <dgm:cxn modelId="{BBC7E8EF-F575-894C-BEA2-CCD178BBD0E5}" srcId="{EA86DDEA-0BC4-1F41-A22B-A07D8166858B}" destId="{F08692E5-CC40-1A42-8E6F-950125DB3CB0}" srcOrd="0" destOrd="0" parTransId="{9BB8C2B3-7D8F-4D49-A029-54B2F919EA7B}" sibTransId="{A2F959CF-E415-7F46-B37A-6CB822286D0A}"/>
+    <dgm:cxn modelId="{4DC052FC-ABCE-D049-85BE-608B6A83BE8A}" srcId="{EA86DDEA-0BC4-1F41-A22B-A07D8166858B}" destId="{45E34093-36B5-244E-A744-1C0BFCDA701F}" srcOrd="1" destOrd="0" parTransId="{AED18C26-6F0C-A843-84CA-92978C3EC827}" sibTransId="{C8730E67-DC15-2C4B-904D-365371C70402}"/>
+    <dgm:cxn modelId="{58160830-280C-5444-971A-B0EC996491EB}" type="presParOf" srcId="{4B80CFEA-B42E-2243-B8A9-D846670AE1B6}" destId="{972EAACF-AB5C-7B48-ABF9-18724343983B}" srcOrd="0" destOrd="0" presId="urn:microsoft.com/office/officeart/2005/8/layout/hProcess9"/>
+    <dgm:cxn modelId="{6CC6D19E-D2DE-2647-B4CF-D3BFA3A02D7D}" type="presParOf" srcId="{4B80CFEA-B42E-2243-B8A9-D846670AE1B6}" destId="{1EC67ECD-1741-FB48-BF81-42E942E8D33E}" srcOrd="1" destOrd="0" presId="urn:microsoft.com/office/officeart/2005/8/layout/hProcess9"/>
+    <dgm:cxn modelId="{28A26C94-9A04-BD42-AE66-2F2A8A16701B}" type="presParOf" srcId="{1EC67ECD-1741-FB48-BF81-42E942E8D33E}" destId="{A76A755D-FCCD-704D-8348-163569AE857A}" srcOrd="0" destOrd="0" presId="urn:microsoft.com/office/officeart/2005/8/layout/hProcess9"/>
+    <dgm:cxn modelId="{CA3E1A96-7955-1C4B-A48C-8259DE9BE9DA}" type="presParOf" srcId="{1EC67ECD-1741-FB48-BF81-42E942E8D33E}" destId="{52A8BB8F-3D14-8B41-BA10-800C72D3D97E}" srcOrd="1" destOrd="0" presId="urn:microsoft.com/office/officeart/2005/8/layout/hProcess9"/>
+    <dgm:cxn modelId="{74F3F917-FC65-5245-8392-6A77A714DCEF}" type="presParOf" srcId="{1EC67ECD-1741-FB48-BF81-42E942E8D33E}" destId="{B432ABEC-3D51-0945-B757-45B63F6E7C2A}" srcOrd="2" destOrd="0" presId="urn:microsoft.com/office/officeart/2005/8/layout/hProcess9"/>
+    <dgm:cxn modelId="{1521CCE8-644B-DC46-AFCD-3F52D51A25A7}" type="presParOf" srcId="{1EC67ECD-1741-FB48-BF81-42E942E8D33E}" destId="{6AC8B6F3-888F-3343-B0BF-9ADC9632EFAD}" srcOrd="3" destOrd="0" presId="urn:microsoft.com/office/officeart/2005/8/layout/hProcess9"/>
+    <dgm:cxn modelId="{DA7E0F6A-E04C-AC47-AF64-502F82D0ECD4}" type="presParOf" srcId="{1EC67ECD-1741-FB48-BF81-42E942E8D33E}" destId="{49ECA9B8-04A8-2441-B18D-802824548581}" srcOrd="4" destOrd="0" presId="urn:microsoft.com/office/officeart/2005/8/layout/hProcess9"/>
+    <dgm:cxn modelId="{CCD29C3A-44B2-AF4D-ADCF-48908D0175E8}" type="presParOf" srcId="{1EC67ECD-1741-FB48-BF81-42E942E8D33E}" destId="{B0532369-E501-B145-B3A3-B9A263426AA0}" srcOrd="5" destOrd="0" presId="urn:microsoft.com/office/officeart/2005/8/layout/hProcess9"/>
+    <dgm:cxn modelId="{BA04D2F4-89D9-9049-BCF3-BDCEC99D2BA4}" type="presParOf" srcId="{1EC67ECD-1741-FB48-BF81-42E942E8D33E}" destId="{5AC031BB-884F-0048-BD2A-32FB0B4982E9}" srcOrd="6" destOrd="0" presId="urn:microsoft.com/office/officeart/2005/8/layout/hProcess9"/>
+    <dgm:cxn modelId="{372F2BAA-5077-8341-86F3-2B84FE8F0DB1}" type="presParOf" srcId="{1EC67ECD-1741-FB48-BF81-42E942E8D33E}" destId="{3CF0A7DF-AE37-0C48-B886-8D1D37D34F7B}" srcOrd="7" destOrd="0" presId="urn:microsoft.com/office/officeart/2005/8/layout/hProcess9"/>
+    <dgm:cxn modelId="{A4E5FB3B-F608-2349-8B51-0C2B435A6267}" type="presParOf" srcId="{1EC67ECD-1741-FB48-BF81-42E942E8D33E}" destId="{7A7A943C-2905-2143-82BE-B66E97EBFE42}" srcOrd="8" destOrd="0" presId="urn:microsoft.com/office/officeart/2005/8/layout/hProcess9"/>
+  </dgm:cxnLst>
+  <dgm:bg/>
+  <dgm:whole/>
+  <dgm:extLst>
+    <a:ext uri="http://schemas.microsoft.com/office/drawing/2008/diagram">
+      <dsp:dataModelExt xmlns:dsp="http://schemas.microsoft.com/office/drawing/2008/diagram" relId="rId6" minVer="http://schemas.openxmlformats.org/drawingml/2006/diagram"/>
+    </a:ext>
+  </dgm:extLst>
+</dgm:dataModel>
+</file>
+
+<file path=ppt/diagrams/drawing1.xml><?xml version="1.0" encoding="utf-8"?>
+<dsp:drawing xmlns:dgm="http://schemas.openxmlformats.org/drawingml/2006/diagram" xmlns:dsp="http://schemas.microsoft.com/office/drawing/2008/diagram" xmlns:a="http://schemas.openxmlformats.org/drawingml/2006/main">
+  <dsp:spTree>
+    <dsp:nvGrpSpPr>
+      <dsp:cNvPr id="0" name=""/>
+      <dsp:cNvGrpSpPr/>
+    </dsp:nvGrpSpPr>
+    <dsp:grpSpPr/>
+    <dsp:sp modelId="{972EAACF-AB5C-7B48-ABF9-18724343983B}">
+      <dsp:nvSpPr>
+        <dsp:cNvPr id="0" name=""/>
+        <dsp:cNvSpPr/>
+      </dsp:nvSpPr>
+      <dsp:spPr>
+        <a:xfrm>
+          <a:off x="788670" y="0"/>
+          <a:ext cx="8938260" cy="4351338"/>
+        </a:xfrm>
+        <a:prstGeom prst="rightArrow">
+          <a:avLst/>
+        </a:prstGeom>
+        <a:solidFill>
+          <a:schemeClr val="accent1">
+            <a:tint val="40000"/>
+            <a:hueOff val="0"/>
+            <a:satOff val="0"/>
+            <a:lumOff val="0"/>
+            <a:alphaOff val="0"/>
+          </a:schemeClr>
+        </a:solidFill>
+        <a:ln>
+          <a:noFill/>
+        </a:ln>
+        <a:effectLst/>
+      </dsp:spPr>
+      <dsp:style>
+        <a:lnRef idx="0">
+          <a:scrgbClr r="0" g="0" b="0"/>
+        </a:lnRef>
+        <a:fillRef idx="1">
+          <a:scrgbClr r="0" g="0" b="0"/>
+        </a:fillRef>
+        <a:effectRef idx="0">
+          <a:scrgbClr r="0" g="0" b="0"/>
+        </a:effectRef>
+        <a:fontRef idx="minor"/>
+      </dsp:style>
+    </dsp:sp>
+    <dsp:sp modelId="{A76A755D-FCCD-704D-8348-163569AE857A}">
+      <dsp:nvSpPr>
+        <dsp:cNvPr id="0" name=""/>
+        <dsp:cNvSpPr/>
+      </dsp:nvSpPr>
+      <dsp:spPr>
+        <a:xfrm>
+          <a:off x="8151" y="1305401"/>
+          <a:ext cx="1991828" cy="1740535"/>
+        </a:xfrm>
+        <a:prstGeom prst="roundRect">
+          <a:avLst/>
+        </a:prstGeom>
+        <a:solidFill>
+          <a:schemeClr val="accent1">
+            <a:hueOff val="0"/>
+            <a:satOff val="0"/>
+            <a:lumOff val="0"/>
+            <a:alphaOff val="0"/>
+          </a:schemeClr>
+        </a:solidFill>
+        <a:ln w="19050" cap="flat" cmpd="sng" algn="ctr">
+          <a:solidFill>
+            <a:schemeClr val="lt1">
+              <a:hueOff val="0"/>
+              <a:satOff val="0"/>
+              <a:lumOff val="0"/>
+              <a:alphaOff val="0"/>
+            </a:schemeClr>
+          </a:solidFill>
+          <a:prstDash val="solid"/>
+          <a:miter lim="800000"/>
+        </a:ln>
+        <a:effectLst/>
+      </dsp:spPr>
+      <dsp:style>
+        <a:lnRef idx="2">
+          <a:scrgbClr r="0" g="0" b="0"/>
+        </a:lnRef>
+        <a:fillRef idx="1">
+          <a:scrgbClr r="0" g="0" b="0"/>
+        </a:fillRef>
+        <a:effectRef idx="0">
+          <a:scrgbClr r="0" g="0" b="0"/>
+        </a:effectRef>
+        <a:fontRef idx="minor">
+          <a:schemeClr val="lt1"/>
+        </a:fontRef>
+      </dsp:style>
+      <dsp:txBody>
+        <a:bodyPr spcFirstLastPara="0" vert="horz" wrap="square" lIns="95250" tIns="95250" rIns="95250" bIns="95250" numCol="1" spcCol="1270" anchor="ctr" anchorCtr="0">
+          <a:noAutofit/>
+        </a:bodyPr>
+        <a:lstStyle/>
+        <a:p>
+          <a:pPr marL="0" lvl="0" indent="0" algn="ctr" defTabSz="1111250" rtl="0">
+            <a:lnSpc>
+              <a:spcPct val="90000"/>
+            </a:lnSpc>
+            <a:spcBef>
+              <a:spcPct val="0"/>
+            </a:spcBef>
+            <a:spcAft>
+              <a:spcPct val="35000"/>
+            </a:spcAft>
+            <a:buNone/>
+          </a:pPr>
+          <a:r>
+            <a:rPr lang="en-US" sz="2500" kern="1200" dirty="0"/>
+            <a:t>EDA</a:t>
+          </a:r>
+        </a:p>
+      </dsp:txBody>
+      <dsp:txXfrm>
+        <a:off x="93117" y="1390367"/>
+        <a:ext cx="1821896" cy="1570603"/>
+      </dsp:txXfrm>
+    </dsp:sp>
+    <dsp:sp modelId="{B432ABEC-3D51-0945-B757-45B63F6E7C2A}">
+      <dsp:nvSpPr>
+        <dsp:cNvPr id="0" name=""/>
+        <dsp:cNvSpPr/>
+      </dsp:nvSpPr>
+      <dsp:spPr>
+        <a:xfrm>
+          <a:off x="2135018" y="1305401"/>
+          <a:ext cx="1991828" cy="1740535"/>
+        </a:xfrm>
+        <a:prstGeom prst="roundRect">
+          <a:avLst/>
+        </a:prstGeom>
+        <a:solidFill>
+          <a:schemeClr val="accent1">
+            <a:hueOff val="0"/>
+            <a:satOff val="0"/>
+            <a:lumOff val="0"/>
+            <a:alphaOff val="0"/>
+          </a:schemeClr>
+        </a:solidFill>
+        <a:ln w="19050" cap="flat" cmpd="sng" algn="ctr">
+          <a:solidFill>
+            <a:schemeClr val="lt1">
+              <a:hueOff val="0"/>
+              <a:satOff val="0"/>
+              <a:lumOff val="0"/>
+              <a:alphaOff val="0"/>
+            </a:schemeClr>
+          </a:solidFill>
+          <a:prstDash val="solid"/>
+          <a:miter lim="800000"/>
+        </a:ln>
+        <a:effectLst/>
+      </dsp:spPr>
+      <dsp:style>
+        <a:lnRef idx="2">
+          <a:scrgbClr r="0" g="0" b="0"/>
+        </a:lnRef>
+        <a:fillRef idx="1">
+          <a:scrgbClr r="0" g="0" b="0"/>
+        </a:fillRef>
+        <a:effectRef idx="0">
+          <a:scrgbClr r="0" g="0" b="0"/>
+        </a:effectRef>
+        <a:fontRef idx="minor">
+          <a:schemeClr val="lt1"/>
+        </a:fontRef>
+      </dsp:style>
+      <dsp:txBody>
+        <a:bodyPr spcFirstLastPara="0" vert="horz" wrap="square" lIns="95250" tIns="95250" rIns="95250" bIns="95250" numCol="1" spcCol="1270" anchor="ctr" anchorCtr="0">
+          <a:noAutofit/>
+        </a:bodyPr>
+        <a:lstStyle/>
+        <a:p>
+          <a:pPr marL="0" lvl="0" indent="0" algn="ctr" defTabSz="1111250" rtl="0">
+            <a:lnSpc>
+              <a:spcPct val="90000"/>
+            </a:lnSpc>
+            <a:spcBef>
+              <a:spcPct val="0"/>
+            </a:spcBef>
+            <a:spcAft>
+              <a:spcPct val="35000"/>
+            </a:spcAft>
+            <a:buNone/>
+          </a:pPr>
+          <a:r>
+            <a:rPr lang="en-US" sz="2500" kern="1200" dirty="0"/>
+            <a:t>Feature engineering</a:t>
+          </a:r>
+        </a:p>
+      </dsp:txBody>
+      <dsp:txXfrm>
+        <a:off x="2219984" y="1390367"/>
+        <a:ext cx="1821896" cy="1570603"/>
+      </dsp:txXfrm>
+    </dsp:sp>
+    <dsp:sp modelId="{49ECA9B8-04A8-2441-B18D-802824548581}">
+      <dsp:nvSpPr>
+        <dsp:cNvPr id="0" name=""/>
+        <dsp:cNvSpPr/>
+      </dsp:nvSpPr>
+      <dsp:spPr>
+        <a:xfrm>
+          <a:off x="4261885" y="1305401"/>
+          <a:ext cx="1991828" cy="1740535"/>
+        </a:xfrm>
+        <a:prstGeom prst="roundRect">
+          <a:avLst/>
+        </a:prstGeom>
+        <a:solidFill>
+          <a:schemeClr val="accent1">
+            <a:hueOff val="0"/>
+            <a:satOff val="0"/>
+            <a:lumOff val="0"/>
+            <a:alphaOff val="0"/>
+          </a:schemeClr>
+        </a:solidFill>
+        <a:ln w="19050" cap="flat" cmpd="sng" algn="ctr">
+          <a:solidFill>
+            <a:schemeClr val="lt1">
+              <a:hueOff val="0"/>
+              <a:satOff val="0"/>
+              <a:lumOff val="0"/>
+              <a:alphaOff val="0"/>
+            </a:schemeClr>
+          </a:solidFill>
+          <a:prstDash val="solid"/>
+          <a:miter lim="800000"/>
+        </a:ln>
+        <a:effectLst/>
+      </dsp:spPr>
+      <dsp:style>
+        <a:lnRef idx="2">
+          <a:scrgbClr r="0" g="0" b="0"/>
+        </a:lnRef>
+        <a:fillRef idx="1">
+          <a:scrgbClr r="0" g="0" b="0"/>
+        </a:fillRef>
+        <a:effectRef idx="0">
+          <a:scrgbClr r="0" g="0" b="0"/>
+        </a:effectRef>
+        <a:fontRef idx="minor">
+          <a:schemeClr val="lt1"/>
+        </a:fontRef>
+      </dsp:style>
+      <dsp:txBody>
+        <a:bodyPr spcFirstLastPara="0" vert="horz" wrap="square" lIns="95250" tIns="95250" rIns="95250" bIns="95250" numCol="1" spcCol="1270" anchor="ctr" anchorCtr="0">
+          <a:noAutofit/>
+        </a:bodyPr>
+        <a:lstStyle/>
+        <a:p>
+          <a:pPr marL="0" lvl="0" indent="0" algn="ctr" defTabSz="1111250" rtl="0">
+            <a:lnSpc>
+              <a:spcPct val="90000"/>
+            </a:lnSpc>
+            <a:spcBef>
+              <a:spcPct val="0"/>
+            </a:spcBef>
+            <a:spcAft>
+              <a:spcPct val="35000"/>
+            </a:spcAft>
+            <a:buNone/>
+          </a:pPr>
+          <a:r>
+            <a:rPr lang="en-US" sz="2500" kern="1200" dirty="0"/>
+            <a:t>Train/Test split</a:t>
+          </a:r>
+        </a:p>
+      </dsp:txBody>
+      <dsp:txXfrm>
+        <a:off x="4346851" y="1390367"/>
+        <a:ext cx="1821896" cy="1570603"/>
+      </dsp:txXfrm>
+    </dsp:sp>
+    <dsp:sp modelId="{5AC031BB-884F-0048-BD2A-32FB0B4982E9}">
+      <dsp:nvSpPr>
+        <dsp:cNvPr id="0" name=""/>
+        <dsp:cNvSpPr/>
+      </dsp:nvSpPr>
+      <dsp:spPr>
+        <a:xfrm>
+          <a:off x="6388753" y="1305401"/>
+          <a:ext cx="1991828" cy="1740535"/>
+        </a:xfrm>
+        <a:prstGeom prst="roundRect">
+          <a:avLst/>
+        </a:prstGeom>
+        <a:solidFill>
+          <a:schemeClr val="accent1">
+            <a:hueOff val="0"/>
+            <a:satOff val="0"/>
+            <a:lumOff val="0"/>
+            <a:alphaOff val="0"/>
+          </a:schemeClr>
+        </a:solidFill>
+        <a:ln w="19050" cap="flat" cmpd="sng" algn="ctr">
+          <a:solidFill>
+            <a:schemeClr val="lt1">
+              <a:hueOff val="0"/>
+              <a:satOff val="0"/>
+              <a:lumOff val="0"/>
+              <a:alphaOff val="0"/>
+            </a:schemeClr>
+          </a:solidFill>
+          <a:prstDash val="solid"/>
+          <a:miter lim="800000"/>
+        </a:ln>
+        <a:effectLst/>
+      </dsp:spPr>
+      <dsp:style>
+        <a:lnRef idx="2">
+          <a:scrgbClr r="0" g="0" b="0"/>
+        </a:lnRef>
+        <a:fillRef idx="1">
+          <a:scrgbClr r="0" g="0" b="0"/>
+        </a:fillRef>
+        <a:effectRef idx="0">
+          <a:scrgbClr r="0" g="0" b="0"/>
+        </a:effectRef>
+        <a:fontRef idx="minor">
+          <a:schemeClr val="lt1"/>
+        </a:fontRef>
+      </dsp:style>
+      <dsp:txBody>
+        <a:bodyPr spcFirstLastPara="0" vert="horz" wrap="square" lIns="95250" tIns="95250" rIns="95250" bIns="95250" numCol="1" spcCol="1270" anchor="ctr" anchorCtr="0">
+          <a:noAutofit/>
+        </a:bodyPr>
+        <a:lstStyle/>
+        <a:p>
+          <a:pPr marL="0" lvl="0" indent="0" algn="ctr" defTabSz="1111250" rtl="0">
+            <a:lnSpc>
+              <a:spcPct val="90000"/>
+            </a:lnSpc>
+            <a:spcBef>
+              <a:spcPct val="0"/>
+            </a:spcBef>
+            <a:spcAft>
+              <a:spcPct val="35000"/>
+            </a:spcAft>
+            <a:buNone/>
+          </a:pPr>
+          <a:r>
+            <a:rPr lang="en-US" sz="2500" kern="1200" dirty="0"/>
+            <a:t>The model	</a:t>
+          </a:r>
+        </a:p>
+      </dsp:txBody>
+      <dsp:txXfrm>
+        <a:off x="6473719" y="1390367"/>
+        <a:ext cx="1821896" cy="1570603"/>
+      </dsp:txXfrm>
+    </dsp:sp>
+    <dsp:sp modelId="{7A7A943C-2905-2143-82BE-B66E97EBFE42}">
+      <dsp:nvSpPr>
+        <dsp:cNvPr id="0" name=""/>
+        <dsp:cNvSpPr/>
+      </dsp:nvSpPr>
+      <dsp:spPr>
+        <a:xfrm>
+          <a:off x="8515620" y="1305401"/>
+          <a:ext cx="1991828" cy="1740535"/>
+        </a:xfrm>
+        <a:prstGeom prst="roundRect">
+          <a:avLst/>
+        </a:prstGeom>
+        <a:solidFill>
+          <a:schemeClr val="accent1">
+            <a:hueOff val="0"/>
+            <a:satOff val="0"/>
+            <a:lumOff val="0"/>
+            <a:alphaOff val="0"/>
+          </a:schemeClr>
+        </a:solidFill>
+        <a:ln w="19050" cap="flat" cmpd="sng" algn="ctr">
+          <a:solidFill>
+            <a:schemeClr val="lt1">
+              <a:hueOff val="0"/>
+              <a:satOff val="0"/>
+              <a:lumOff val="0"/>
+              <a:alphaOff val="0"/>
+            </a:schemeClr>
+          </a:solidFill>
+          <a:prstDash val="solid"/>
+          <a:miter lim="800000"/>
+        </a:ln>
+        <a:effectLst/>
+      </dsp:spPr>
+      <dsp:style>
+        <a:lnRef idx="2">
+          <a:scrgbClr r="0" g="0" b="0"/>
+        </a:lnRef>
+        <a:fillRef idx="1">
+          <a:scrgbClr r="0" g="0" b="0"/>
+        </a:fillRef>
+        <a:effectRef idx="0">
+          <a:scrgbClr r="0" g="0" b="0"/>
+        </a:effectRef>
+        <a:fontRef idx="minor">
+          <a:schemeClr val="lt1"/>
+        </a:fontRef>
+      </dsp:style>
+      <dsp:txBody>
+        <a:bodyPr spcFirstLastPara="0" vert="horz" wrap="square" lIns="95250" tIns="95250" rIns="95250" bIns="95250" numCol="1" spcCol="1270" anchor="ctr" anchorCtr="0">
+          <a:noAutofit/>
+        </a:bodyPr>
+        <a:lstStyle/>
+        <a:p>
+          <a:pPr marL="0" lvl="0" indent="0" algn="ctr" defTabSz="1111250" rtl="0">
+            <a:lnSpc>
+              <a:spcPct val="90000"/>
+            </a:lnSpc>
+            <a:spcBef>
+              <a:spcPct val="0"/>
+            </a:spcBef>
+            <a:spcAft>
+              <a:spcPct val="35000"/>
+            </a:spcAft>
+            <a:buNone/>
+          </a:pPr>
+          <a:r>
+            <a:rPr lang="en-US" sz="2500" kern="1200" dirty="0"/>
+            <a:t>Model evaluation</a:t>
+          </a:r>
+        </a:p>
+      </dsp:txBody>
+      <dsp:txXfrm>
+        <a:off x="8600586" y="1390367"/>
+        <a:ext cx="1821896" cy="1570603"/>
+      </dsp:txXfrm>
+    </dsp:sp>
+  </dsp:spTree>
+</dsp:drawing>
+</file>
+
+<file path=ppt/diagrams/layout1.xml><?xml version="1.0" encoding="utf-8"?>
+<dgm:layoutDef xmlns:dgm="http://schemas.openxmlformats.org/drawingml/2006/diagram" xmlns:a="http://schemas.openxmlformats.org/drawingml/2006/main" uniqueId="urn:microsoft.com/office/officeart/2005/8/layout/hProcess9">
+  <dgm:title val=""/>
+  <dgm:desc val=""/>
+  <dgm:catLst>
+    <dgm:cat type="process" pri="5000"/>
+    <dgm:cat type="convert" pri="13000"/>
+  </dgm:catLst>
+  <dgm:sampData useDef="1">
+    <dgm:dataModel>
+      <dgm:ptLst/>
+      <dgm:bg/>
+      <dgm:whole/>
+    </dgm:dataModel>
+  </dgm:sampData>
+  <dgm:styleData>
+    <dgm:dataModel>
+      <dgm:ptLst>
+        <dgm:pt modelId="0" type="doc"/>
+        <dgm:pt modelId="1"/>
+        <dgm:pt modelId="2"/>
+      </dgm:ptLst>
+      <dgm:cxnLst>
+        <dgm:cxn modelId="3" srcId="0" destId="1" srcOrd="0" destOrd="0"/>
+        <dgm:cxn modelId="4" srcId="0" destId="2" srcOrd="1" destOrd="0"/>
+      </dgm:cxnLst>
+      <dgm:bg/>
+      <dgm:whole/>
+    </dgm:dataModel>
+  </dgm:styleData>
+  <dgm:clrData>
+    <dgm:dataModel>
+      <dgm:ptLst>
+        <dgm:pt modelId="0" type="doc"/>
+        <dgm:pt modelId="1"/>
+        <dgm:pt modelId="2"/>
+        <dgm:pt modelId="3"/>
+        <dgm:pt modelId="4"/>
+      </dgm:ptLst>
+      <dgm:cxnLst>
+        <dgm:cxn modelId="5" srcId="0" destId="1" srcOrd="0" destOrd="0"/>
+        <dgm:cxn modelId="6" srcId="0" destId="2" srcOrd="1" destOrd="0"/>
+        <dgm:cxn modelId="7" srcId="0" destId="3" srcOrd="2" destOrd="0"/>
+        <dgm:cxn modelId="8" srcId="0" destId="4" srcOrd="3" destOrd="0"/>
+      </dgm:cxnLst>
+      <dgm:bg/>
+      <dgm:whole/>
+    </dgm:dataModel>
+  </dgm:clrData>
+  <dgm:layoutNode name="CompostProcess">
+    <dgm:varLst>
+      <dgm:dir/>
+      <dgm:resizeHandles val="exact"/>
+    </dgm:varLst>
+    <dgm:alg type="composite">
+      <dgm:param type="horzAlign" val="ctr"/>
+      <dgm:param type="vertAlign" val="mid"/>
+    </dgm:alg>
+    <dgm:shape xmlns:r="http://schemas.openxmlformats.org/officeDocument/2006/relationships" r:blip="">
+      <dgm:adjLst/>
+    </dgm:shape>
+    <dgm:presOf/>
+    <dgm:constrLst>
+      <dgm:constr type="w" for="ch" forName="arrow" refType="w" fact="0.85"/>
+      <dgm:constr type="h" for="ch" forName="arrow" refType="h"/>
+      <dgm:constr type="ctrX" for="ch" forName="arrow" refType="w" fact="0.5"/>
+      <dgm:constr type="ctrY" for="ch" forName="arrow" refType="h" fact="0.5"/>
+      <dgm:constr type="w" for="ch" forName="linearProcess" refType="w"/>
+      <dgm:constr type="h" for="ch" forName="linearProcess" refType="h" fact="0.4"/>
+      <dgm:constr type="ctrX" for="ch" forName="linearProcess" refType="w" fact="0.5"/>
+      <dgm:constr type="ctrY" for="ch" forName="linearProcess" refType="h" fact="0.5"/>
+    </dgm:constrLst>
+    <dgm:ruleLst/>
+    <dgm:layoutNode name="arrow" styleLbl="bgShp">
+      <dgm:alg type="sp"/>
+      <dgm:choose name="Name0">
+        <dgm:if name="Name1" func="var" arg="dir" op="equ" val="norm">
+          <dgm:shape xmlns:r="http://schemas.openxmlformats.org/officeDocument/2006/relationships" type="rightArrow" r:blip="">
+            <dgm:adjLst/>
+          </dgm:shape>
+        </dgm:if>
+        <dgm:else name="Name2">
+          <dgm:shape xmlns:r="http://schemas.openxmlformats.org/officeDocument/2006/relationships" type="leftArrow" r:blip="">
+            <dgm:adjLst/>
+          </dgm:shape>
+        </dgm:else>
+      </dgm:choose>
+      <dgm:presOf/>
+      <dgm:constrLst/>
+      <dgm:ruleLst/>
+    </dgm:layoutNode>
+    <dgm:layoutNode name="linearProcess">
+      <dgm:choose name="Name3">
+        <dgm:if name="Name4" func="var" arg="dir" op="equ" val="norm">
+          <dgm:alg type="lin"/>
+        </dgm:if>
+        <dgm:else name="Name5">
+          <dgm:alg type="lin">
+            <dgm:param type="linDir" val="fromR"/>
+          </dgm:alg>
+        </dgm:else>
+      </dgm:choose>
+      <dgm:shape xmlns:r="http://schemas.openxmlformats.org/officeDocument/2006/relationships" r:blip="">
+        <dgm:adjLst/>
+      </dgm:shape>
+      <dgm:presOf/>
+      <dgm:constrLst>
+        <dgm:constr type="userA" for="ch" ptType="node" refType="w"/>
+        <dgm:constr type="h" for="ch" ptType="node" refType="h"/>
+        <dgm:constr type="w" for="ch" ptType="node" op="equ"/>
+        <dgm:constr type="w" for="ch" forName="sibTrans" refType="w" fact="0.05"/>
+        <dgm:constr type="primFontSz" for="ch" ptType="node" op="equ" val="65"/>
+      </dgm:constrLst>
+      <dgm:ruleLst/>
+      <dgm:forEach name="Name6" axis="ch" ptType="node">
+        <dgm:layoutNode name="textNode" styleLbl="node1">
+          <dgm:varLst>
+            <dgm:bulletEnabled val="1"/>
+          </dgm:varLst>
+          <dgm:alg type="tx"/>
+          <dgm:shape xmlns:r="http://schemas.openxmlformats.org/officeDocument/2006/relationships" type="roundRect" r:blip="">
+            <dgm:adjLst/>
+          </dgm:shape>
+          <dgm:presOf axis="desOrSelf" ptType="node"/>
+          <dgm:constrLst>
+            <dgm:constr type="userA"/>
+            <dgm:constr type="w" refType="userA" fact="0.3"/>
+            <dgm:constr type="tMarg" refType="primFontSz" fact="0.3"/>
+            <dgm:constr type="bMarg" refType="primFontSz" fact="0.3"/>
+            <dgm:constr type="lMarg" refType="primFontSz" fact="0.3"/>
+            <dgm:constr type="rMarg" refType="primFontSz" fact="0.3"/>
+          </dgm:constrLst>
+          <dgm:ruleLst>
+            <dgm:rule type="w" val="NaN" fact="1" max="NaN"/>
+            <dgm:rule type="primFontSz" val="5" fact="NaN" max="NaN"/>
+          </dgm:ruleLst>
+        </dgm:layoutNode>
+        <dgm:forEach name="Name7" axis="followSib" ptType="sibTrans" cnt="1">
+          <dgm:layoutNode name="sibTrans">
+            <dgm:alg type="sp"/>
+            <dgm:shape xmlns:r="http://schemas.openxmlformats.org/officeDocument/2006/relationships" r:blip="">
+              <dgm:adjLst/>
+            </dgm:shape>
+            <dgm:presOf/>
+            <dgm:constrLst/>
+            <dgm:ruleLst/>
+          </dgm:layoutNode>
+        </dgm:forEach>
+      </dgm:forEach>
+    </dgm:layoutNode>
+  </dgm:layoutNode>
+</dgm:layoutDef>
+</file>
+
+<file path=ppt/diagrams/quickStyle1.xml><?xml version="1.0" encoding="utf-8"?>
+<dgm:styleDef xmlns:dgm="http://schemas.openxmlformats.org/drawingml/2006/diagram" xmlns:a="http://schemas.openxmlformats.org/drawingml/2006/main" uniqueId="urn:microsoft.com/office/officeart/2005/8/quickstyle/simple1">
+  <dgm:title val=""/>
+  <dgm:desc val=""/>
+  <dgm:catLst>
+    <dgm:cat type="simple" pri="10100"/>
+  </dgm:catLst>
+  <dgm:scene3d>
+    <a:camera prst="orthographicFront"/>
+    <a:lightRig rig="threePt" dir="t"/>
+  </dgm:scene3d>
+  <dgm:styleLbl name="node0">
+    <dgm:scene3d>
+      <a:camera prst="orthographicFront"/>
+      <a:lightRig rig="threePt" dir="t"/>
+    </dgm:scene3d>
+    <dgm:sp3d/>
+    <dgm:txPr/>
+    <dgm:style>
+      <a:lnRef idx="2">
+        <a:scrgbClr r="0" g="0" b="0"/>
+      </a:lnRef>
+      <a:fillRef idx="1">
+        <a:scrgbClr r="0" g="0" b="0"/>
+      </a:fillRef>
+      <a:effectRef idx="0">
+        <a:scrgbClr r="0" g="0" b="0"/>
+      </a:effectRef>
+      <a:fontRef idx="minor">
+        <a:schemeClr val="lt1"/>
+      </a:fontRef>
+    </dgm:style>
+  </dgm:styleLbl>
+  <dgm:styleLbl name="lnNode1">
+    <dgm:scene3d>
+      <a:camera prst="orthographicFront"/>
+      <a:lightRig rig="threePt" dir="t"/>
+    </dgm:scene3d>
+    <dgm:sp3d/>
+    <dgm:txPr/>
+    <dgm:style>
+      <a:lnRef idx="2">
+        <a:scrgbClr r="0" g="0" b="0"/>
+      </a:lnRef>
+      <a:fillRef idx="1">
+        <a:scrgbClr r="0" g="0" b="0"/>
+      </a:fillRef>
+      <a:effectRef idx="0">
+        <a:scrgbClr r="0" g="0" b="0"/>
+      </a:effectRef>
+      <a:fontRef idx="minor">
+        <a:schemeClr val="lt1"/>
+      </a:fontRef>
+    </dgm:style>
+  </dgm:styleLbl>
+  <dgm:styleLbl name="vennNode1">
+    <dgm:scene3d>
+      <a:camera prst="orthographicFront"/>
+      <a:lightRig rig="threePt" dir="t"/>
+    </dgm:scene3d>
+    <dgm:sp3d/>
+    <dgm:txPr/>
+    <dgm:style>
+      <a:lnRef idx="2">
+        <a:scrgbClr r="0" g="0" b="0"/>
+      </a:lnRef>
+      <a:fillRef idx="1">
+        <a:scrgbClr r="0" g="0" b="0"/>
+      </a:fillRef>
+      <a:effectRef idx="0">
+        <a:scrgbClr r="0" g="0" b="0"/>
+      </a:effectRef>
+      <a:fontRef idx="minor">
+        <a:schemeClr val="tx1"/>
+      </a:fontRef>
+    </dgm:style>
+  </dgm:styleLbl>
+  <dgm:styleLbl name="alignNode1">
+    <dgm:scene3d>
+      <a:camera prst="orthographicFront"/>
+      <a:lightRig rig="threePt" dir="t"/>
+    </dgm:scene3d>
+    <dgm:sp3d/>
+    <dgm:txPr/>
+    <dgm:style>
+      <a:lnRef idx="2">
+        <a:scrgbClr r="0" g="0" b="0"/>
+      </a:lnRef>
+      <a:fillRef idx="1">
+        <a:scrgbClr r="0" g="0" b="0"/>
+      </a:fillRef>
+      <a:effectRef idx="0">
+        <a:scrgbClr r="0" g="0" b="0"/>
+      </a:effectRef>
+      <a:fontRef idx="minor">
+        <a:schemeClr val="lt1"/>
+      </a:fontRef>
+    </dgm:style>
+  </dgm:styleLbl>
+  <dgm:styleLbl name="node1">
+    <dgm:scene3d>
+      <a:camera prst="orthographicFront"/>
+      <a:lightRig rig="threePt" dir="t"/>
+    </dgm:scene3d>
+    <dgm:sp3d/>
+    <dgm:txPr/>
+    <dgm:style>
+      <a:lnRef idx="2">
+        <a:scrgbClr r="0" g="0" b="0"/>
+      </a:lnRef>
+      <a:fillRef idx="1">
+        <a:scrgbClr r="0" g="0" b="0"/>
+      </a:fillRef>
+      <a:effectRef idx="0">
+        <a:scrgbClr r="0" g="0" b="0"/>
+      </a:effectRef>
+      <a:fontRef idx="minor">
+        <a:schemeClr val="lt1"/>
+      </a:fontRef>
+    </dgm:style>
+  </dgm:styleLbl>
+  <dgm:styleLbl name="node2">
+    <dgm:scene3d>
+      <a:camera prst="orthographicFront"/>
+      <a:lightRig rig="threePt" dir="t"/>
+    </dgm:scene3d>
+    <dgm:sp3d/>
+    <dgm:txPr/>
+    <dgm:style>
+      <a:lnRef idx="2">
+        <a:scrgbClr r="0" g="0" b="0"/>
+      </a:lnRef>
+      <a:fillRef idx="1">
+        <a:scrgbClr r="0" g="0" b="0"/>
+      </a:fillRef>
+      <a:effectRef idx="0">
+        <a:scrgbClr r="0" g="0" b="0"/>
+      </a:effectRef>
+      <a:fontRef idx="minor">
+        <a:schemeClr val="lt1"/>
+      </a:fontRef>
+    </dgm:style>
+  </dgm:styleLbl>
+  <dgm:styleLbl name="node3">
+    <dgm:scene3d>
+      <a:camera prst="orthographicFront"/>
+      <a:lightRig rig="threePt" dir="t"/>
+    </dgm:scene3d>
+    <dgm:sp3d/>
+    <dgm:txPr/>
+    <dgm:style>
+      <a:lnRef idx="2">
+        <a:scrgbClr r="0" g="0" b="0"/>
+      </a:lnRef>
+      <a:fillRef idx="1">
+        <a:scrgbClr r="0" g="0" b="0"/>
+      </a:fillRef>
+      <a:effectRef idx="0">
+        <a:scrgbClr r="0" g="0" b="0"/>
+      </a:effectRef>
+      <a:fontRef idx="minor">
+        <a:schemeClr val="lt1"/>
+      </a:fontRef>
+    </dgm:style>
+  </dgm:styleLbl>
+  <dgm:styleLbl name="node4">
+    <dgm:scene3d>
+      <a:camera prst="orthographicFront"/>
+      <a:lightRig rig="threePt" dir="t"/>
+    </dgm:scene3d>
+    <dgm:sp3d/>
+    <dgm:txPr/>
+    <dgm:style>
+      <a:lnRef idx="2">
+        <a:scrgbClr r="0" g="0" b="0"/>
+      </a:lnRef>
+      <a:fillRef idx="1">
+        <a:scrgbClr r="0" g="0" b="0"/>
+      </a:fillRef>
+      <a:effectRef idx="0">
+        <a:scrgbClr r="0" g="0" b="0"/>
+      </a:effectRef>
+      <a:fontRef idx="minor">
+        <a:schemeClr val="lt1"/>
+      </a:fontRef>
+    </dgm:style>
+  </dgm:styleLbl>
+  <dgm:styleLbl name="fgImgPlace1">
+    <dgm:scene3d>
+      <a:camera prst="orthographicFront"/>
+      <a:lightRig rig="threePt" dir="t"/>
+    </dgm:scene3d>
+    <dgm:sp3d/>
+    <dgm:txPr/>
+    <dgm:style>
+      <a:lnRef idx="2">
+        <a:scrgbClr r="0" g="0" b="0"/>
+      </a:lnRef>
+      <a:fillRef idx="1">
+        <a:scrgbClr r="0" g="0" b="0"/>
+      </a:fillRef>
+      <a:effectRef idx="0">
+        <a:scrgbClr r="0" g="0" b="0"/>
+      </a:effectRef>
+      <a:fontRef idx="minor"/>
+    </dgm:style>
+  </dgm:styleLbl>
+  <dgm:styleLbl name="alignImgPlace1">
+    <dgm:scene3d>
+      <a:camera prst="orthographicFront"/>
+      <a:lightRig rig="threePt" dir="t"/>
+    </dgm:scene3d>
+    <dgm:sp3d/>
+    <dgm:txPr/>
+    <dgm:style>
+      <a:lnRef idx="2">
+        <a:scrgbClr r="0" g="0" b="0"/>
+      </a:lnRef>
+      <a:fillRef idx="1">
+        <a:scrgbClr r="0" g="0" b="0"/>
+      </a:fillRef>
+      <a:effectRef idx="0">
+        <a:scrgbClr r="0" g="0" b="0"/>
+      </a:effectRef>
+      <a:fontRef idx="minor"/>
+    </dgm:style>
+  </dgm:styleLbl>
+  <dgm:styleLbl name="bgImgPlace1">
+    <dgm:scene3d>
+      <a:camera prst="orthographicFront"/>
+      <a:lightRig rig="threePt" dir="t"/>
+    </dgm:scene3d>
+    <dgm:sp3d/>
+    <dgm:txPr/>
+    <dgm:style>
+      <a:lnRef idx="2">
+        <a:scrgbClr r="0" g="0" b="0"/>
+      </a:lnRef>
+      <a:fillRef idx="1">
+        <a:scrgbClr r="0" g="0" b="0"/>
+      </a:fillRef>
+      <a:effectRef idx="0">
+        <a:scrgbClr r="0" g="0" b="0"/>
+      </a:effectRef>
+      <a:fontRef idx="minor"/>
+    </dgm:style>
+  </dgm:styleLbl>
+  <dgm:styleLbl name="sibTrans2D1">
+    <dgm:scene3d>
+      <a:camera prst="orthographicFront"/>
+      <a:lightRig rig="threePt" dir="t"/>
+    </dgm:scene3d>
+    <dgm:sp3d/>
+    <dgm:txPr/>
+    <dgm:style>
+      <a:lnRef idx="0">
+        <a:scrgbClr r="0" g="0" b="0"/>
+      </a:lnRef>
+      <a:fillRef idx="1">
+        <a:scrgbClr r="0" g="0" b="0"/>
+      </a:fillRef>
+      <a:effectRef idx="0">
+        <a:scrgbClr r="0" g="0" b="0"/>
+      </a:effectRef>
+      <a:fontRef idx="minor">
+        <a:schemeClr val="lt1"/>
+      </a:fontRef>
+    </dgm:style>
+  </dgm:styleLbl>
+  <dgm:styleLbl name="fgSibTrans2D1">
+    <dgm:scene3d>
+      <a:camera prst="orthographicFront"/>
+      <a:lightRig rig="threePt" dir="t"/>
+    </dgm:scene3d>
+    <dgm:sp3d/>
+    <dgm:txPr/>
+    <dgm:style>
+      <a:lnRef idx="0">
+        <a:scrgbClr r="0" g="0" b="0"/>
+      </a:lnRef>
+      <a:fillRef idx="1">
+        <a:scrgbClr r="0" g="0" b="0"/>
+      </a:fillRef>
+      <a:effectRef idx="0">
+        <a:scrgbClr r="0" g="0" b="0"/>
+      </a:effectRef>
+      <a:fontRef idx="minor">
+        <a:schemeClr val="lt1"/>
+      </a:fontRef>
+    </dgm:style>
+  </dgm:styleLbl>
+  <dgm:styleLbl name="bgSibTrans2D1">
+    <dgm:scene3d>
+      <a:camera prst="orthographicFront"/>
+      <a:lightRig rig="threePt" dir="t"/>
+    </dgm:scene3d>
+    <dgm:sp3d/>
+    <dgm:txPr/>
+    <dgm:style>
+      <a:lnRef idx="0">
+        <a:scrgbClr r="0" g="0" b="0"/>
+      </a:lnRef>
+      <a:fillRef idx="1">
+        <a:scrgbClr r="0" g="0" b="0"/>
+      </a:fillRef>
+      <a:effectRef idx="0">
+        <a:scrgbClr r="0" g="0" b="0"/>
+      </a:effectRef>
+      <a:fontRef idx="minor">
+        <a:schemeClr val="lt1"/>
+      </a:fontRef>
+    </dgm:style>
+  </dgm:styleLbl>
+  <dgm:styleLbl name="sibTrans1D1">
+    <dgm:scene3d>
+      <a:camera prst="orthographicFront"/>
+      <a:lightRig rig="threePt" dir="t"/>
+    </dgm:scene3d>
+    <dgm:sp3d/>
+    <dgm:txPr/>
+    <dgm:style>
+      <a:lnRef idx="1">
+        <a:scrgbClr r="0" g="0" b="0"/>
+      </a:lnRef>
+      <a:fillRef idx="0">
+        <a:scrgbClr r="0" g="0" b="0"/>
+      </a:fillRef>
+      <a:effectRef idx="0">
+        <a:scrgbClr r="0" g="0" b="0"/>
+      </a:effectRef>
+      <a:fontRef idx="minor"/>
+    </dgm:style>
+  </dgm:styleLbl>
+  <dgm:styleLbl name="callout">
+    <dgm:scene3d>
+      <a:camera prst="orthographicFront"/>
+      <a:lightRig rig="threePt" dir="t"/>
+    </dgm:scene3d>
+    <dgm:sp3d/>
+    <dgm:txPr/>
+    <dgm:style>
+      <a:lnRef idx="2">
+        <a:scrgbClr r="0" g="0" b="0"/>
+      </a:lnRef>
+      <a:fillRef idx="1">
+        <a:scrgbClr r="0" g="0" b="0"/>
+      </a:fillRef>
+      <a:effectRef idx="0">
+        <a:scrgbClr r="0" g="0" b="0"/>
+      </a:effectRef>
+      <a:fontRef idx="minor"/>
+    </dgm:style>
+  </dgm:styleLbl>
+  <dgm:styleLbl name="asst0">
+    <dgm:scene3d>
+      <a:camera prst="orthographicFront"/>
+      <a:lightRig rig="threePt" dir="t"/>
+    </dgm:scene3d>
+    <dgm:sp3d/>
+    <dgm:txPr/>
+    <dgm:style>
+      <a:lnRef idx="2">
+        <a:scrgbClr r="0" g="0" b="0"/>
+      </a:lnRef>
+      <a:fillRef idx="1">
+        <a:scrgbClr r="0" g="0" b="0"/>
+      </a:fillRef>
+      <a:effectRef idx="0">
+        <a:scrgbClr r="0" g="0" b="0"/>
+      </a:effectRef>
+      <a:fontRef idx="minor">
+        <a:schemeClr val="lt1"/>
+      </a:fontRef>
+    </dgm:style>
+  </dgm:styleLbl>
+  <dgm:styleLbl name="asst1">
+    <dgm:scene3d>
+      <a:camera prst="orthographicFront"/>
+      <a:lightRig rig="threePt" dir="t"/>
+    </dgm:scene3d>
+    <dgm:sp3d/>
+    <dgm:txPr/>
+    <dgm:style>
+      <a:lnRef idx="2">
+        <a:scrgbClr r="0" g="0" b="0"/>
+      </a:lnRef>
+      <a:fillRef idx="1">
+        <a:scrgbClr r="0" g="0" b="0"/>
+      </a:fillRef>
+      <a:effectRef idx="0">
+        <a:scrgbClr r="0" g="0" b="0"/>
+      </a:effectRef>
+      <a:fontRef idx="minor">
+        <a:schemeClr val="lt1"/>
+      </a:fontRef>
+    </dgm:style>
+  </dgm:styleLbl>
+  <dgm:styleLbl name="asst2">
+    <dgm:scene3d>
+      <a:camera prst="orthographicFront"/>
+      <a:lightRig rig="threePt" dir="t"/>
+    </dgm:scene3d>
+    <dgm:sp3d/>
+    <dgm:txPr/>
+    <dgm:style>
+      <a:lnRef idx="2">
+        <a:scrgbClr r="0" g="0" b="0"/>
+      </a:lnRef>
+      <a:fillRef idx="1">
+        <a:scrgbClr r="0" g="0" b="0"/>
+      </a:fillRef>
+      <a:effectRef idx="0">
+        <a:scrgbClr r="0" g="0" b="0"/>
+      </a:effectRef>
+      <a:fontRef idx="minor">
+        <a:schemeClr val="lt1"/>
+      </a:fontRef>
+    </dgm:style>
+  </dgm:styleLbl>
+  <dgm:styleLbl name="asst3">
+    <dgm:scene3d>
+      <a:camera prst="orthographicFront"/>
+      <a:lightRig rig="threePt" dir="t"/>
+    </dgm:scene3d>
+    <dgm:sp3d/>
+    <dgm:txPr/>
+    <dgm:style>
+      <a:lnRef idx="2">
+        <a:scrgbClr r="0" g="0" b="0"/>
+      </a:lnRef>
+      <a:fillRef idx="1">
+        <a:scrgbClr r="0" g="0" b="0"/>
+      </a:fillRef>
+      <a:effectRef idx="0">
+        <a:scrgbClr r="0" g="0" b="0"/>
+      </a:effectRef>
+      <a:fontRef idx="minor">
+        <a:schemeClr val="lt1"/>
+      </a:fontRef>
+    </dgm:style>
+  </dgm:styleLbl>
+  <dgm:styleLbl name="asst4">
+    <dgm:scene3d>
+      <a:camera prst="orthographicFront"/>
+      <a:lightRig rig="threePt" dir="t"/>
+    </dgm:scene3d>
+    <dgm:sp3d/>
+    <dgm:txPr/>
+    <dgm:style>
+      <a:lnRef idx="2">
+        <a:scrgbClr r="0" g="0" b="0"/>
+      </a:lnRef>
+      <a:fillRef idx="1">
+        <a:scrgbClr r="0" g="0" b="0"/>
+      </a:fillRef>
+      <a:effectRef idx="0">
+        <a:scrgbClr r="0" g="0" b="0"/>
+      </a:effectRef>
+      <a:fontRef idx="minor">
+        <a:schemeClr val="lt1"/>
+      </a:fontRef>
+    </dgm:style>
+  </dgm:styleLbl>
+  <dgm:styleLbl name="parChTrans2D1">
+    <dgm:scene3d>
+      <a:camera prst="orthographicFront"/>
+      <a:lightRig rig="threePt" dir="t"/>
+    </dgm:scene3d>
+    <dgm:sp3d/>
+    <dgm:txPr/>
+    <dgm:style>
+      <a:lnRef idx="2">
+        <a:scrgbClr r="0" g="0" b="0"/>
+      </a:lnRef>
+      <a:fillRef idx="1">
+        <a:scrgbClr r="0" g="0" b="0"/>
+      </a:fillRef>
+      <a:effectRef idx="0">
+        <a:scrgbClr r="0" g="0" b="0"/>
+      </a:effectRef>
+      <a:fontRef idx="minor">
+        <a:schemeClr val="lt1"/>
+      </a:fontRef>
+    </dgm:style>
+  </dgm:styleLbl>
+  <dgm:styleLbl name="parChTrans2D2">
+    <dgm:scene3d>
+      <a:camera prst="orthographicFront"/>
+      <a:lightRig rig="threePt" dir="t"/>
+    </dgm:scene3d>
+    <dgm:sp3d/>
+    <dgm:txPr/>
+    <dgm:style>
+      <a:lnRef idx="2">
+        <a:scrgbClr r="0" g="0" b="0"/>
+      </a:lnRef>
+      <a:fillRef idx="1">
+        <a:scrgbClr r="0" g="0" b="0"/>
+      </a:fillRef>
+      <a:effectRef idx="0">
+        <a:scrgbClr r="0" g="0" b="0"/>
+      </a:effectRef>
+      <a:fontRef idx="minor">
+        <a:schemeClr val="lt1"/>
+      </a:fontRef>
+    </dgm:style>
+  </dgm:styleLbl>
+  <dgm:styleLbl name="parChTrans2D3">
+    <dgm:scene3d>
+      <a:camera prst="orthographicFront"/>
+      <a:lightRig rig="threePt" dir="t"/>
+    </dgm:scene3d>
+    <dgm:sp3d/>
+    <dgm:txPr/>
+    <dgm:style>
+      <a:lnRef idx="2">
+        <a:scrgbClr r="0" g="0" b="0"/>
+      </a:lnRef>
+      <a:fillRef idx="1">
+        <a:scrgbClr r="0" g="0" b="0"/>
+      </a:fillRef>
+      <a:effectRef idx="0">
+        <a:scrgbClr r="0" g="0" b="0"/>
+      </a:effectRef>
+      <a:fontRef idx="minor">
+        <a:schemeClr val="lt1"/>
+      </a:fontRef>
+    </dgm:style>
+  </dgm:styleLbl>
+  <dgm:styleLbl name="parChTrans2D4">
+    <dgm:scene3d>
+      <a:camera prst="orthographicFront"/>
+      <a:lightRig rig="threePt" dir="t"/>
+    </dgm:scene3d>
+    <dgm:sp3d/>
+    <dgm:txPr/>
+    <dgm:style>
+      <a:lnRef idx="2">
+        <a:scrgbClr r="0" g="0" b="0"/>
+      </a:lnRef>
+      <a:fillRef idx="1">
+        <a:scrgbClr r="0" g="0" b="0"/>
+      </a:fillRef>
+      <a:effectRef idx="0">
+        <a:scrgbClr r="0" g="0" b="0"/>
+      </a:effectRef>
+      <a:fontRef idx="minor">
+        <a:schemeClr val="lt1"/>
+      </a:fontRef>
+    </dgm:style>
+  </dgm:styleLbl>
+  <dgm:styleLbl name="parChTrans1D1">
+    <dgm:scene3d>
+      <a:camera prst="orthographicFront"/>
+      <a:lightRig rig="threePt" dir="t"/>
+    </dgm:scene3d>
+    <dgm:sp3d/>
+    <dgm:txPr/>
+    <dgm:style>
+      <a:lnRef idx="2">
+        <a:scrgbClr r="0" g="0" b="0"/>
+      </a:lnRef>
+      <a:fillRef idx="0">
+        <a:scrgbClr r="0" g="0" b="0"/>
+      </a:fillRef>
+      <a:effectRef idx="0">
+        <a:scrgbClr r="0" g="0" b="0"/>
+      </a:effectRef>
+      <a:fontRef idx="minor"/>
+    </dgm:style>
+  </dgm:styleLbl>
+  <dgm:styleLbl name="parChTrans1D2">
+    <dgm:scene3d>
+      <a:camera prst="orthographicFront"/>
+      <a:lightRig rig="threePt" dir="t"/>
+    </dgm:scene3d>
+    <dgm:sp3d/>
+    <dgm:txPr/>
+    <dgm:style>
+      <a:lnRef idx="2">
+        <a:scrgbClr r="0" g="0" b="0"/>
+      </a:lnRef>
+      <a:fillRef idx="0">
+        <a:scrgbClr r="0" g="0" b="0"/>
+      </a:fillRef>
+      <a:effectRef idx="0">
+        <a:scrgbClr r="0" g="0" b="0"/>
+      </a:effectRef>
+      <a:fontRef idx="minor"/>
+    </dgm:style>
+  </dgm:styleLbl>
+  <dgm:styleLbl name="parChTrans1D3">
+    <dgm:scene3d>
+      <a:camera prst="orthographicFront"/>
+      <a:lightRig rig="threePt" dir="t"/>
+    </dgm:scene3d>
+    <dgm:sp3d/>
+    <dgm:txPr/>
+    <dgm:style>
+      <a:lnRef idx="2">
+        <a:scrgbClr r="0" g="0" b="0"/>
+      </a:lnRef>
+      <a:fillRef idx="0">
+        <a:scrgbClr r="0" g="0" b="0"/>
+      </a:fillRef>
+      <a:effectRef idx="0">
+        <a:scrgbClr r="0" g="0" b="0"/>
+      </a:effectRef>
+      <a:fontRef idx="minor"/>
+    </dgm:style>
+  </dgm:styleLbl>
+  <dgm:styleLbl name="parChTrans1D4">
+    <dgm:scene3d>
+      <a:camera prst="orthographicFront"/>
+      <a:lightRig rig="threePt" dir="t"/>
+    </dgm:scene3d>
+    <dgm:sp3d/>
+    <dgm:txPr/>
+    <dgm:style>
+      <a:lnRef idx="2">
+        <a:scrgbClr r="0" g="0" b="0"/>
+      </a:lnRef>
+      <a:fillRef idx="0">
+        <a:scrgbClr r="0" g="0" b="0"/>
+      </a:fillRef>
+      <a:effectRef idx="0">
+        <a:scrgbClr r="0" g="0" b="0"/>
+      </a:effectRef>
+      <a:fontRef idx="minor"/>
+    </dgm:style>
+  </dgm:styleLbl>
+  <dgm:styleLbl name="fgAcc1">
+    <dgm:scene3d>
+      <a:camera prst="orthographicFront"/>
+      <a:lightRig rig="threePt" dir="t"/>
+    </dgm:scene3d>
+    <dgm:sp3d/>
+    <dgm:txPr/>
+    <dgm:style>
+      <a:lnRef idx="2">
+        <a:scrgbClr r="0" g="0" b="0"/>
+      </a:lnRef>
+      <a:fillRef idx="1">
+        <a:scrgbClr r="0" g="0" b="0"/>
+      </a:fillRef>
+      <a:effectRef idx="0">
+        <a:scrgbClr r="0" g="0" b="0"/>
+      </a:effectRef>
+      <a:fontRef idx="minor"/>
+    </dgm:style>
+  </dgm:styleLbl>
+  <dgm:styleLbl name="conFgAcc1">
+    <dgm:scene3d>
+      <a:camera prst="orthographicFront"/>
+      <a:lightRig rig="threePt" dir="t"/>
+    </dgm:scene3d>
+    <dgm:sp3d/>
+    <dgm:txPr/>
+    <dgm:style>
+      <a:lnRef idx="2">
+        <a:scrgbClr r="0" g="0" b="0"/>
+      </a:lnRef>
+      <a:fillRef idx="1">
+        <a:scrgbClr r="0" g="0" b="0"/>
+      </a:fillRef>
+      <a:effectRef idx="0">
+        <a:scrgbClr r="0" g="0" b="0"/>
+      </a:effectRef>
+      <a:fontRef idx="minor"/>
+    </dgm:style>
+  </dgm:styleLbl>
+  <dgm:styleLbl name="alignAcc1">
+    <dgm:scene3d>
+      <a:camera prst="orthographicFront"/>
+      <a:lightRig rig="threePt" dir="t"/>
+    </dgm:scene3d>
+    <dgm:sp3d/>
+    <dgm:txPr/>
+    <dgm:style>
+      <a:lnRef idx="2">
+        <a:scrgbClr r="0" g="0" b="0"/>
+      </a:lnRef>
+      <a:fillRef idx="1">
+        <a:scrgbClr r="0" g="0" b="0"/>
+      </a:fillRef>
+      <a:effectRef idx="0">
+        <a:scrgbClr r="0" g="0" b="0"/>
+      </a:effectRef>
+      <a:fontRef idx="minor"/>
+    </dgm:style>
+  </dgm:styleLbl>
+  <dgm:styleLbl name="trAlignAcc1">
+    <dgm:scene3d>
+      <a:camera prst="orthographicFront"/>
+      <a:lightRig rig="threePt" dir="t"/>
+    </dgm:scene3d>
+    <dgm:sp3d/>
+    <dgm:txPr/>
+    <dgm:style>
+      <a:lnRef idx="1">
+        <a:scrgbClr r="0" g="0" b="0"/>
+      </a:lnRef>
+      <a:fillRef idx="1">
+        <a:scrgbClr r="0" g="0" b="0"/>
+      </a:fillRef>
+      <a:effectRef idx="0">
+        <a:scrgbClr r="0" g="0" b="0"/>
+      </a:effectRef>
+      <a:fontRef idx="minor"/>
+    </dgm:style>
+  </dgm:styleLbl>
+  <dgm:styleLbl name="bgAcc1">
+    <dgm:scene3d>
+      <a:camera prst="orthographicFront"/>
+      <a:lightRig rig="threePt" dir="t"/>
+    </dgm:scene3d>
+    <dgm:sp3d/>
+    <dgm:txPr/>
+    <dgm:style>
+      <a:lnRef idx="2">
+        <a:scrgbClr r="0" g="0" b="0"/>
+      </a:lnRef>
+      <a:fillRef idx="1">
+        <a:scrgbClr r="0" g="0" b="0"/>
+      </a:fillRef>
+      <a:effectRef idx="0">
+        <a:scrgbClr r="0" g="0" b="0"/>
+      </a:effectRef>
+      <a:fontRef idx="minor"/>
+    </dgm:style>
+  </dgm:styleLbl>
+  <dgm:styleLbl name="solidFgAcc1">
+    <dgm:scene3d>
+      <a:camera prst="orthographicFront"/>
+      <a:lightRig rig="threePt" dir="t"/>
+    </dgm:scene3d>
+    <dgm:sp3d/>
+    <dgm:txPr/>
+    <dgm:style>
+      <a:lnRef idx="2">
+        <a:scrgbClr r="0" g="0" b="0"/>
+      </a:lnRef>
+      <a:fillRef idx="1">
+        <a:scrgbClr r="0" g="0" b="0"/>
+      </a:fillRef>
+      <a:effectRef idx="0">
+        <a:scrgbClr r="0" g="0" b="0"/>
+      </a:effectRef>
+      <a:fontRef idx="minor"/>
+    </dgm:style>
+  </dgm:styleLbl>
+  <dgm:styleLbl name="solidAlignAcc1">
+    <dgm:scene3d>
+      <a:camera prst="orthographicFront"/>
+      <a:lightRig rig="threePt" dir="t"/>
+    </dgm:scene3d>
+    <dgm:sp3d/>
+    <dgm:txPr/>
+    <dgm:style>
+      <a:lnRef idx="2">
+        <a:scrgbClr r="0" g="0" b="0"/>
+      </a:lnRef>
+      <a:fillRef idx="1">
+        <a:scrgbClr r="0" g="0" b="0"/>
+      </a:fillRef>
+      <a:effectRef idx="0">
+        <a:scrgbClr r="0" g="0" b="0"/>
+      </a:effectRef>
+      <a:fontRef idx="minor"/>
+    </dgm:style>
+  </dgm:styleLbl>
+  <dgm:styleLbl name="solidBgAcc1">
+    <dgm:scene3d>
+      <a:camera prst="orthographicFront"/>
+      <a:lightRig rig="threePt" dir="t"/>
+    </dgm:scene3d>
+    <dgm:sp3d/>
+    <dgm:txPr/>
+    <dgm:style>
+      <a:lnRef idx="2">
+        <a:scrgbClr r="0" g="0" b="0"/>
+      </a:lnRef>
+      <a:fillRef idx="1">
+        <a:scrgbClr r="0" g="0" b="0"/>
+      </a:fillRef>
+      <a:effectRef idx="0">
+        <a:scrgbClr r="0" g="0" b="0"/>
+      </a:effectRef>
+      <a:fontRef idx="minor"/>
+    </dgm:style>
+  </dgm:styleLbl>
+  <dgm:styleLbl name="fgAccFollowNode1">
+    <dgm:scene3d>
+      <a:camera prst="orthographicFront"/>
+      <a:lightRig rig="threePt" dir="t"/>
+    </dgm:scene3d>
+    <dgm:sp3d/>
+    <dgm:txPr/>
+    <dgm:style>
+      <a:lnRef idx="2">
+        <a:scrgbClr r="0" g="0" b="0"/>
+      </a:lnRef>
+      <a:fillRef idx="1">
+        <a:scrgbClr r="0" g="0" b="0"/>
+      </a:fillRef>
+      <a:effectRef idx="0">
+        <a:scrgbClr r="0" g="0" b="0"/>
+      </a:effectRef>
+      <a:fontRef idx="minor"/>
+    </dgm:style>
+  </dgm:styleLbl>
+  <dgm:styleLbl name="alignAccFollowNode1">
+    <dgm:scene3d>
+      <a:camera prst="orthographicFront"/>
+      <a:lightRig rig="threePt" dir="t"/>
+    </dgm:scene3d>
+    <dgm:sp3d/>
+    <dgm:txPr/>
+    <dgm:style>
+      <a:lnRef idx="2">
+        <a:scrgbClr r="0" g="0" b="0"/>
+      </a:lnRef>
+      <a:fillRef idx="1">
+        <a:scrgbClr r="0" g="0" b="0"/>
+      </a:fillRef>
+      <a:effectRef idx="0">
+        <a:scrgbClr r="0" g="0" b="0"/>
+      </a:effectRef>
+      <a:fontRef idx="minor"/>
+    </dgm:style>
+  </dgm:styleLbl>
+  <dgm:styleLbl name="bgAccFollowNode1">
+    <dgm:scene3d>
+      <a:camera prst="orthographicFront"/>
+      <a:lightRig rig="threePt" dir="t"/>
+    </dgm:scene3d>
+    <dgm:sp3d/>
+    <dgm:txPr/>
+    <dgm:style>
+      <a:lnRef idx="2">
+        <a:scrgbClr r="0" g="0" b="0"/>
+      </a:lnRef>
+      <a:fillRef idx="1">
+        <a:scrgbClr r="0" g="0" b="0"/>
+      </a:fillRef>
+      <a:effectRef idx="0">
+        <a:scrgbClr r="0" g="0" b="0"/>
+      </a:effectRef>
+      <a:fontRef idx="minor"/>
+    </dgm:style>
+  </dgm:styleLbl>
+  <dgm:styleLbl name="fgAcc0">
+    <dgm:scene3d>
+      <a:camera prst="orthographicFront"/>
+      <a:lightRig rig="threePt" dir="t"/>
+    </dgm:scene3d>
+    <dgm:sp3d/>
+    <dgm:txPr/>
+    <dgm:style>
+      <a:lnRef idx="2">
+        <a:scrgbClr r="0" g="0" b="0"/>
+      </a:lnRef>
+      <a:fillRef idx="1">
+        <a:scrgbClr r="0" g="0" b="0"/>
+      </a:fillRef>
+      <a:effectRef idx="0">
+        <a:scrgbClr r="0" g="0" b="0"/>
+      </a:effectRef>
+      <a:fontRef idx="minor"/>
+    </dgm:style>
+  </dgm:styleLbl>
+  <dgm:styleLbl name="fgAcc2">
+    <dgm:scene3d>
+      <a:camera prst="orthographicFront"/>
+      <a:lightRig rig="threePt" dir="t"/>
+    </dgm:scene3d>
+    <dgm:sp3d/>
+    <dgm:txPr/>
+    <dgm:style>
+      <a:lnRef idx="2">
+        <a:scrgbClr r="0" g="0" b="0"/>
+      </a:lnRef>
+      <a:fillRef idx="1">
+        <a:scrgbClr r="0" g="0" b="0"/>
+      </a:fillRef>
+      <a:effectRef idx="0">
+        <a:scrgbClr r="0" g="0" b="0"/>
+      </a:effectRef>
+      <a:fontRef idx="minor"/>
+    </dgm:style>
+  </dgm:styleLbl>
+  <dgm:styleLbl name="fgAcc3">
+    <dgm:scene3d>
+      <a:camera prst="orthographicFront"/>
+      <a:lightRig rig="threePt" dir="t"/>
+    </dgm:scene3d>
+    <dgm:sp3d/>
+    <dgm:txPr/>
+    <dgm:style>
+      <a:lnRef idx="2">
+        <a:scrgbClr r="0" g="0" b="0"/>
+      </a:lnRef>
+      <a:fillRef idx="1">
+        <a:scrgbClr r="0" g="0" b="0"/>
+      </a:fillRef>
+      <a:effectRef idx="0">
+        <a:scrgbClr r="0" g="0" b="0"/>
+      </a:effectRef>
+      <a:fontRef idx="minor"/>
+    </dgm:style>
+  </dgm:styleLbl>
+  <dgm:styleLbl name="fgAcc4">
+    <dgm:scene3d>
+      <a:camera prst="orthographicFront"/>
+      <a:lightRig rig="threePt" dir="t"/>
+    </dgm:scene3d>
+    <dgm:sp3d/>
+    <dgm:txPr/>
+    <dgm:style>
+      <a:lnRef idx="2">
+        <a:scrgbClr r="0" g="0" b="0"/>
+      </a:lnRef>
+      <a:fillRef idx="1">
+        <a:scrgbClr r="0" g="0" b="0"/>
+      </a:fillRef>
+      <a:effectRef idx="0">
+        <a:scrgbClr r="0" g="0" b="0"/>
+      </a:effectRef>
+      <a:fontRef idx="minor"/>
+    </dgm:style>
+  </dgm:styleLbl>
+  <dgm:styleLbl name="bgShp">
+    <dgm:scene3d>
+      <a:camera prst="orthographicFront"/>
+      <a:lightRig rig="threePt" dir="t"/>
+    </dgm:scene3d>
+    <dgm:sp3d/>
+    <dgm:txPr/>
+    <dgm:style>
+      <a:lnRef idx="0">
+        <a:scrgbClr r="0" g="0" b="0"/>
+      </a:lnRef>
+      <a:fillRef idx="1">
+        <a:scrgbClr r="0" g="0" b="0"/>
+      </a:fillRef>
+      <a:effectRef idx="0">
+        <a:scrgbClr r="0" g="0" b="0"/>
+      </a:effectRef>
+      <a:fontRef idx="minor"/>
+    </dgm:style>
+  </dgm:styleLbl>
+  <dgm:styleLbl name="dkBgShp">
+    <dgm:scene3d>
+      <a:camera prst="orthographicFront"/>
+      <a:lightRig rig="threePt" dir="t"/>
+    </dgm:scene3d>
+    <dgm:sp3d/>
+    <dgm:txPr/>
+    <dgm:style>
+      <a:lnRef idx="0">
+        <a:scrgbClr r="0" g="0" b="0"/>
+      </a:lnRef>
+      <a:fillRef idx="1">
+        <a:scrgbClr r="0" g="0" b="0"/>
+      </a:fillRef>
+      <a:effectRef idx="0">
+        <a:scrgbClr r="0" g="0" b="0"/>
+      </a:effectRef>
+      <a:fontRef idx="minor"/>
+    </dgm:style>
+  </dgm:styleLbl>
+  <dgm:styleLbl name="trBgShp">
+    <dgm:scene3d>
+      <a:camera prst="orthographicFront"/>
+      <a:lightRig rig="threePt" dir="t"/>
+    </dgm:scene3d>
+    <dgm:sp3d/>
+    <dgm:txPr/>
+    <dgm:style>
+      <a:lnRef idx="0">
+        <a:scrgbClr r="0" g="0" b="0"/>
+      </a:lnRef>
+      <a:fillRef idx="1">
+        <a:scrgbClr r="0" g="0" b="0"/>
+      </a:fillRef>
+      <a:effectRef idx="0">
+        <a:scrgbClr r="0" g="0" b="0"/>
+      </a:effectRef>
+      <a:fontRef idx="minor"/>
+    </dgm:style>
+  </dgm:styleLbl>
+  <dgm:styleLbl name="fgShp">
+    <dgm:scene3d>
+      <a:camera prst="orthographicFront"/>
+      <a:lightRig rig="threePt" dir="t"/>
+    </dgm:scene3d>
+    <dgm:sp3d/>
+    <dgm:txPr/>
+    <dgm:style>
+      <a:lnRef idx="2">
+        <a:scrgbClr r="0" g="0" b="0"/>
+      </a:lnRef>
+      <a:fillRef idx="1">
+        <a:scrgbClr r="0" g="0" b="0"/>
+      </a:fillRef>
+      <a:effectRef idx="0">
+        <a:scrgbClr r="0" g="0" b="0"/>
+      </a:effectRef>
+      <a:fontRef idx="minor"/>
+    </dgm:style>
+  </dgm:styleLbl>
+  <dgm:styleLbl name="revTx">
+    <dgm:scene3d>
+      <a:camera prst="orthographicFront"/>
+      <a:lightRig rig="threePt" dir="t"/>
+    </dgm:scene3d>
+    <dgm:sp3d/>
+    <dgm:txPr/>
+    <dgm:style>
+      <a:lnRef idx="0">
+        <a:scrgbClr r="0" g="0" b="0"/>
+      </a:lnRef>
+      <a:fillRef idx="0">
+        <a:scrgbClr r="0" g="0" b="0"/>
+      </a:fillRef>
+      <a:effectRef idx="0">
+        <a:scrgbClr r="0" g="0" b="0"/>
+      </a:effectRef>
+      <a:fontRef idx="minor"/>
+    </dgm:style>
+  </dgm:styleLbl>
+</dgm:styleDef>
+</file>
+
+<file path=ppt/notesMasters/notesMaster1.xml><?xml version="1.0" encoding="utf-8"?>
+<p:notesMaster xmlns:a="http://schemas.openxmlformats.org/drawingml/2006/main" xmlns:r="http://schemas.openxmlformats.org/officeDocument/2006/relationships" xmlns:p="http://schemas.openxmlformats.org/presentationml/2006/main">
+  <p:cSld>
+    <p:bg>
+      <p:bgRef idx="1001">
+        <a:schemeClr val="bg1"/>
+      </p:bgRef>
+    </p:bg>
+    <p:spTree>
+      <p:nvGrpSpPr>
+        <p:cNvPr id="1" name=""/>
+        <p:cNvGrpSpPr/>
+        <p:nvPr/>
+      </p:nvGrpSpPr>
+      <p:grpSpPr>
+        <a:xfrm>
+          <a:off x="0" y="0"/>
+          <a:ext cx="0" cy="0"/>
+          <a:chOff x="0" y="0"/>
+          <a:chExt cx="0" cy="0"/>
+        </a:xfrm>
+      </p:grpSpPr>
+      <p:sp>
+        <p:nvSpPr>
+          <p:cNvPr id="2" name="Header Placeholder 1"/>
+          <p:cNvSpPr>
+            <a:spLocks noGrp="1"/>
+          </p:cNvSpPr>
+          <p:nvPr>
+            <p:ph type="hdr" sz="quarter"/>
+          </p:nvPr>
+        </p:nvSpPr>
+        <p:spPr>
+          <a:xfrm>
+            <a:off x="0" y="0"/>
+            <a:ext cx="2971800" cy="458788"/>
+          </a:xfrm>
+          <a:prstGeom prst="rect">
+            <a:avLst/>
+          </a:prstGeom>
+        </p:spPr>
+        <p:txBody>
+          <a:bodyPr vert="horz" lIns="91440" tIns="45720" rIns="91440" bIns="45720" rtlCol="0"/>
+          <a:lstStyle>
+            <a:lvl1pPr algn="l">
+              <a:defRPr sz="1200"/>
+            </a:lvl1pPr>
+          </a:lstStyle>
+          <a:p>
+            <a:endParaRPr lang="en-IL"/>
+          </a:p>
+        </p:txBody>
+      </p:sp>
+      <p:sp>
+        <p:nvSpPr>
+          <p:cNvPr id="3" name="Date Placeholder 2"/>
+          <p:cNvSpPr>
+            <a:spLocks noGrp="1"/>
+          </p:cNvSpPr>
+          <p:nvPr>
+            <p:ph type="dt" idx="1"/>
+          </p:nvPr>
+        </p:nvSpPr>
+        <p:spPr>
+          <a:xfrm>
+            <a:off x="3884613" y="0"/>
+            <a:ext cx="2971800" cy="458788"/>
+          </a:xfrm>
+          <a:prstGeom prst="rect">
+            <a:avLst/>
+          </a:prstGeom>
+        </p:spPr>
+        <p:txBody>
+          <a:bodyPr vert="horz" lIns="91440" tIns="45720" rIns="91440" bIns="45720" rtlCol="0"/>
+          <a:lstStyle>
+            <a:lvl1pPr algn="r">
+              <a:defRPr sz="1200"/>
+            </a:lvl1pPr>
+          </a:lstStyle>
+          <a:p>
+            <a:fld id="{9197F93A-308F-5246-A5EC-EA2503FA6E30}" type="datetimeFigureOut">
+              <a:rPr lang="en-IL" smtClean="0"/>
+              <a:t>24/03/2024</a:t>
+            </a:fld>
+            <a:endParaRPr lang="en-IL"/>
+          </a:p>
+        </p:txBody>
+      </p:sp>
+      <p:sp>
+        <p:nvSpPr>
+          <p:cNvPr id="4" name="Slide Image Placeholder 3"/>
+          <p:cNvSpPr>
+            <a:spLocks noGrp="1" noRot="1" noChangeAspect="1"/>
+          </p:cNvSpPr>
+          <p:nvPr>
+            <p:ph type="sldImg" idx="2"/>
+          </p:nvPr>
+        </p:nvSpPr>
+        <p:spPr>
+          <a:xfrm>
+            <a:off x="685800" y="1143000"/>
+            <a:ext cx="5486400" cy="3086100"/>
+          </a:xfrm>
+          <a:prstGeom prst="rect">
+            <a:avLst/>
+          </a:prstGeom>
+          <a:noFill/>
+          <a:ln w="12700">
+            <a:solidFill>
+              <a:prstClr val="black"/>
+            </a:solidFill>
+          </a:ln>
+        </p:spPr>
+        <p:txBody>
+          <a:bodyPr vert="horz" lIns="91440" tIns="45720" rIns="91440" bIns="45720" rtlCol="0" anchor="ctr"/>
+          <a:lstStyle/>
+          <a:p>
+            <a:endParaRPr lang="en-IL"/>
+          </a:p>
+        </p:txBody>
+      </p:sp>
+      <p:sp>
+        <p:nvSpPr>
+          <p:cNvPr id="5" name="Notes Placeholder 4"/>
+          <p:cNvSpPr>
+            <a:spLocks noGrp="1"/>
+          </p:cNvSpPr>
+          <p:nvPr>
+            <p:ph type="body" sz="quarter" idx="3"/>
+          </p:nvPr>
+        </p:nvSpPr>
+        <p:spPr>
+          <a:xfrm>
+            <a:off x="685800" y="4400550"/>
+            <a:ext cx="5486400" cy="3600450"/>
+          </a:xfrm>
+          <a:prstGeom prst="rect">
+            <a:avLst/>
+          </a:prstGeom>
+        </p:spPr>
+        <p:txBody>
+          <a:bodyPr vert="horz" lIns="91440" tIns="45720" rIns="91440" bIns="45720" rtlCol="0"/>
+          <a:lstStyle/>
+          <a:p>
+            <a:pPr lvl="0"/>
+            <a:r>
+              <a:rPr lang="en-US"/>
+              <a:t>Click to edit Master text styles</a:t>
+            </a:r>
+          </a:p>
+          <a:p>
+            <a:pPr lvl="1"/>
+            <a:r>
+              <a:rPr lang="en-US"/>
+              <a:t>Second level</a:t>
+            </a:r>
+          </a:p>
+          <a:p>
+            <a:pPr lvl="2"/>
+            <a:r>
+              <a:rPr lang="en-US"/>
+              <a:t>Third level</a:t>
+            </a:r>
+          </a:p>
+          <a:p>
+            <a:pPr lvl="3"/>
+            <a:r>
+              <a:rPr lang="en-US"/>
+              <a:t>Fourth level</a:t>
+            </a:r>
+          </a:p>
+          <a:p>
+            <a:pPr lvl="4"/>
+            <a:r>
+              <a:rPr lang="en-US"/>
+              <a:t>Fifth level</a:t>
+            </a:r>
+            <a:endParaRPr lang="en-IL"/>
+          </a:p>
+        </p:txBody>
+      </p:sp>
+      <p:sp>
+        <p:nvSpPr>
+          <p:cNvPr id="6" name="Footer Placeholder 5"/>
+          <p:cNvSpPr>
+            <a:spLocks noGrp="1"/>
+          </p:cNvSpPr>
+          <p:nvPr>
+            <p:ph type="ftr" sz="quarter" idx="4"/>
+          </p:nvPr>
+        </p:nvSpPr>
+        <p:spPr>
+          <a:xfrm>
+            <a:off x="0" y="8685213"/>
+            <a:ext cx="2971800" cy="458787"/>
+          </a:xfrm>
+          <a:prstGeom prst="rect">
+            <a:avLst/>
+          </a:prstGeom>
+        </p:spPr>
+        <p:txBody>
+          <a:bodyPr vert="horz" lIns="91440" tIns="45720" rIns="91440" bIns="45720" rtlCol="0" anchor="b"/>
+          <a:lstStyle>
+            <a:lvl1pPr algn="l">
+              <a:defRPr sz="1200"/>
+            </a:lvl1pPr>
+          </a:lstStyle>
+          <a:p>
+            <a:endParaRPr lang="en-IL"/>
+          </a:p>
+        </p:txBody>
+      </p:sp>
+      <p:sp>
+        <p:nvSpPr>
+          <p:cNvPr id="7" name="Slide Number Placeholder 6"/>
+          <p:cNvSpPr>
+            <a:spLocks noGrp="1"/>
+          </p:cNvSpPr>
+          <p:nvPr>
+            <p:ph type="sldNum" sz="quarter" idx="5"/>
+          </p:nvPr>
+        </p:nvSpPr>
+        <p:spPr>
+          <a:xfrm>
+            <a:off x="3884613" y="8685213"/>
+            <a:ext cx="2971800" cy="458787"/>
+          </a:xfrm>
+          <a:prstGeom prst="rect">
+            <a:avLst/>
+          </a:prstGeom>
+        </p:spPr>
+        <p:txBody>
+          <a:bodyPr vert="horz" lIns="91440" tIns="45720" rIns="91440" bIns="45720" rtlCol="0" anchor="b"/>
+          <a:lstStyle>
+            <a:lvl1pPr algn="r">
+              <a:defRPr sz="1200"/>
+            </a:lvl1pPr>
+          </a:lstStyle>
+          <a:p>
+            <a:fld id="{19D31529-63E9-2540-8ABF-C7232A6ED80C}" type="slidenum">
+              <a:rPr lang="en-IL" smtClean="0"/>
+              <a:t>‹#›</a:t>
+            </a:fld>
+            <a:endParaRPr lang="en-IL"/>
+          </a:p>
+        </p:txBody>
+      </p:sp>
+    </p:spTree>
+    <p:extLst>
+      <p:ext uri="{BB962C8B-B14F-4D97-AF65-F5344CB8AC3E}">
+        <p14:creationId xmlns:p14="http://schemas.microsoft.com/office/powerpoint/2010/main" val="1863538588"/>
+      </p:ext>
+    </p:extLst>
+  </p:cSld>
+  <p:clrMap bg1="lt1" tx1="dk1" bg2="lt2" tx2="dk2" accent1="accent1" accent2="accent2" accent3="accent3" accent4="accent4" accent5="accent5" accent6="accent6" hlink="hlink" folHlink="folHlink"/>
+  <p:notesStyle>
+    <a:lvl1pPr marL="0" algn="l" defTabSz="914400" rtl="0" eaLnBrk="1" latinLnBrk="0" hangingPunct="1">
+      <a:defRPr sz="1200" kern="1200">
+        <a:solidFill>
+          <a:schemeClr val="tx1"/>
+        </a:solidFill>
+        <a:latin typeface="+mn-lt"/>
+        <a:ea typeface="+mn-ea"/>
+        <a:cs typeface="+mn-cs"/>
+      </a:defRPr>
+    </a:lvl1pPr>
+    <a:lvl2pPr marL="457200" algn="l" defTabSz="914400" rtl="0" eaLnBrk="1" latinLnBrk="0" hangingPunct="1">
+      <a:defRPr sz="1200" kern="1200">
+        <a:solidFill>
+          <a:schemeClr val="tx1"/>
+        </a:solidFill>
+        <a:latin typeface="+mn-lt"/>
+        <a:ea typeface="+mn-ea"/>
+        <a:cs typeface="+mn-cs"/>
+      </a:defRPr>
+    </a:lvl2pPr>
+    <a:lvl3pPr marL="914400" algn="l" defTabSz="914400" rtl="0" eaLnBrk="1" latinLnBrk="0" hangingPunct="1">
+      <a:defRPr sz="1200" kern="1200">
+        <a:solidFill>
+          <a:schemeClr val="tx1"/>
+        </a:solidFill>
+        <a:latin typeface="+mn-lt"/>
+        <a:ea typeface="+mn-ea"/>
+        <a:cs typeface="+mn-cs"/>
+      </a:defRPr>
+    </a:lvl3pPr>
+    <a:lvl4pPr marL="1371600" algn="l" defTabSz="914400" rtl="0" eaLnBrk="1" latinLnBrk="0" hangingPunct="1">
+      <a:defRPr sz="1200" kern="1200">
+        <a:solidFill>
+          <a:schemeClr val="tx1"/>
+        </a:solidFill>
+        <a:latin typeface="+mn-lt"/>
+        <a:ea typeface="+mn-ea"/>
+        <a:cs typeface="+mn-cs"/>
+      </a:defRPr>
+    </a:lvl4pPr>
+    <a:lvl5pPr marL="1828800" algn="l" defTabSz="914400" rtl="0" eaLnBrk="1" latinLnBrk="0" hangingPunct="1">
+      <a:defRPr sz="1200" kern="1200">
+        <a:solidFill>
+          <a:schemeClr val="tx1"/>
+        </a:solidFill>
+        <a:latin typeface="+mn-lt"/>
+        <a:ea typeface="+mn-ea"/>
+        <a:cs typeface="+mn-cs"/>
+      </a:defRPr>
+    </a:lvl5pPr>
+    <a:lvl6pPr marL="2286000" algn="l" defTabSz="914400" rtl="0" eaLnBrk="1" latinLnBrk="0" hangingPunct="1">
+      <a:defRPr sz="1200" kern="1200">
+        <a:solidFill>
+          <a:schemeClr val="tx1"/>
+        </a:solidFill>
+        <a:latin typeface="+mn-lt"/>
+        <a:ea typeface="+mn-ea"/>
+        <a:cs typeface="+mn-cs"/>
+      </a:defRPr>
+    </a:lvl6pPr>
+    <a:lvl7pPr marL="2743200" algn="l" defTabSz="914400" rtl="0" eaLnBrk="1" latinLnBrk="0" hangingPunct="1">
+      <a:defRPr sz="1200" kern="1200">
+        <a:solidFill>
+          <a:schemeClr val="tx1"/>
+        </a:solidFill>
+        <a:latin typeface="+mn-lt"/>
+        <a:ea typeface="+mn-ea"/>
+        <a:cs typeface="+mn-cs"/>
+      </a:defRPr>
+    </a:lvl7pPr>
+    <a:lvl8pPr marL="3200400" algn="l" defTabSz="914400" rtl="0" eaLnBrk="1" latinLnBrk="0" hangingPunct="1">
+      <a:defRPr sz="1200" kern="1200">
+        <a:solidFill>
+          <a:schemeClr val="tx1"/>
+        </a:solidFill>
+        <a:latin typeface="+mn-lt"/>
+        <a:ea typeface="+mn-ea"/>
+        <a:cs typeface="+mn-cs"/>
+      </a:defRPr>
+    </a:lvl8pPr>
+    <a:lvl9pPr marL="3657600" algn="l" defTabSz="914400" rtl="0" eaLnBrk="1" latinLnBrk="0" hangingPunct="1">
+      <a:defRPr sz="1200" kern="1200">
+        <a:solidFill>
+          <a:schemeClr val="tx1"/>
+        </a:solidFill>
+        <a:latin typeface="+mn-lt"/>
+        <a:ea typeface="+mn-ea"/>
+        <a:cs typeface="+mn-cs"/>
+      </a:defRPr>
+    </a:lvl9pPr>
+  </p:notesStyle>
+</p:notesMaster>
+</file>
+
+<file path=ppt/notesSlides/notesSlide1.xml><?xml version="1.0" encoding="utf-8"?>
+<p:notes xmlns:a="http://schemas.openxmlformats.org/drawingml/2006/main" xmlns:r="http://schemas.openxmlformats.org/officeDocument/2006/relationships" xmlns:p="http://schemas.openxmlformats.org/presentationml/2006/main">
+  <p:cSld>
+    <p:spTree>
+      <p:nvGrpSpPr>
+        <p:cNvPr id="1" name=""/>
+        <p:cNvGrpSpPr/>
+        <p:nvPr/>
+      </p:nvGrpSpPr>
+      <p:grpSpPr>
+        <a:xfrm>
+          <a:off x="0" y="0"/>
+          <a:ext cx="0" cy="0"/>
+          <a:chOff x="0" y="0"/>
+          <a:chExt cx="0" cy="0"/>
+        </a:xfrm>
+      </p:grpSpPr>
+      <p:sp>
+        <p:nvSpPr>
+          <p:cNvPr id="2" name="Slide Image Placeholder 1"/>
+          <p:cNvSpPr>
+            <a:spLocks noGrp="1" noRot="1" noChangeAspect="1"/>
+          </p:cNvSpPr>
+          <p:nvPr>
+            <p:ph type="sldImg"/>
+          </p:nvPr>
+        </p:nvSpPr>
+        <p:spPr/>
+      </p:sp>
+      <p:sp>
+        <p:nvSpPr>
+          <p:cNvPr id="3" name="Notes Placeholder 2"/>
+          <p:cNvSpPr>
+            <a:spLocks noGrp="1"/>
+          </p:cNvSpPr>
+          <p:nvPr>
+            <p:ph type="body" idx="1"/>
+          </p:nvPr>
+        </p:nvSpPr>
+        <p:spPr/>
+        <p:txBody>
+          <a:bodyPr/>
+          <a:lstStyle/>
+          <a:p>
+            <a:endParaRPr lang="en-IL" dirty="0"/>
+          </a:p>
+        </p:txBody>
+      </p:sp>
+      <p:sp>
+        <p:nvSpPr>
+          <p:cNvPr id="4" name="Slide Number Placeholder 3"/>
+          <p:cNvSpPr>
+            <a:spLocks noGrp="1"/>
+          </p:cNvSpPr>
+          <p:nvPr>
+            <p:ph type="sldNum" sz="quarter" idx="5"/>
+          </p:nvPr>
+        </p:nvSpPr>
+        <p:spPr/>
+        <p:txBody>
+          <a:bodyPr/>
+          <a:lstStyle/>
+          <a:p>
+            <a:fld id="{19D31529-63E9-2540-8ABF-C7232A6ED80C}" type="slidenum">
+              <a:rPr lang="en-IL" smtClean="0"/>
+              <a:t>19</a:t>
+            </a:fld>
+            <a:endParaRPr lang="en-IL"/>
+          </a:p>
+        </p:txBody>
+      </p:sp>
+    </p:spTree>
+    <p:extLst>
+      <p:ext uri="{BB962C8B-B14F-4D97-AF65-F5344CB8AC3E}">
+        <p14:creationId xmlns:p14="http://schemas.microsoft.com/office/powerpoint/2010/main" val="904781509"/>
+      </p:ext>
+    </p:extLst>
+  </p:cSld>
+  <p:clrMapOvr>
+    <a:masterClrMapping/>
+  </p:clrMapOvr>
+</p:notes>
 </file>
 
 <file path=ppt/slideLayouts/slideLayout1.xml><?xml version="1.0" encoding="utf-8"?>
@@ -3350,6 +6474,215 @@
           <a:chExt cx="0" cy="0"/>
         </a:xfrm>
       </p:grpSpPr>
+      <p:graphicFrame>
+        <p:nvGraphicFramePr>
+          <p:cNvPr id="4" name="Content Placeholder 3">
+            <a:extLst>
+              <a:ext uri="{FF2B5EF4-FFF2-40B4-BE49-F238E27FC236}">
+                <a16:creationId xmlns:a16="http://schemas.microsoft.com/office/drawing/2014/main" id="{8BF0D4A2-0B2A-9B68-70B3-1366B2C24B0A}"/>
+              </a:ext>
+            </a:extLst>
+          </p:cNvPr>
+          <p:cNvGraphicFramePr>
+            <a:graphicFrameLocks noGrp="1"/>
+          </p:cNvGraphicFramePr>
+          <p:nvPr>
+            <p:ph idx="1"/>
+            <p:extLst>
+              <p:ext uri="{D42A27DB-BD31-4B8C-83A1-F6EECF244321}">
+                <p14:modId xmlns:p14="http://schemas.microsoft.com/office/powerpoint/2010/main" val="1186115747"/>
+              </p:ext>
+            </p:extLst>
+          </p:nvPr>
+        </p:nvGraphicFramePr>
+        <p:xfrm>
+          <a:off x="838200" y="2187526"/>
+          <a:ext cx="10515600" cy="4351338"/>
+        </p:xfrm>
+        <a:graphic>
+          <a:graphicData uri="http://schemas.openxmlformats.org/drawingml/2006/diagram">
+            <dgm:relIds xmlns:dgm="http://schemas.openxmlformats.org/drawingml/2006/diagram" xmlns:r="http://schemas.openxmlformats.org/officeDocument/2006/relationships" r:dm="rId2" r:lo="rId3" r:qs="rId4" r:cs="rId5"/>
+          </a:graphicData>
+        </a:graphic>
+      </p:graphicFrame>
+      <p:sp>
+        <p:nvSpPr>
+          <p:cNvPr id="5" name="Title 1">
+            <a:extLst>
+              <a:ext uri="{FF2B5EF4-FFF2-40B4-BE49-F238E27FC236}">
+                <a16:creationId xmlns:a16="http://schemas.microsoft.com/office/drawing/2014/main" id="{932B7B1A-2952-1ECE-6431-BF4A2EADC249}"/>
+              </a:ext>
+            </a:extLst>
+          </p:cNvPr>
+          <p:cNvSpPr>
+            <a:spLocks noGrp="1"/>
+          </p:cNvSpPr>
+          <p:nvPr>
+            <p:ph type="title"/>
+          </p:nvPr>
+        </p:nvSpPr>
+        <p:spPr>
+          <a:xfrm>
+            <a:off x="838200" y="365125"/>
+            <a:ext cx="10515600" cy="1325563"/>
+          </a:xfrm>
+        </p:spPr>
+        <p:txBody>
+          <a:bodyPr>
+            <a:normAutofit/>
+          </a:bodyPr>
+          <a:lstStyle/>
+          <a:p>
+            <a:pPr algn="ctr"/>
+            <a:r>
+              <a:rPr lang="en-IL" sz="5400" dirty="0"/>
+              <a:t>Home Assignment presentation</a:t>
+            </a:r>
+          </a:p>
+        </p:txBody>
+      </p:sp>
+      <p:sp>
+        <p:nvSpPr>
+          <p:cNvPr id="7" name="TextBox 6">
+            <a:extLst>
+              <a:ext uri="{FF2B5EF4-FFF2-40B4-BE49-F238E27FC236}">
+                <a16:creationId xmlns:a16="http://schemas.microsoft.com/office/drawing/2014/main" id="{E468DE2D-396B-6810-F282-3C3A2A8A24F8}"/>
+              </a:ext>
+            </a:extLst>
+          </p:cNvPr>
+          <p:cNvSpPr txBox="1"/>
+          <p:nvPr/>
+        </p:nvSpPr>
+        <p:spPr>
+          <a:xfrm>
+            <a:off x="1666240" y="1541195"/>
+            <a:ext cx="6096000" cy="646331"/>
+          </a:xfrm>
+          <a:prstGeom prst="rect">
+            <a:avLst/>
+          </a:prstGeom>
+          <a:noFill/>
+        </p:spPr>
+        <p:txBody>
+          <a:bodyPr wrap="square">
+            <a:spAutoFit/>
+          </a:bodyPr>
+          <a:lstStyle/>
+          <a:p>
+            <a:r>
+              <a:rPr lang="en-US" b="0" dirty="0">
+                <a:solidFill>
+                  <a:srgbClr val="6796E6"/>
+                </a:solidFill>
+                <a:effectLst/>
+                <a:latin typeface="Menlo" panose="020B0609030804020204" pitchFamily="49" charset="0"/>
+              </a:rPr>
+              <a:t>*</a:t>
+            </a:r>
+            <a:r>
+              <a:rPr lang="en-US" b="0" dirty="0">
+                <a:solidFill>
+                  <a:srgbClr val="CCCCCC"/>
+                </a:solidFill>
+                <a:effectLst/>
+                <a:latin typeface="Menlo" panose="020B0609030804020204" pitchFamily="49" charset="0"/>
+              </a:rPr>
+              <a:t> </a:t>
+            </a:r>
+            <a:r>
+              <a:rPr lang="en-US" b="0" dirty="0">
+                <a:effectLst/>
+                <a:latin typeface="Menlo" panose="020B0609030804020204" pitchFamily="49" charset="0"/>
+              </a:rPr>
+              <a:t>Written by: </a:t>
+            </a:r>
+            <a:r>
+              <a:rPr lang="en-US" b="0" dirty="0" err="1">
+                <a:effectLst/>
+                <a:latin typeface="Menlo" panose="020B0609030804020204" pitchFamily="49" charset="0"/>
+              </a:rPr>
+              <a:t>Yotam</a:t>
+            </a:r>
+            <a:r>
+              <a:rPr lang="en-US" b="0" dirty="0">
+                <a:effectLst/>
+                <a:latin typeface="Menlo" panose="020B0609030804020204" pitchFamily="49" charset="0"/>
+              </a:rPr>
+              <a:t> </a:t>
+            </a:r>
+            <a:r>
+              <a:rPr lang="en-US" b="0" dirty="0" err="1">
+                <a:effectLst/>
+                <a:latin typeface="Menlo" panose="020B0609030804020204" pitchFamily="49" charset="0"/>
+              </a:rPr>
+              <a:t>Dery</a:t>
+            </a:r>
+            <a:endParaRPr lang="en-US" b="0" dirty="0">
+              <a:effectLst/>
+              <a:latin typeface="Menlo" panose="020B0609030804020204" pitchFamily="49" charset="0"/>
+            </a:endParaRPr>
+          </a:p>
+          <a:p>
+            <a:r>
+              <a:rPr lang="en-US" b="0" dirty="0">
+                <a:solidFill>
+                  <a:srgbClr val="6796E6"/>
+                </a:solidFill>
+                <a:effectLst/>
+                <a:latin typeface="Menlo" panose="020B0609030804020204" pitchFamily="49" charset="0"/>
+              </a:rPr>
+              <a:t>*</a:t>
+            </a:r>
+            <a:r>
+              <a:rPr lang="en-US" b="0" dirty="0">
+                <a:solidFill>
+                  <a:srgbClr val="CCCCCC"/>
+                </a:solidFill>
+                <a:effectLst/>
+                <a:latin typeface="Menlo" panose="020B0609030804020204" pitchFamily="49" charset="0"/>
+              </a:rPr>
+              <a:t> </a:t>
+            </a:r>
+            <a:r>
+              <a:rPr lang="en-US" b="0" dirty="0">
+                <a:effectLst/>
+                <a:latin typeface="Menlo" panose="020B0609030804020204" pitchFamily="49" charset="0"/>
+              </a:rPr>
+              <a:t>Submission date: 03/17/2024</a:t>
+            </a:r>
+          </a:p>
+        </p:txBody>
+      </p:sp>
+    </p:spTree>
+    <p:extLst>
+      <p:ext uri="{BB962C8B-B14F-4D97-AF65-F5344CB8AC3E}">
+        <p14:creationId xmlns:p14="http://schemas.microsoft.com/office/powerpoint/2010/main" val="960140420"/>
+      </p:ext>
+    </p:extLst>
+  </p:cSld>
+  <p:clrMapOvr>
+    <a:masterClrMapping/>
+  </p:clrMapOvr>
+</p:sld>
+</file>
+
+<file path=ppt/slides/slide10.xml><?xml version="1.0" encoding="utf-8"?>
+<p:sld xmlns:a="http://schemas.openxmlformats.org/drawingml/2006/main" xmlns:r="http://schemas.openxmlformats.org/officeDocument/2006/relationships" xmlns:p="http://schemas.openxmlformats.org/presentationml/2006/main">
+  <p:cSld>
+    <p:spTree>
+      <p:nvGrpSpPr>
+        <p:cNvPr id="1" name=""/>
+        <p:cNvGrpSpPr/>
+        <p:nvPr/>
+      </p:nvGrpSpPr>
+      <p:grpSpPr>
+        <a:xfrm>
+          <a:off x="0" y="0"/>
+          <a:ext cx="0" cy="0"/>
+          <a:chOff x="0" y="0"/>
+          <a:chExt cx="0" cy="0"/>
+        </a:xfrm>
+      </p:grpSpPr>
       <p:sp>
         <p:nvSpPr>
           <p:cNvPr id="2" name="Title 1">
@@ -3378,31 +6711,6 @@
           </a:p>
         </p:txBody>
       </p:sp>
-      <p:sp>
-        <p:nvSpPr>
-          <p:cNvPr id="3" name="Subtitle 2">
-            <a:extLst>
-              <a:ext uri="{FF2B5EF4-FFF2-40B4-BE49-F238E27FC236}">
-                <a16:creationId xmlns:a16="http://schemas.microsoft.com/office/drawing/2014/main" id="{CD6A64CC-7451-9E29-61B0-6BBB11C5B508}"/>
-              </a:ext>
-            </a:extLst>
-          </p:cNvPr>
-          <p:cNvSpPr>
-            <a:spLocks noGrp="1"/>
-          </p:cNvSpPr>
-          <p:nvPr>
-            <p:ph type="subTitle" idx="1"/>
-          </p:nvPr>
-        </p:nvSpPr>
-        <p:spPr/>
-        <p:txBody>
-          <a:bodyPr/>
-          <a:lstStyle/>
-          <a:p>
-            <a:endParaRPr lang="en-IL"/>
-          </a:p>
-        </p:txBody>
-      </p:sp>
     </p:spTree>
     <p:extLst>
       <p:ext uri="{BB962C8B-B14F-4D97-AF65-F5344CB8AC3E}">
@@ -3416,7 +6724,7 @@
 </p:sld>
 </file>
 
-<file path=ppt/slides/slide2.xml><?xml version="1.0" encoding="utf-8"?>
+<file path=ppt/slides/slide11.xml><?xml version="1.0" encoding="utf-8"?>
 <p:sld xmlns:a="http://schemas.openxmlformats.org/drawingml/2006/main" xmlns:r="http://schemas.openxmlformats.org/officeDocument/2006/relationships" xmlns:p="http://schemas.openxmlformats.org/presentationml/2006/main">
   <p:cSld>
     <p:spTree>
@@ -3480,10 +6788,15 @@
         <p:spPr/>
         <p:txBody>
           <a:bodyPr>
-            <a:normAutofit fontScale="92500" lnSpcReduction="10000"/>
+            <a:normAutofit fontScale="70000" lnSpcReduction="20000"/>
           </a:bodyPr>
           <a:lstStyle/>
           <a:p>
+            <a:pPr>
+              <a:lnSpc>
+                <a:spcPct val="160000"/>
+              </a:lnSpc>
+            </a:pPr>
             <a:r>
               <a:rPr lang="en-IL" dirty="0">
                 <a:latin typeface="Times New Roman" panose="02020603050405020304" pitchFamily="18" charset="0"/>
@@ -3494,6 +6807,9 @@
           </a:p>
           <a:p>
             <a:pPr algn="l">
+              <a:lnSpc>
+                <a:spcPct val="160000"/>
+              </a:lnSpc>
               <a:buFont typeface="Arial" panose="020B0604020202020204" pitchFamily="34" charset="0"/>
               <a:buChar char="•"/>
             </a:pPr>
@@ -3508,6 +6824,9 @@
           </a:p>
           <a:p>
             <a:pPr algn="l">
+              <a:lnSpc>
+                <a:spcPct val="160000"/>
+              </a:lnSpc>
               <a:buFont typeface="Arial" panose="020B0604020202020204" pitchFamily="34" charset="0"/>
               <a:buChar char="•"/>
             </a:pPr>
@@ -3522,6 +6841,9 @@
           </a:p>
           <a:p>
             <a:pPr algn="l">
+              <a:lnSpc>
+                <a:spcPct val="160000"/>
+              </a:lnSpc>
               <a:buFont typeface="Arial" panose="020B0604020202020204" pitchFamily="34" charset="0"/>
               <a:buChar char="•"/>
             </a:pPr>
@@ -3555,7 +6877,7 @@
 </p:sld>
 </file>
 
-<file path=ppt/slides/slide3.xml><?xml version="1.0" encoding="utf-8"?>
+<file path=ppt/slides/slide12.xml><?xml version="1.0" encoding="utf-8"?>
 <p:sld xmlns:a="http://schemas.openxmlformats.org/drawingml/2006/main" xmlns:r="http://schemas.openxmlformats.org/officeDocument/2006/relationships" xmlns:p="http://schemas.openxmlformats.org/presentationml/2006/main">
   <p:cSld>
     <p:spTree>
@@ -3749,7 +7071,7 @@
 </p:sld>
 </file>
 
-<file path=ppt/slides/slide4.xml><?xml version="1.0" encoding="utf-8"?>
+<file path=ppt/slides/slide13.xml><?xml version="1.0" encoding="utf-8"?>
 <p:sld xmlns:a="http://schemas.openxmlformats.org/drawingml/2006/main" xmlns:r="http://schemas.openxmlformats.org/officeDocument/2006/relationships" xmlns:p="http://schemas.openxmlformats.org/presentationml/2006/main">
   <p:cSld>
     <p:spTree>
@@ -3963,7 +7285,7 @@
 </p:sld>
 </file>
 
-<file path=ppt/slides/slide5.xml><?xml version="1.0" encoding="utf-8"?>
+<file path=ppt/slides/slide14.xml><?xml version="1.0" encoding="utf-8"?>
 <p:sld xmlns:a="http://schemas.openxmlformats.org/drawingml/2006/main" xmlns:r="http://schemas.openxmlformats.org/officeDocument/2006/relationships" xmlns:p="http://schemas.openxmlformats.org/presentationml/2006/main">
   <p:cSld>
     <p:spTree>
@@ -4028,7 +7350,7 @@
         <p:spPr/>
         <p:txBody>
           <a:bodyPr>
-            <a:normAutofit fontScale="70000" lnSpcReduction="20000"/>
+            <a:normAutofit fontScale="85000" lnSpcReduction="20000"/>
           </a:bodyPr>
           <a:lstStyle/>
           <a:p>
@@ -4061,12 +7383,10 @@
             </a:r>
           </a:p>
           <a:p>
-            <a:pPr algn="l">
+            <a:pPr lvl="1">
               <a:lnSpc>
                 <a:spcPct val="170000"/>
               </a:lnSpc>
-              <a:buFont typeface="Arial" panose="020B0604020202020204" pitchFamily="34" charset="0"/>
-              <a:buChar char="•"/>
             </a:pPr>
             <a:r>
               <a:rPr lang="en-US" b="1" i="0" dirty="0">
@@ -4098,12 +7418,10 @@
             </a:r>
           </a:p>
           <a:p>
-            <a:pPr algn="l">
+            <a:pPr lvl="1">
               <a:lnSpc>
                 <a:spcPct val="170000"/>
               </a:lnSpc>
-              <a:buFont typeface="Arial" panose="020B0604020202020204" pitchFamily="34" charset="0"/>
-              <a:buChar char="•"/>
             </a:pPr>
             <a:r>
               <a:rPr lang="en-US" b="1" i="0" dirty="0">
@@ -4183,7 +7501,7 @@
 </p:sld>
 </file>
 
-<file path=ppt/slides/slide6.xml><?xml version="1.0" encoding="utf-8"?>
+<file path=ppt/slides/slide15.xml><?xml version="1.0" encoding="utf-8"?>
 <p:sld xmlns:a="http://schemas.openxmlformats.org/drawingml/2006/main" xmlns:r="http://schemas.openxmlformats.org/officeDocument/2006/relationships" xmlns:p="http://schemas.openxmlformats.org/presentationml/2006/main">
   <p:cSld>
     <p:spTree>
@@ -4281,9 +7599,10 @@
             </a:r>
           </a:p>
           <a:p>
-            <a:pPr algn="l">
-              <a:buFont typeface="Arial" panose="020B0604020202020204" pitchFamily="34" charset="0"/>
-              <a:buChar char="•"/>
+            <a:pPr lvl="1">
+              <a:lnSpc>
+                <a:spcPct val="150000"/>
+              </a:lnSpc>
             </a:pPr>
             <a:r>
               <a:rPr lang="en-US" b="1" i="0" dirty="0">
@@ -4315,9 +7634,10 @@
             </a:r>
           </a:p>
           <a:p>
-            <a:pPr algn="l">
-              <a:buFont typeface="Arial" panose="020B0604020202020204" pitchFamily="34" charset="0"/>
-              <a:buChar char="•"/>
+            <a:pPr lvl="1">
+              <a:lnSpc>
+                <a:spcPct val="150000"/>
+              </a:lnSpc>
             </a:pPr>
             <a:r>
               <a:rPr lang="en-US" b="1" i="0" dirty="0">
@@ -4390,7 +7710,7 @@
 </p:sld>
 </file>
 
-<file path=ppt/slides/slide7.xml><?xml version="1.0" encoding="utf-8"?>
+<file path=ppt/slides/slide16.xml><?xml version="1.0" encoding="utf-8"?>
 <p:sld xmlns:a="http://schemas.openxmlformats.org/drawingml/2006/main" xmlns:r="http://schemas.openxmlformats.org/officeDocument/2006/relationships" xmlns:p="http://schemas.openxmlformats.org/presentationml/2006/main">
   <p:cSld>
     <p:spTree>
@@ -4428,9 +7748,10 @@
           <a:bodyPr/>
           <a:lstStyle/>
           <a:p>
+            <a:pPr algn="ctr"/>
             <a:r>
               <a:rPr lang="en-IL" dirty="0"/>
-              <a:t>Model evaluation</a:t>
+              <a:t>Model – cont.</a:t>
             </a:r>
           </a:p>
         </p:txBody>
@@ -4451,32 +7772,51 @@
             <p:ph idx="1"/>
           </p:nvPr>
         </p:nvSpPr>
-        <p:spPr/>
+        <p:spPr>
+          <a:xfrm>
+            <a:off x="838200" y="1825625"/>
+            <a:ext cx="10515600" cy="4774872"/>
+          </a:xfrm>
+        </p:spPr>
         <p:txBody>
           <a:bodyPr>
-            <a:normAutofit lnSpcReduction="10000"/>
+            <a:normAutofit fontScale="85000" lnSpcReduction="20000"/>
           </a:bodyPr>
           <a:lstStyle/>
           <a:p>
             <a:pPr>
               <a:lnSpc>
-                <a:spcPct val="150000"/>
+                <a:spcPct val="160000"/>
               </a:lnSpc>
             </a:pPr>
             <a:r>
-              <a:rPr lang="en-IL" dirty="0">
-                <a:latin typeface="Times New Roman" panose="02020603050405020304" pitchFamily="18" charset="0"/>
-                <a:cs typeface="Times New Roman" panose="02020603050405020304" pitchFamily="18" charset="0"/>
-              </a:rPr>
-              <a:t>Precision at N</a:t>
+              <a:rPr lang="en-US" dirty="0">
+                <a:latin typeface="Times New Roman" panose="02020603050405020304" pitchFamily="18" charset="0"/>
+                <a:cs typeface="Times New Roman" panose="02020603050405020304" pitchFamily="18" charset="0"/>
+              </a:rPr>
+              <a:t>Step 4 cont. - Credible intervals</a:t>
             </a:r>
           </a:p>
           <a:p>
             <a:pPr lvl="1">
               <a:lnSpc>
-                <a:spcPct val="150000"/>
+                <a:spcPct val="160000"/>
               </a:lnSpc>
             </a:pPr>
+            <a:r>
+              <a:rPr lang="en-US" b="1" i="0" dirty="0">
+                <a:solidFill>
+                  <a:srgbClr val="0D0D0D"/>
+                </a:solidFill>
+                <a:effectLst/>
+                <a:highlight>
+                  <a:srgbClr val="FFFFFF"/>
+                </a:highlight>
+                <a:latin typeface="Times New Roman" panose="02020603050405020304" pitchFamily="18" charset="0"/>
+                <a:cs typeface="Times New Roman" panose="02020603050405020304" pitchFamily="18" charset="0"/>
+              </a:rPr>
+              <a:t>Calculate Credible Intervals</a:t>
+            </a:r>
             <a:r>
               <a:rPr lang="en-US" b="0" i="0" dirty="0">
                 <a:solidFill>
@@ -4489,33 +7829,29 @@
                 <a:latin typeface="Times New Roman" panose="02020603050405020304" pitchFamily="18" charset="0"/>
                 <a:cs typeface="Times New Roman" panose="02020603050405020304" pitchFamily="18" charset="0"/>
               </a:rPr>
-              <a:t>Measures the proportion of correctly identified positive cases (customers who churn) out of the top N cases ranked by the model as most likely to churn.</a:t>
-            </a:r>
-            <a:endParaRPr lang="en-IL" dirty="0">
-              <a:latin typeface="Times New Roman" panose="02020603050405020304" pitchFamily="18" charset="0"/>
-              <a:cs typeface="Times New Roman" panose="02020603050405020304" pitchFamily="18" charset="0"/>
-            </a:endParaRPr>
-          </a:p>
-          <a:p>
-            <a:pPr>
+              <a:t>: For each member, calculate a credible interval (e.g., 95%) for their churn probability using the posterior distribution obtained from the Bayesian model.</a:t>
+            </a:r>
+          </a:p>
+          <a:p>
+            <a:pPr lvl="1">
               <a:lnSpc>
-                <a:spcPct val="150000"/>
+                <a:spcPct val="160000"/>
               </a:lnSpc>
             </a:pPr>
             <a:r>
-              <a:rPr lang="en-IL" dirty="0">
-                <a:latin typeface="Times New Roman" panose="02020603050405020304" pitchFamily="18" charset="0"/>
-                <a:cs typeface="Times New Roman" panose="02020603050405020304" pitchFamily="18" charset="0"/>
-              </a:rPr>
-              <a:t>Recall at N</a:t>
-            </a:r>
-          </a:p>
-          <a:p>
-            <a:pPr lvl="1">
-              <a:lnSpc>
-                <a:spcPct val="150000"/>
-              </a:lnSpc>
-            </a:pPr>
+              <a:rPr lang="en-US" b="1" i="0" dirty="0">
+                <a:solidFill>
+                  <a:srgbClr val="0D0D0D"/>
+                </a:solidFill>
+                <a:effectLst/>
+                <a:highlight>
+                  <a:srgbClr val="FFFFFF"/>
+                </a:highlight>
+                <a:latin typeface="Times New Roman" panose="02020603050405020304" pitchFamily="18" charset="0"/>
+                <a:cs typeface="Times New Roman" panose="02020603050405020304" pitchFamily="18" charset="0"/>
+              </a:rPr>
+              <a:t>Rank by Interval Width</a:t>
+            </a:r>
             <a:r>
               <a:rPr lang="en-US" b="0" i="0" dirty="0">
                 <a:solidFill>
@@ -4528,8 +7864,15 @@
                 <a:latin typeface="Times New Roman" panose="02020603050405020304" pitchFamily="18" charset="0"/>
                 <a:cs typeface="Times New Roman" panose="02020603050405020304" pitchFamily="18" charset="0"/>
               </a:rPr>
-              <a:t>Measures the proportion of correctly identified positive cases out of </a:t>
-            </a:r>
+              <a:t>: In addition to ranking members by their churn probability, also consider the width of their credible intervals. Members with high churn probabilities and narrow intervals could be ranked higher.</a:t>
+            </a:r>
+          </a:p>
+          <a:p>
+            <a:pPr lvl="1">
+              <a:lnSpc>
+                <a:spcPct val="160000"/>
+              </a:lnSpc>
+            </a:pPr>
             <a:r>
               <a:rPr lang="en-US" b="1" i="0" dirty="0">
                 <a:solidFill>
@@ -4542,7 +7885,7 @@
                 <a:latin typeface="Times New Roman" panose="02020603050405020304" pitchFamily="18" charset="0"/>
                 <a:cs typeface="Times New Roman" panose="02020603050405020304" pitchFamily="18" charset="0"/>
               </a:rPr>
-              <a:t>all</a:t>
+              <a:t>Thresholding or Scoring</a:t>
             </a:r>
             <a:r>
               <a:rPr lang="en-US" b="0" i="0" dirty="0">
@@ -4556,8 +7899,40 @@
                 <a:latin typeface="Times New Roman" panose="02020603050405020304" pitchFamily="18" charset="0"/>
                 <a:cs typeface="Times New Roman" panose="02020603050405020304" pitchFamily="18" charset="0"/>
               </a:rPr>
-              <a:t> actual positive cases in the test set, considering only the top N ranked predictions.</a:t>
-            </a:r>
+              <a:t>: Create a composite score that considers both the churn probability and the interval width. For example, members could be scored higher for having both a high churn probability and a narrow interval, balancing risk and certainty.</a:t>
+            </a:r>
+          </a:p>
+          <a:p>
+            <a:pPr marL="457200" lvl="1" indent="0">
+              <a:buNone/>
+            </a:pPr>
+            <a:br>
+              <a:rPr lang="en-US" b="0" i="0" dirty="0">
+                <a:solidFill>
+                  <a:srgbClr val="0D0D0D"/>
+                </a:solidFill>
+                <a:effectLst/>
+                <a:highlight>
+                  <a:srgbClr val="FFFFFF"/>
+                </a:highlight>
+                <a:latin typeface="Times New Roman" panose="02020603050405020304" pitchFamily="18" charset="0"/>
+                <a:cs typeface="Times New Roman" panose="02020603050405020304" pitchFamily="18" charset="0"/>
+              </a:rPr>
+            </a:br>
+            <a:endParaRPr lang="en-US" b="0" i="0" dirty="0">
+              <a:solidFill>
+                <a:srgbClr val="0D0D0D"/>
+              </a:solidFill>
+              <a:effectLst/>
+              <a:highlight>
+                <a:srgbClr val="FFFFFF"/>
+              </a:highlight>
+              <a:latin typeface="Times New Roman" panose="02020603050405020304" pitchFamily="18" charset="0"/>
+              <a:cs typeface="Times New Roman" panose="02020603050405020304" pitchFamily="18" charset="0"/>
+            </a:endParaRPr>
+          </a:p>
+          <a:p>
+            <a:pPr lvl="1"/>
             <a:endParaRPr lang="en-US" dirty="0">
               <a:solidFill>
                 <a:srgbClr val="0D0D0D"/>
@@ -4569,33 +7944,12 @@
               <a:cs typeface="Times New Roman" panose="02020603050405020304" pitchFamily="18" charset="0"/>
             </a:endParaRPr>
           </a:p>
-          <a:p>
-            <a:pPr marL="457200" lvl="1" indent="0">
-              <a:lnSpc>
-                <a:spcPct val="150000"/>
-              </a:lnSpc>
-              <a:buNone/>
-            </a:pPr>
-            <a:r>
-              <a:rPr lang="en-US" dirty="0">
-                <a:solidFill>
-                  <a:srgbClr val="0D0D0D"/>
-                </a:solidFill>
-                <a:highlight>
-                  <a:srgbClr val="FFFFFF"/>
-                </a:highlight>
-                <a:latin typeface="Times New Roman" panose="02020603050405020304" pitchFamily="18" charset="0"/>
-                <a:cs typeface="Times New Roman" panose="02020603050405020304" pitchFamily="18" charset="0"/>
-              </a:rPr>
-              <a:t>This metrics were calculated in the home assignment.</a:t>
-            </a:r>
-          </a:p>
         </p:txBody>
       </p:sp>
     </p:spTree>
     <p:extLst>
       <p:ext uri="{BB962C8B-B14F-4D97-AF65-F5344CB8AC3E}">
-        <p14:creationId xmlns:p14="http://schemas.microsoft.com/office/powerpoint/2010/main" val="975098209"/>
+        <p14:creationId xmlns:p14="http://schemas.microsoft.com/office/powerpoint/2010/main" val="1305013999"/>
       </p:ext>
     </p:extLst>
   </p:cSld>
@@ -4605,7 +7959,7 @@
 </p:sld>
 </file>
 
-<file path=ppt/slides/slide8.xml><?xml version="1.0" encoding="utf-8"?>
+<file path=ppt/slides/slide17.xml><?xml version="1.0" encoding="utf-8"?>
 <p:sld xmlns:a="http://schemas.openxmlformats.org/drawingml/2006/main" xmlns:r="http://schemas.openxmlformats.org/officeDocument/2006/relationships" xmlns:p="http://schemas.openxmlformats.org/presentationml/2006/main">
   <p:cSld>
     <p:spTree>
@@ -4645,7 +7999,7 @@
           <a:p>
             <a:r>
               <a:rPr lang="en-IL" dirty="0"/>
-              <a:t>Model evaluation – cont.</a:t>
+              <a:t>Model evaluation</a:t>
             </a:r>
           </a:p>
         </p:txBody>
@@ -4666,24 +8020,24 @@
             <p:ph idx="1"/>
           </p:nvPr>
         </p:nvSpPr>
-        <p:spPr>
-          <a:xfrm>
-            <a:off x="838200" y="1825625"/>
-            <a:ext cx="10515600" cy="4774872"/>
-          </a:xfrm>
-        </p:spPr>
+        <p:spPr/>
         <p:txBody>
           <a:bodyPr>
-            <a:normAutofit fontScale="85000" lnSpcReduction="10000"/>
+            <a:normAutofit lnSpcReduction="10000"/>
           </a:bodyPr>
           <a:lstStyle/>
           <a:p>
-            <a:r>
-              <a:rPr lang="en-US" dirty="0">
-                <a:latin typeface="Times New Roman" panose="02020603050405020304" pitchFamily="18" charset="0"/>
-                <a:cs typeface="Times New Roman" panose="02020603050405020304" pitchFamily="18" charset="0"/>
-              </a:rPr>
-              <a:t>Lift at N</a:t>
+            <a:pPr>
+              <a:lnSpc>
+                <a:spcPct val="150000"/>
+              </a:lnSpc>
+            </a:pPr>
+            <a:r>
+              <a:rPr lang="en-IL" dirty="0">
+                <a:latin typeface="Times New Roman" panose="02020603050405020304" pitchFamily="18" charset="0"/>
+                <a:cs typeface="Times New Roman" panose="02020603050405020304" pitchFamily="18" charset="0"/>
+              </a:rPr>
+              <a:t>Precision at N</a:t>
             </a:r>
           </a:p>
           <a:p>
@@ -4692,19 +8046,6 @@
                 <a:spcPct val="150000"/>
               </a:lnSpc>
             </a:pPr>
-            <a:r>
-              <a:rPr lang="en-US" dirty="0">
-                <a:solidFill>
-                  <a:srgbClr val="0D0D0D"/>
-                </a:solidFill>
-                <a:highlight>
-                  <a:srgbClr val="FFFFFF"/>
-                </a:highlight>
-                <a:latin typeface="Times New Roman" panose="02020603050405020304" pitchFamily="18" charset="0"/>
-                <a:cs typeface="Times New Roman" panose="02020603050405020304" pitchFamily="18" charset="0"/>
-              </a:rPr>
-              <a:t>C</a:t>
-            </a:r>
             <a:r>
               <a:rPr lang="en-US" b="0" i="0" dirty="0">
                 <a:solidFill>
@@ -4717,7 +8058,25 @@
                 <a:latin typeface="Times New Roman" panose="02020603050405020304" pitchFamily="18" charset="0"/>
                 <a:cs typeface="Times New Roman" panose="02020603050405020304" pitchFamily="18" charset="0"/>
               </a:rPr>
-              <a:t>ompares the model's ability to predict churn within the top N ranked customers against random guessing. It's a measure of the model's effectiveness in identifying churn cases within a limited subset (top N).</a:t>
+              <a:t>Measures the proportion of correctly identified positive cases (customers who churn) out of the top N cases ranked by the model as most likely to churn.</a:t>
+            </a:r>
+            <a:endParaRPr lang="en-IL" dirty="0">
+              <a:latin typeface="Times New Roman" panose="02020603050405020304" pitchFamily="18" charset="0"/>
+              <a:cs typeface="Times New Roman" panose="02020603050405020304" pitchFamily="18" charset="0"/>
+            </a:endParaRPr>
+          </a:p>
+          <a:p>
+            <a:pPr>
+              <a:lnSpc>
+                <a:spcPct val="150000"/>
+              </a:lnSpc>
+            </a:pPr>
+            <a:r>
+              <a:rPr lang="en-IL" dirty="0">
+                <a:latin typeface="Times New Roman" panose="02020603050405020304" pitchFamily="18" charset="0"/>
+                <a:cs typeface="Times New Roman" panose="02020603050405020304" pitchFamily="18" charset="0"/>
+              </a:rPr>
+              <a:t>Recall at N</a:t>
             </a:r>
           </a:p>
           <a:p>
@@ -4725,9 +8084,21 @@
               <a:lnSpc>
                 <a:spcPct val="150000"/>
               </a:lnSpc>
-              <a:buFont typeface="+mj-lt"/>
-              <a:buAutoNum type="arabicPeriod"/>
             </a:pPr>
+            <a:r>
+              <a:rPr lang="en-US" b="0" i="0" dirty="0">
+                <a:solidFill>
+                  <a:srgbClr val="0D0D0D"/>
+                </a:solidFill>
+                <a:effectLst/>
+                <a:highlight>
+                  <a:srgbClr val="FFFFFF"/>
+                </a:highlight>
+                <a:latin typeface="Times New Roman" panose="02020603050405020304" pitchFamily="18" charset="0"/>
+                <a:cs typeface="Times New Roman" panose="02020603050405020304" pitchFamily="18" charset="0"/>
+              </a:rPr>
+              <a:t>Measures the proportion of correctly identified positive cases out of </a:t>
+            </a:r>
             <a:r>
               <a:rPr lang="en-US" b="1" i="0" dirty="0">
                 <a:solidFill>
@@ -4740,7 +8111,7 @@
                 <a:latin typeface="Times New Roman" panose="02020603050405020304" pitchFamily="18" charset="0"/>
                 <a:cs typeface="Times New Roman" panose="02020603050405020304" pitchFamily="18" charset="0"/>
               </a:rPr>
-              <a:t>Calculate Baseline Rate</a:t>
+              <a:t>all</a:t>
             </a:r>
             <a:r>
               <a:rPr lang="en-US" b="0" i="0" dirty="0">
@@ -4754,287 +8125,8 @@
                 <a:latin typeface="Times New Roman" panose="02020603050405020304" pitchFamily="18" charset="0"/>
                 <a:cs typeface="Times New Roman" panose="02020603050405020304" pitchFamily="18" charset="0"/>
               </a:rPr>
-              <a:t>: Determine the baseline churn rate in the test set, which is the proportion of customers who churned (</a:t>
-            </a:r>
-            <a:r>
-              <a:rPr lang="en-US" b="0" i="0" dirty="0" err="1">
-                <a:solidFill>
-                  <a:srgbClr val="0D0D0D"/>
-                </a:solidFill>
-                <a:effectLst/>
-                <a:highlight>
-                  <a:srgbClr val="FFFFFF"/>
-                </a:highlight>
-                <a:latin typeface="Times New Roman" panose="02020603050405020304" pitchFamily="18" charset="0"/>
-                <a:cs typeface="Times New Roman" panose="02020603050405020304" pitchFamily="18" charset="0"/>
-              </a:rPr>
-              <a:t>Total_Churn</a:t>
-            </a:r>
-            <a:r>
-              <a:rPr lang="en-US" b="0" i="0" dirty="0">
-                <a:solidFill>
-                  <a:srgbClr val="0D0D0D"/>
-                </a:solidFill>
-                <a:effectLst/>
-                <a:highlight>
-                  <a:srgbClr val="FFFFFF"/>
-                </a:highlight>
-                <a:latin typeface="Times New Roman" panose="02020603050405020304" pitchFamily="18" charset="0"/>
-                <a:cs typeface="Times New Roman" panose="02020603050405020304" pitchFamily="18" charset="0"/>
-              </a:rPr>
-              <a:t> / </a:t>
-            </a:r>
-            <a:r>
-              <a:rPr lang="en-US" b="0" i="0" dirty="0" err="1">
-                <a:solidFill>
-                  <a:srgbClr val="0D0D0D"/>
-                </a:solidFill>
-                <a:effectLst/>
-                <a:highlight>
-                  <a:srgbClr val="FFFFFF"/>
-                </a:highlight>
-                <a:latin typeface="Times New Roman" panose="02020603050405020304" pitchFamily="18" charset="0"/>
-                <a:cs typeface="Times New Roman" panose="02020603050405020304" pitchFamily="18" charset="0"/>
-              </a:rPr>
-              <a:t>Total_customers</a:t>
-            </a:r>
-            <a:r>
-              <a:rPr lang="en-US" dirty="0" err="1">
-                <a:solidFill>
-                  <a:srgbClr val="0D0D0D"/>
-                </a:solidFill>
-                <a:highlight>
-                  <a:srgbClr val="FFFFFF"/>
-                </a:highlight>
-                <a:latin typeface="Times New Roman" panose="02020603050405020304" pitchFamily="18" charset="0"/>
-                <a:cs typeface="Times New Roman" panose="02020603050405020304" pitchFamily="18" charset="0"/>
-              </a:rPr>
-              <a:t>_in_test</a:t>
-            </a:r>
-            <a:r>
-              <a:rPr lang="en-US" dirty="0">
-                <a:solidFill>
-                  <a:srgbClr val="0D0D0D"/>
-                </a:solidFill>
-                <a:highlight>
-                  <a:srgbClr val="FFFFFF"/>
-                </a:highlight>
-                <a:latin typeface="Times New Roman" panose="02020603050405020304" pitchFamily="18" charset="0"/>
-                <a:cs typeface="Times New Roman" panose="02020603050405020304" pitchFamily="18" charset="0"/>
-              </a:rPr>
-              <a:t>).</a:t>
-            </a:r>
-            <a:endParaRPr lang="en-US" b="0" i="0" dirty="0">
-              <a:solidFill>
-                <a:srgbClr val="0D0D0D"/>
-              </a:solidFill>
-              <a:effectLst/>
-              <a:highlight>
-                <a:srgbClr val="FFFFFF"/>
-              </a:highlight>
-              <a:latin typeface="Times New Roman" panose="02020603050405020304" pitchFamily="18" charset="0"/>
-              <a:cs typeface="Times New Roman" panose="02020603050405020304" pitchFamily="18" charset="0"/>
-            </a:endParaRPr>
-          </a:p>
-          <a:p>
-            <a:pPr lvl="1">
-              <a:lnSpc>
-                <a:spcPct val="150000"/>
-              </a:lnSpc>
-              <a:buFont typeface="+mj-lt"/>
-              <a:buAutoNum type="arabicPeriod"/>
-            </a:pPr>
-            <a:r>
-              <a:rPr lang="en-US" b="1" i="0" dirty="0">
-                <a:solidFill>
-                  <a:srgbClr val="0D0D0D"/>
-                </a:solidFill>
-                <a:effectLst/>
-                <a:highlight>
-                  <a:srgbClr val="FFFFFF"/>
-                </a:highlight>
-                <a:latin typeface="Times New Roman" panose="02020603050405020304" pitchFamily="18" charset="0"/>
-                <a:cs typeface="Times New Roman" panose="02020603050405020304" pitchFamily="18" charset="0"/>
-              </a:rPr>
-              <a:t>Precision at N</a:t>
-            </a:r>
-            <a:r>
-              <a:rPr lang="en-US" b="0" i="0" dirty="0">
-                <a:solidFill>
-                  <a:srgbClr val="0D0D0D"/>
-                </a:solidFill>
-                <a:effectLst/>
-                <a:highlight>
-                  <a:srgbClr val="FFFFFF"/>
-                </a:highlight>
-                <a:latin typeface="Times New Roman" panose="02020603050405020304" pitchFamily="18" charset="0"/>
-                <a:cs typeface="Times New Roman" panose="02020603050405020304" pitchFamily="18" charset="0"/>
-              </a:rPr>
-              <a:t>: Use the precision at N calculation as previous slide depicts.</a:t>
-            </a:r>
-          </a:p>
-          <a:p>
-            <a:pPr lvl="1">
-              <a:lnSpc>
-                <a:spcPct val="170000"/>
-              </a:lnSpc>
-              <a:buFont typeface="+mj-lt"/>
-              <a:buAutoNum type="arabicPeriod"/>
-            </a:pPr>
-            <a:r>
-              <a:rPr lang="en-US" b="1" i="0" dirty="0">
-                <a:solidFill>
-                  <a:srgbClr val="0D0D0D"/>
-                </a:solidFill>
-                <a:effectLst/>
-                <a:highlight>
-                  <a:srgbClr val="FFFFFF"/>
-                </a:highlight>
-                <a:latin typeface="Times New Roman" panose="02020603050405020304" pitchFamily="18" charset="0"/>
-                <a:cs typeface="Times New Roman" panose="02020603050405020304" pitchFamily="18" charset="0"/>
-              </a:rPr>
-              <a:t>Calculate Lift</a:t>
-            </a:r>
-            <a:r>
-              <a:rPr lang="en-US" b="0" i="0" dirty="0">
-                <a:solidFill>
-                  <a:srgbClr val="0D0D0D"/>
-                </a:solidFill>
-                <a:effectLst/>
-                <a:highlight>
-                  <a:srgbClr val="FFFFFF"/>
-                </a:highlight>
-                <a:latin typeface="Times New Roman" panose="02020603050405020304" pitchFamily="18" charset="0"/>
-                <a:cs typeface="Times New Roman" panose="02020603050405020304" pitchFamily="18" charset="0"/>
-              </a:rPr>
-              <a:t>: Divide the Precision at N by the baseline churn rate:</a:t>
-            </a:r>
-            <a:br>
-              <a:rPr lang="en-US" b="0" i="0" dirty="0">
-                <a:solidFill>
-                  <a:srgbClr val="0D0D0D"/>
-                </a:solidFill>
-                <a:effectLst/>
-                <a:highlight>
-                  <a:srgbClr val="FFFFFF"/>
-                </a:highlight>
-                <a:latin typeface="Times New Roman" panose="02020603050405020304" pitchFamily="18" charset="0"/>
-                <a:cs typeface="Times New Roman" panose="02020603050405020304" pitchFamily="18" charset="0"/>
-              </a:rPr>
-            </a:br>
-            <a:r>
-              <a:rPr lang="en-US" b="0" i="0" dirty="0" err="1">
-                <a:solidFill>
-                  <a:srgbClr val="0D0D0D"/>
-                </a:solidFill>
-                <a:effectLst/>
-                <a:highlight>
-                  <a:srgbClr val="FFFFFF"/>
-                </a:highlight>
-                <a:latin typeface="Times New Roman" panose="02020603050405020304" pitchFamily="18" charset="0"/>
-                <a:cs typeface="Times New Roman" panose="02020603050405020304" pitchFamily="18" charset="0"/>
-              </a:rPr>
-              <a:t>Lift_at_N</a:t>
-            </a:r>
-            <a:r>
-              <a:rPr lang="en-US" b="0" i="0" dirty="0">
-                <a:solidFill>
-                  <a:srgbClr val="0D0D0D"/>
-                </a:solidFill>
-                <a:effectLst/>
-                <a:highlight>
-                  <a:srgbClr val="FFFFFF"/>
-                </a:highlight>
-                <a:latin typeface="Times New Roman" panose="02020603050405020304" pitchFamily="18" charset="0"/>
-                <a:cs typeface="Times New Roman" panose="02020603050405020304" pitchFamily="18" charset="0"/>
-              </a:rPr>
-              <a:t> = </a:t>
-            </a:r>
-            <a:r>
-              <a:rPr lang="en-US" b="0" i="0" dirty="0" err="1">
-                <a:solidFill>
-                  <a:srgbClr val="0D0D0D"/>
-                </a:solidFill>
-                <a:effectLst/>
-                <a:highlight>
-                  <a:srgbClr val="FFFFFF"/>
-                </a:highlight>
-                <a:latin typeface="Times New Roman" panose="02020603050405020304" pitchFamily="18" charset="0"/>
-                <a:cs typeface="Times New Roman" panose="02020603050405020304" pitchFamily="18" charset="0"/>
-              </a:rPr>
-              <a:t>Precision_at_N</a:t>
-            </a:r>
-            <a:r>
-              <a:rPr lang="en-US" b="0" i="0" dirty="0">
-                <a:solidFill>
-                  <a:srgbClr val="0D0D0D"/>
-                </a:solidFill>
-                <a:effectLst/>
-                <a:highlight>
-                  <a:srgbClr val="FFFFFF"/>
-                </a:highlight>
-                <a:latin typeface="Times New Roman" panose="02020603050405020304" pitchFamily="18" charset="0"/>
-                <a:cs typeface="Times New Roman" panose="02020603050405020304" pitchFamily="18" charset="0"/>
-              </a:rPr>
-              <a:t> / </a:t>
-            </a:r>
-            <a:r>
-              <a:rPr lang="en-US" b="0" i="0" dirty="0" err="1">
-                <a:solidFill>
-                  <a:srgbClr val="0D0D0D"/>
-                </a:solidFill>
-                <a:effectLst/>
-                <a:highlight>
-                  <a:srgbClr val="FFFFFF"/>
-                </a:highlight>
-                <a:latin typeface="Times New Roman" panose="02020603050405020304" pitchFamily="18" charset="0"/>
-                <a:cs typeface="Times New Roman" panose="02020603050405020304" pitchFamily="18" charset="0"/>
-              </a:rPr>
-              <a:t>Baseline_Rate</a:t>
-            </a:r>
-            <a:endParaRPr lang="en-US" b="0" i="0" dirty="0">
-              <a:solidFill>
-                <a:srgbClr val="0D0D0D"/>
-              </a:solidFill>
-              <a:effectLst/>
-              <a:highlight>
-                <a:srgbClr val="FFFFFF"/>
-              </a:highlight>
-              <a:latin typeface="Times New Roman" panose="02020603050405020304" pitchFamily="18" charset="0"/>
-              <a:cs typeface="Times New Roman" panose="02020603050405020304" pitchFamily="18" charset="0"/>
-            </a:endParaRPr>
-          </a:p>
-          <a:p>
-            <a:pPr marL="457200" lvl="1" indent="0">
-              <a:buNone/>
-            </a:pPr>
-            <a:br>
-              <a:rPr lang="en-US" b="0" i="0" dirty="0">
-                <a:solidFill>
-                  <a:srgbClr val="0D0D0D"/>
-                </a:solidFill>
-                <a:effectLst/>
-                <a:highlight>
-                  <a:srgbClr val="FFFFFF"/>
-                </a:highlight>
-                <a:latin typeface="Times New Roman" panose="02020603050405020304" pitchFamily="18" charset="0"/>
-                <a:cs typeface="Times New Roman" panose="02020603050405020304" pitchFamily="18" charset="0"/>
-              </a:rPr>
-            </a:br>
-            <a:endParaRPr lang="en-US" b="0" i="0" dirty="0">
-              <a:solidFill>
-                <a:srgbClr val="0D0D0D"/>
-              </a:solidFill>
-              <a:effectLst/>
-              <a:highlight>
-                <a:srgbClr val="FFFFFF"/>
-              </a:highlight>
-              <a:latin typeface="Times New Roman" panose="02020603050405020304" pitchFamily="18" charset="0"/>
-              <a:cs typeface="Times New Roman" panose="02020603050405020304" pitchFamily="18" charset="0"/>
-            </a:endParaRPr>
-          </a:p>
-          <a:p>
-            <a:pPr lvl="1"/>
+              <a:t> actual positive cases in the test set, considering only the top N ranked predictions.</a:t>
+            </a:r>
             <a:endParaRPr lang="en-US" dirty="0">
               <a:solidFill>
                 <a:srgbClr val="0D0D0D"/>
@@ -5046,12 +8138,33 @@
               <a:cs typeface="Times New Roman" panose="02020603050405020304" pitchFamily="18" charset="0"/>
             </a:endParaRPr>
           </a:p>
+          <a:p>
+            <a:pPr marL="457200" lvl="1" indent="0">
+              <a:lnSpc>
+                <a:spcPct val="150000"/>
+              </a:lnSpc>
+              <a:buNone/>
+            </a:pPr>
+            <a:r>
+              <a:rPr lang="en-US" dirty="0">
+                <a:solidFill>
+                  <a:srgbClr val="0D0D0D"/>
+                </a:solidFill>
+                <a:highlight>
+                  <a:srgbClr val="FFFFFF"/>
+                </a:highlight>
+                <a:latin typeface="Times New Roman" panose="02020603050405020304" pitchFamily="18" charset="0"/>
+                <a:cs typeface="Times New Roman" panose="02020603050405020304" pitchFamily="18" charset="0"/>
+              </a:rPr>
+              <a:t>This metrics were calculated in the home assignment.</a:t>
+            </a:r>
+          </a:p>
         </p:txBody>
       </p:sp>
     </p:spTree>
     <p:extLst>
       <p:ext uri="{BB962C8B-B14F-4D97-AF65-F5344CB8AC3E}">
-        <p14:creationId xmlns:p14="http://schemas.microsoft.com/office/powerpoint/2010/main" val="3572965140"/>
+        <p14:creationId xmlns:p14="http://schemas.microsoft.com/office/powerpoint/2010/main" val="975098209"/>
       </p:ext>
     </p:extLst>
   </p:cSld>
@@ -5061,7 +8174,7 @@
 </p:sld>
 </file>
 
-<file path=ppt/slides/slide9.xml><?xml version="1.0" encoding="utf-8"?>
+<file path=ppt/slides/slide18.xml><?xml version="1.0" encoding="utf-8"?>
 <p:sld xmlns:a="http://schemas.openxmlformats.org/drawingml/2006/main" xmlns:r="http://schemas.openxmlformats.org/officeDocument/2006/relationships" xmlns:p="http://schemas.openxmlformats.org/presentationml/2006/main">
   <p:cSld>
     <p:spTree>
@@ -5130,28 +8243,59 @@
         </p:spPr>
         <p:txBody>
           <a:bodyPr>
-            <a:normAutofit fontScale="85000" lnSpcReduction="20000"/>
+            <a:normAutofit fontScale="85000" lnSpcReduction="10000"/>
           </a:bodyPr>
           <a:lstStyle/>
           <a:p>
-            <a:pPr>
+            <a:r>
+              <a:rPr lang="en-US" dirty="0">
+                <a:latin typeface="Times New Roman" panose="02020603050405020304" pitchFamily="18" charset="0"/>
+                <a:cs typeface="Times New Roman" panose="02020603050405020304" pitchFamily="18" charset="0"/>
+              </a:rPr>
+              <a:t>Lift at N</a:t>
+            </a:r>
+          </a:p>
+          <a:p>
+            <a:pPr lvl="1">
               <a:lnSpc>
-                <a:spcPct val="160000"/>
+                <a:spcPct val="150000"/>
               </a:lnSpc>
             </a:pPr>
             <a:r>
               <a:rPr lang="en-US" dirty="0">
-                <a:latin typeface="Times New Roman" panose="02020603050405020304" pitchFamily="18" charset="0"/>
-                <a:cs typeface="Times New Roman" panose="02020603050405020304" pitchFamily="18" charset="0"/>
-              </a:rPr>
-              <a:t>Credible intervals</a:t>
+                <a:solidFill>
+                  <a:srgbClr val="0D0D0D"/>
+                </a:solidFill>
+                <a:highlight>
+                  <a:srgbClr val="FFFFFF"/>
+                </a:highlight>
+                <a:latin typeface="Times New Roman" panose="02020603050405020304" pitchFamily="18" charset="0"/>
+                <a:cs typeface="Times New Roman" panose="02020603050405020304" pitchFamily="18" charset="0"/>
+              </a:rPr>
+              <a:t>C</a:t>
+            </a:r>
+            <a:r>
+              <a:rPr lang="en-US" b="0" i="0" dirty="0">
+                <a:solidFill>
+                  <a:srgbClr val="0D0D0D"/>
+                </a:solidFill>
+                <a:effectLst/>
+                <a:highlight>
+                  <a:srgbClr val="FFFFFF"/>
+                </a:highlight>
+                <a:latin typeface="Times New Roman" panose="02020603050405020304" pitchFamily="18" charset="0"/>
+                <a:cs typeface="Times New Roman" panose="02020603050405020304" pitchFamily="18" charset="0"/>
+              </a:rPr>
+              <a:t>ompares the model's ability to predict churn within the top N ranked customers against random guessing. It's a measure of the model's effectiveness in identifying churn cases within a limited subset (top N).</a:t>
             </a:r>
           </a:p>
           <a:p>
             <a:pPr lvl="1">
               <a:lnSpc>
-                <a:spcPct val="160000"/>
+                <a:spcPct val="150000"/>
               </a:lnSpc>
+              <a:buFont typeface="+mj-lt"/>
+              <a:buAutoNum type="arabicPeriod"/>
             </a:pPr>
             <a:r>
               <a:rPr lang="en-US" b="1" i="0" dirty="0">
@@ -5165,7 +8309,7 @@
                 <a:latin typeface="Times New Roman" panose="02020603050405020304" pitchFamily="18" charset="0"/>
                 <a:cs typeface="Times New Roman" panose="02020603050405020304" pitchFamily="18" charset="0"/>
               </a:rPr>
-              <a:t>Calculate Credible Intervals</a:t>
+              <a:t>Calculate Baseline Rate</a:t>
             </a:r>
             <a:r>
               <a:rPr lang="en-US" b="0" i="0" dirty="0">
@@ -5179,14 +8323,95 @@
                 <a:latin typeface="Times New Roman" panose="02020603050405020304" pitchFamily="18" charset="0"/>
                 <a:cs typeface="Times New Roman" panose="02020603050405020304" pitchFamily="18" charset="0"/>
               </a:rPr>
-              <a:t>: For each member, calculate a credible interval (e.g., 95%) for their churn probability using the posterior distribution obtained from your Bayesian model.</a:t>
-            </a:r>
+              <a:t>: Determine the baseline churn rate in the test set, which is the proportion of customers who churned (</a:t>
+            </a:r>
+            <a:r>
+              <a:rPr lang="en-US" b="0" i="0" dirty="0" err="1">
+                <a:solidFill>
+                  <a:srgbClr val="0D0D0D"/>
+                </a:solidFill>
+                <a:effectLst/>
+                <a:highlight>
+                  <a:srgbClr val="FFFFFF"/>
+                </a:highlight>
+                <a:latin typeface="Times New Roman" panose="02020603050405020304" pitchFamily="18" charset="0"/>
+                <a:cs typeface="Times New Roman" panose="02020603050405020304" pitchFamily="18" charset="0"/>
+              </a:rPr>
+              <a:t>Total_Churn</a:t>
+            </a:r>
+            <a:r>
+              <a:rPr lang="en-US" b="0" i="0" dirty="0">
+                <a:solidFill>
+                  <a:srgbClr val="0D0D0D"/>
+                </a:solidFill>
+                <a:effectLst/>
+                <a:highlight>
+                  <a:srgbClr val="FFFFFF"/>
+                </a:highlight>
+                <a:latin typeface="Times New Roman" panose="02020603050405020304" pitchFamily="18" charset="0"/>
+                <a:cs typeface="Times New Roman" panose="02020603050405020304" pitchFamily="18" charset="0"/>
+              </a:rPr>
+              <a:t> / </a:t>
+            </a:r>
+            <a:r>
+              <a:rPr lang="en-US" b="0" i="0" dirty="0" err="1">
+                <a:solidFill>
+                  <a:srgbClr val="0D0D0D"/>
+                </a:solidFill>
+                <a:effectLst/>
+                <a:highlight>
+                  <a:srgbClr val="FFFFFF"/>
+                </a:highlight>
+                <a:latin typeface="Times New Roman" panose="02020603050405020304" pitchFamily="18" charset="0"/>
+                <a:cs typeface="Times New Roman" panose="02020603050405020304" pitchFamily="18" charset="0"/>
+              </a:rPr>
+              <a:t>Total_customers</a:t>
+            </a:r>
+            <a:r>
+              <a:rPr lang="en-US" dirty="0" err="1">
+                <a:solidFill>
+                  <a:srgbClr val="0D0D0D"/>
+                </a:solidFill>
+                <a:highlight>
+                  <a:srgbClr val="FFFFFF"/>
+                </a:highlight>
+                <a:latin typeface="Times New Roman" panose="02020603050405020304" pitchFamily="18" charset="0"/>
+                <a:cs typeface="Times New Roman" panose="02020603050405020304" pitchFamily="18" charset="0"/>
+              </a:rPr>
+              <a:t>_in_test</a:t>
+            </a:r>
+            <a:r>
+              <a:rPr lang="en-US" dirty="0">
+                <a:solidFill>
+                  <a:srgbClr val="0D0D0D"/>
+                </a:solidFill>
+                <a:highlight>
+                  <a:srgbClr val="FFFFFF"/>
+                </a:highlight>
+                <a:latin typeface="Times New Roman" panose="02020603050405020304" pitchFamily="18" charset="0"/>
+                <a:cs typeface="Times New Roman" panose="02020603050405020304" pitchFamily="18" charset="0"/>
+              </a:rPr>
+              <a:t>).</a:t>
+            </a:r>
+            <a:endParaRPr lang="en-US" b="0" i="0" dirty="0">
+              <a:solidFill>
+                <a:srgbClr val="0D0D0D"/>
+              </a:solidFill>
+              <a:effectLst/>
+              <a:highlight>
+                <a:srgbClr val="FFFFFF"/>
+              </a:highlight>
+              <a:latin typeface="Times New Roman" panose="02020603050405020304" pitchFamily="18" charset="0"/>
+              <a:cs typeface="Times New Roman" panose="02020603050405020304" pitchFamily="18" charset="0"/>
+            </a:endParaRPr>
           </a:p>
           <a:p>
             <a:pPr lvl="1">
               <a:lnSpc>
-                <a:spcPct val="160000"/>
+                <a:spcPct val="150000"/>
               </a:lnSpc>
+              <a:buFont typeface="+mj-lt"/>
+              <a:buAutoNum type="arabicPeriod"/>
             </a:pPr>
             <a:r>
               <a:rPr lang="en-US" b="1" i="0" dirty="0">
@@ -5200,7 +8425,7 @@
                 <a:latin typeface="Times New Roman" panose="02020603050405020304" pitchFamily="18" charset="0"/>
                 <a:cs typeface="Times New Roman" panose="02020603050405020304" pitchFamily="18" charset="0"/>
               </a:rPr>
-              <a:t>Rank by Interval Width</a:t>
+              <a:t>Precision at N</a:t>
             </a:r>
             <a:r>
               <a:rPr lang="en-US" b="0" i="0" dirty="0">
@@ -5214,43 +8439,17 @@
                 <a:latin typeface="Times New Roman" panose="02020603050405020304" pitchFamily="18" charset="0"/>
                 <a:cs typeface="Times New Roman" panose="02020603050405020304" pitchFamily="18" charset="0"/>
               </a:rPr>
-              <a:t>: In addition to ranking members by their median churn probability, consider the width of their credible intervals. Members with high churn probabilities and narrow intervals could be ranked </a:t>
-            </a:r>
-            <a:r>
-              <a:rPr lang="en-US" b="0" i="0">
-                <a:solidFill>
-                  <a:srgbClr val="0D0D0D"/>
-                </a:solidFill>
-                <a:effectLst/>
-                <a:highlight>
-                  <a:srgbClr val="FFFFFF"/>
-                </a:highlight>
-                <a:latin typeface="Times New Roman" panose="02020603050405020304" pitchFamily="18" charset="0"/>
-                <a:cs typeface="Times New Roman" panose="02020603050405020304" pitchFamily="18" charset="0"/>
-              </a:rPr>
-              <a:t>higher.</a:t>
+              <a:t>: Use the precision at N calculation as previous slide depicts.</a:t>
             </a:r>
           </a:p>
           <a:p>
             <a:pPr lvl="1">
               <a:lnSpc>
-                <a:spcPct val="160000"/>
+                <a:spcPct val="170000"/>
               </a:lnSpc>
+              <a:buFont typeface="+mj-lt"/>
+              <a:buAutoNum type="arabicPeriod"/>
             </a:pPr>
-            <a:r>
-              <a:rPr lang="en-US" b="1" i="0">
-                <a:solidFill>
-                  <a:srgbClr val="0D0D0D"/>
-                </a:solidFill>
-                <a:effectLst/>
-                <a:highlight>
-                  <a:srgbClr val="FFFFFF"/>
-                </a:highlight>
-                <a:latin typeface="Times New Roman" panose="02020603050405020304" pitchFamily="18" charset="0"/>
-                <a:cs typeface="Times New Roman" panose="02020603050405020304" pitchFamily="18" charset="0"/>
-              </a:rPr>
-              <a:t>Thresholding </a:t>
-            </a:r>
             <a:r>
               <a:rPr lang="en-US" b="1" i="0" dirty="0">
                 <a:solidFill>
@@ -5263,7 +8462,7 @@
                 <a:latin typeface="Times New Roman" panose="02020603050405020304" pitchFamily="18" charset="0"/>
                 <a:cs typeface="Times New Roman" panose="02020603050405020304" pitchFamily="18" charset="0"/>
               </a:rPr>
-              <a:t>or Scoring</a:t>
+              <a:t>Calculate Lift</a:t>
             </a:r>
             <a:r>
               <a:rPr lang="en-US" b="0" i="0" dirty="0">
@@ -5277,8 +8476,102 @@
                 <a:latin typeface="Times New Roman" panose="02020603050405020304" pitchFamily="18" charset="0"/>
                 <a:cs typeface="Times New Roman" panose="02020603050405020304" pitchFamily="18" charset="0"/>
               </a:rPr>
-              <a:t>: Create a composite score that considers both the churn probability and the interval width. For example, members could be scored higher for having both a high churn probability and a narrow interval, balancing risk and certainty.</a:t>
-            </a:r>
+              <a:t>: Divide the Precision at N by the baseline churn rate:</a:t>
+            </a:r>
+            <a:br>
+              <a:rPr lang="en-US" b="0" i="0" dirty="0">
+                <a:solidFill>
+                  <a:srgbClr val="0D0D0D"/>
+                </a:solidFill>
+                <a:effectLst/>
+                <a:highlight>
+                  <a:srgbClr val="FFFFFF"/>
+                </a:highlight>
+                <a:latin typeface="Times New Roman" panose="02020603050405020304" pitchFamily="18" charset="0"/>
+                <a:cs typeface="Times New Roman" panose="02020603050405020304" pitchFamily="18" charset="0"/>
+              </a:rPr>
+            </a:br>
+            <a:r>
+              <a:rPr lang="en-US" b="0" i="0" dirty="0" err="1">
+                <a:solidFill>
+                  <a:srgbClr val="0D0D0D"/>
+                </a:solidFill>
+                <a:effectLst/>
+                <a:highlight>
+                  <a:srgbClr val="FFFFFF"/>
+                </a:highlight>
+                <a:latin typeface="Times New Roman" panose="02020603050405020304" pitchFamily="18" charset="0"/>
+                <a:cs typeface="Times New Roman" panose="02020603050405020304" pitchFamily="18" charset="0"/>
+              </a:rPr>
+              <a:t>Lift_at_N</a:t>
+            </a:r>
+            <a:r>
+              <a:rPr lang="en-US" b="0" i="0" dirty="0">
+                <a:solidFill>
+                  <a:srgbClr val="0D0D0D"/>
+                </a:solidFill>
+                <a:effectLst/>
+                <a:highlight>
+                  <a:srgbClr val="FFFFFF"/>
+                </a:highlight>
+                <a:latin typeface="Times New Roman" panose="02020603050405020304" pitchFamily="18" charset="0"/>
+                <a:cs typeface="Times New Roman" panose="02020603050405020304" pitchFamily="18" charset="0"/>
+              </a:rPr>
+              <a:t> = </a:t>
+            </a:r>
+            <a:r>
+              <a:rPr lang="en-US" b="0" i="0" dirty="0" err="1">
+                <a:solidFill>
+                  <a:srgbClr val="0D0D0D"/>
+                </a:solidFill>
+                <a:effectLst/>
+                <a:highlight>
+                  <a:srgbClr val="FFFFFF"/>
+                </a:highlight>
+                <a:latin typeface="Times New Roman" panose="02020603050405020304" pitchFamily="18" charset="0"/>
+                <a:cs typeface="Times New Roman" panose="02020603050405020304" pitchFamily="18" charset="0"/>
+              </a:rPr>
+              <a:t>Precision_at_N</a:t>
+            </a:r>
+            <a:r>
+              <a:rPr lang="en-US" b="0" i="0" dirty="0">
+                <a:solidFill>
+                  <a:srgbClr val="0D0D0D"/>
+                </a:solidFill>
+                <a:effectLst/>
+                <a:highlight>
+                  <a:srgbClr val="FFFFFF"/>
+                </a:highlight>
+                <a:latin typeface="Times New Roman" panose="02020603050405020304" pitchFamily="18" charset="0"/>
+                <a:cs typeface="Times New Roman" panose="02020603050405020304" pitchFamily="18" charset="0"/>
+              </a:rPr>
+              <a:t> / </a:t>
+            </a:r>
+            <a:r>
+              <a:rPr lang="en-US" b="0" i="0" dirty="0" err="1">
+                <a:solidFill>
+                  <a:srgbClr val="0D0D0D"/>
+                </a:solidFill>
+                <a:effectLst/>
+                <a:highlight>
+                  <a:srgbClr val="FFFFFF"/>
+                </a:highlight>
+                <a:latin typeface="Times New Roman" panose="02020603050405020304" pitchFamily="18" charset="0"/>
+                <a:cs typeface="Times New Roman" panose="02020603050405020304" pitchFamily="18" charset="0"/>
+              </a:rPr>
+              <a:t>Baseline_Rate</a:t>
+            </a:r>
+            <a:endParaRPr lang="en-US" b="0" i="0" dirty="0">
+              <a:solidFill>
+                <a:srgbClr val="0D0D0D"/>
+              </a:solidFill>
+              <a:effectLst/>
+              <a:highlight>
+                <a:srgbClr val="FFFFFF"/>
+              </a:highlight>
+              <a:latin typeface="Times New Roman" panose="02020603050405020304" pitchFamily="18" charset="0"/>
+              <a:cs typeface="Times New Roman" panose="02020603050405020304" pitchFamily="18" charset="0"/>
+            </a:endParaRPr>
           </a:p>
           <a:p>
             <a:pPr marL="457200" lvl="1" indent="0">
@@ -5327,7 +8620,1595 @@
     </p:spTree>
     <p:extLst>
       <p:ext uri="{BB962C8B-B14F-4D97-AF65-F5344CB8AC3E}">
-        <p14:creationId xmlns:p14="http://schemas.microsoft.com/office/powerpoint/2010/main" val="1305013999"/>
+        <p14:creationId xmlns:p14="http://schemas.microsoft.com/office/powerpoint/2010/main" val="3572965140"/>
+      </p:ext>
+    </p:extLst>
+  </p:cSld>
+  <p:clrMapOvr>
+    <a:masterClrMapping/>
+  </p:clrMapOvr>
+</p:sld>
+</file>
+
+<file path=ppt/slides/slide19.xml><?xml version="1.0" encoding="utf-8"?>
+<p:sld xmlns:a="http://schemas.openxmlformats.org/drawingml/2006/main" xmlns:r="http://schemas.openxmlformats.org/officeDocument/2006/relationships" xmlns:p="http://schemas.openxmlformats.org/presentationml/2006/main">
+  <p:cSld>
+    <p:spTree>
+      <p:nvGrpSpPr>
+        <p:cNvPr id="1" name=""/>
+        <p:cNvGrpSpPr/>
+        <p:nvPr/>
+      </p:nvGrpSpPr>
+      <p:grpSpPr>
+        <a:xfrm>
+          <a:off x="0" y="0"/>
+          <a:ext cx="0" cy="0"/>
+          <a:chOff x="0" y="0"/>
+          <a:chExt cx="0" cy="0"/>
+        </a:xfrm>
+      </p:grpSpPr>
+      <p:sp>
+        <p:nvSpPr>
+          <p:cNvPr id="2" name="Title 1">
+            <a:extLst>
+              <a:ext uri="{FF2B5EF4-FFF2-40B4-BE49-F238E27FC236}">
+                <a16:creationId xmlns:a16="http://schemas.microsoft.com/office/drawing/2014/main" id="{27CE269D-6AC6-4E32-1FF1-6A250E9A8626}"/>
+              </a:ext>
+            </a:extLst>
+          </p:cNvPr>
+          <p:cNvSpPr>
+            <a:spLocks noGrp="1"/>
+          </p:cNvSpPr>
+          <p:nvPr>
+            <p:ph type="title"/>
+          </p:nvPr>
+        </p:nvSpPr>
+        <p:spPr/>
+        <p:txBody>
+          <a:bodyPr/>
+          <a:lstStyle/>
+          <a:p>
+            <a:r>
+              <a:rPr lang="en-IL" dirty="0"/>
+              <a:t>Model evaluation – cont.</a:t>
+            </a:r>
+          </a:p>
+        </p:txBody>
+      </p:sp>
+      <p:sp>
+        <p:nvSpPr>
+          <p:cNvPr id="3" name="Content Placeholder 2">
+            <a:extLst>
+              <a:ext uri="{FF2B5EF4-FFF2-40B4-BE49-F238E27FC236}">
+                <a16:creationId xmlns:a16="http://schemas.microsoft.com/office/drawing/2014/main" id="{10E687BE-A4B4-8690-DD0A-847457A0F5A6}"/>
+              </a:ext>
+            </a:extLst>
+          </p:cNvPr>
+          <p:cNvSpPr>
+            <a:spLocks noGrp="1"/>
+          </p:cNvSpPr>
+          <p:nvPr>
+            <p:ph idx="1"/>
+          </p:nvPr>
+        </p:nvSpPr>
+        <p:spPr>
+          <a:xfrm>
+            <a:off x="838200" y="1825625"/>
+            <a:ext cx="10515600" cy="4774872"/>
+          </a:xfrm>
+        </p:spPr>
+        <p:txBody>
+          <a:bodyPr>
+            <a:normAutofit fontScale="92500" lnSpcReduction="10000"/>
+          </a:bodyPr>
+          <a:lstStyle/>
+          <a:p>
+            <a:pPr>
+              <a:lnSpc>
+                <a:spcPct val="150000"/>
+              </a:lnSpc>
+            </a:pPr>
+            <a:r>
+              <a:rPr lang="en-US" dirty="0">
+                <a:latin typeface="Times New Roman" panose="02020603050405020304" pitchFamily="18" charset="0"/>
+                <a:cs typeface="Times New Roman" panose="02020603050405020304" pitchFamily="18" charset="0"/>
+              </a:rPr>
+              <a:t>Model validation</a:t>
+            </a:r>
+          </a:p>
+          <a:p>
+            <a:pPr lvl="1">
+              <a:lnSpc>
+                <a:spcPct val="150000"/>
+              </a:lnSpc>
+            </a:pPr>
+            <a:r>
+              <a:rPr lang="en-US" dirty="0">
+                <a:latin typeface="Times New Roman" panose="02020603050405020304" pitchFamily="18" charset="0"/>
+                <a:cs typeface="Times New Roman" panose="02020603050405020304" pitchFamily="18" charset="0"/>
+              </a:rPr>
+              <a:t>Convergence diagnosis:</a:t>
+            </a:r>
+          </a:p>
+          <a:p>
+            <a:pPr marL="914400" lvl="2" indent="0">
+              <a:lnSpc>
+                <a:spcPct val="150000"/>
+              </a:lnSpc>
+              <a:buNone/>
+            </a:pPr>
+            <a:r>
+              <a:rPr lang="en-US" sz="2400" dirty="0">
+                <a:latin typeface="Times New Roman" panose="02020603050405020304" pitchFamily="18" charset="0"/>
+                <a:cs typeface="Times New Roman" panose="02020603050405020304" pitchFamily="18" charset="0"/>
+              </a:rPr>
+              <a:t>For each parameter, create a trace plot of 3 different starting points for the MCMC algorithm. After multiple iterations, the traces should converge to the same range of values.</a:t>
+            </a:r>
+          </a:p>
+          <a:p>
+            <a:pPr lvl="1">
+              <a:lnSpc>
+                <a:spcPct val="150000"/>
+              </a:lnSpc>
+            </a:pPr>
+            <a:r>
+              <a:rPr lang="en-US" b="0" i="0" dirty="0">
+                <a:solidFill>
+                  <a:srgbClr val="0D0D0D"/>
+                </a:solidFill>
+                <a:effectLst/>
+                <a:highlight>
+                  <a:srgbClr val="FFFFFF"/>
+                </a:highlight>
+                <a:latin typeface="Times New Roman" panose="02020603050405020304" pitchFamily="18" charset="0"/>
+                <a:cs typeface="Times New Roman" panose="02020603050405020304" pitchFamily="18" charset="0"/>
+              </a:rPr>
+              <a:t>Posterior predictive checks:</a:t>
+            </a:r>
+          </a:p>
+          <a:p>
+            <a:pPr marL="457200" lvl="1" indent="0">
+              <a:lnSpc>
+                <a:spcPct val="150000"/>
+              </a:lnSpc>
+              <a:buNone/>
+            </a:pPr>
+            <a:r>
+              <a:rPr lang="en-US" dirty="0">
+                <a:solidFill>
+                  <a:srgbClr val="0D0D0D"/>
+                </a:solidFill>
+                <a:highlight>
+                  <a:srgbClr val="FFFFFF"/>
+                </a:highlight>
+                <a:latin typeface="Times New Roman" panose="02020603050405020304" pitchFamily="18" charset="0"/>
+                <a:cs typeface="Times New Roman" panose="02020603050405020304" pitchFamily="18" charset="0"/>
+              </a:rPr>
+              <a:t>	Acceptance rate of the MCMC algorithm should converge to a fixed value.</a:t>
+            </a:r>
+          </a:p>
+          <a:p>
+            <a:pPr marL="457200" lvl="1" indent="0">
+              <a:buNone/>
+            </a:pPr>
+            <a:r>
+              <a:rPr lang="en-US" b="0" i="0" dirty="0">
+                <a:solidFill>
+                  <a:srgbClr val="0D0D0D"/>
+                </a:solidFill>
+                <a:effectLst/>
+                <a:highlight>
+                  <a:srgbClr val="FFFFFF"/>
+                </a:highlight>
+                <a:latin typeface="Times New Roman" panose="02020603050405020304" pitchFamily="18" charset="0"/>
+                <a:cs typeface="Times New Roman" panose="02020603050405020304" pitchFamily="18" charset="0"/>
+              </a:rPr>
+              <a:t>	</a:t>
+            </a:r>
+          </a:p>
+          <a:p>
+            <a:pPr marL="457200" lvl="1" indent="0">
+              <a:buNone/>
+            </a:pPr>
+            <a:br>
+              <a:rPr lang="en-US" b="0" i="0" dirty="0">
+                <a:solidFill>
+                  <a:srgbClr val="0D0D0D"/>
+                </a:solidFill>
+                <a:effectLst/>
+                <a:highlight>
+                  <a:srgbClr val="FFFFFF"/>
+                </a:highlight>
+                <a:latin typeface="Times New Roman" panose="02020603050405020304" pitchFamily="18" charset="0"/>
+                <a:cs typeface="Times New Roman" panose="02020603050405020304" pitchFamily="18" charset="0"/>
+              </a:rPr>
+            </a:br>
+            <a:endParaRPr lang="en-US" b="0" i="0" dirty="0">
+              <a:solidFill>
+                <a:srgbClr val="0D0D0D"/>
+              </a:solidFill>
+              <a:effectLst/>
+              <a:highlight>
+                <a:srgbClr val="FFFFFF"/>
+              </a:highlight>
+              <a:latin typeface="Times New Roman" panose="02020603050405020304" pitchFamily="18" charset="0"/>
+              <a:cs typeface="Times New Roman" panose="02020603050405020304" pitchFamily="18" charset="0"/>
+            </a:endParaRPr>
+          </a:p>
+          <a:p>
+            <a:pPr lvl="1"/>
+            <a:endParaRPr lang="en-US" dirty="0">
+              <a:solidFill>
+                <a:srgbClr val="0D0D0D"/>
+              </a:solidFill>
+              <a:highlight>
+                <a:srgbClr val="FFFFFF"/>
+              </a:highlight>
+              <a:latin typeface="Times New Roman" panose="02020603050405020304" pitchFamily="18" charset="0"/>
+              <a:cs typeface="Times New Roman" panose="02020603050405020304" pitchFamily="18" charset="0"/>
+            </a:endParaRPr>
+          </a:p>
+        </p:txBody>
+      </p:sp>
+    </p:spTree>
+    <p:extLst>
+      <p:ext uri="{BB962C8B-B14F-4D97-AF65-F5344CB8AC3E}">
+        <p14:creationId xmlns:p14="http://schemas.microsoft.com/office/powerpoint/2010/main" val="1583528734"/>
+      </p:ext>
+    </p:extLst>
+  </p:cSld>
+  <p:clrMapOvr>
+    <a:masterClrMapping/>
+  </p:clrMapOvr>
+</p:sld>
+</file>
+
+<file path=ppt/slides/slide2.xml><?xml version="1.0" encoding="utf-8"?>
+<p:sld xmlns:a="http://schemas.openxmlformats.org/drawingml/2006/main" xmlns:r="http://schemas.openxmlformats.org/officeDocument/2006/relationships" xmlns:p="http://schemas.openxmlformats.org/presentationml/2006/main">
+  <p:cSld>
+    <p:spTree>
+      <p:nvGrpSpPr>
+        <p:cNvPr id="1" name=""/>
+        <p:cNvGrpSpPr/>
+        <p:nvPr/>
+      </p:nvGrpSpPr>
+      <p:grpSpPr>
+        <a:xfrm>
+          <a:off x="0" y="0"/>
+          <a:ext cx="0" cy="0"/>
+          <a:chOff x="0" y="0"/>
+          <a:chExt cx="0" cy="0"/>
+        </a:xfrm>
+      </p:grpSpPr>
+      <p:sp>
+        <p:nvSpPr>
+          <p:cNvPr id="2" name="Title 1">
+            <a:extLst>
+              <a:ext uri="{FF2B5EF4-FFF2-40B4-BE49-F238E27FC236}">
+                <a16:creationId xmlns:a16="http://schemas.microsoft.com/office/drawing/2014/main" id="{85841FA6-AE98-E787-9364-9926A2A755BE}"/>
+              </a:ext>
+            </a:extLst>
+          </p:cNvPr>
+          <p:cNvSpPr>
+            <a:spLocks noGrp="1"/>
+          </p:cNvSpPr>
+          <p:nvPr>
+            <p:ph type="title"/>
+          </p:nvPr>
+        </p:nvSpPr>
+        <p:spPr/>
+        <p:txBody>
+          <a:bodyPr/>
+          <a:lstStyle/>
+          <a:p>
+            <a:pPr algn="ctr"/>
+            <a:r>
+              <a:rPr lang="en-IL" dirty="0"/>
+              <a:t>EDA</a:t>
+            </a:r>
+          </a:p>
+        </p:txBody>
+      </p:sp>
+      <p:sp>
+        <p:nvSpPr>
+          <p:cNvPr id="3" name="Content Placeholder 2">
+            <a:extLst>
+              <a:ext uri="{FF2B5EF4-FFF2-40B4-BE49-F238E27FC236}">
+                <a16:creationId xmlns:a16="http://schemas.microsoft.com/office/drawing/2014/main" id="{0619CA5E-55B1-135C-E351-2A2F76E3B1DB}"/>
+              </a:ext>
+            </a:extLst>
+          </p:cNvPr>
+          <p:cNvSpPr>
+            <a:spLocks noGrp="1"/>
+          </p:cNvSpPr>
+          <p:nvPr>
+            <p:ph idx="1"/>
+          </p:nvPr>
+        </p:nvSpPr>
+        <p:spPr>
+          <a:xfrm>
+            <a:off x="838200" y="1500505"/>
+            <a:ext cx="10515600" cy="4351338"/>
+          </a:xfrm>
+        </p:spPr>
+        <p:txBody>
+          <a:bodyPr>
+            <a:normAutofit lnSpcReduction="10000"/>
+          </a:bodyPr>
+          <a:lstStyle/>
+          <a:p>
+            <a:pPr>
+              <a:lnSpc>
+                <a:spcPct val="150000"/>
+              </a:lnSpc>
+            </a:pPr>
+            <a:r>
+              <a:rPr lang="en-IL" dirty="0">
+                <a:latin typeface="Times New Roman" panose="02020603050405020304" pitchFamily="18" charset="0"/>
+                <a:cs typeface="Times New Roman" panose="02020603050405020304" pitchFamily="18" charset="0"/>
+              </a:rPr>
+              <a:t>Step 1:</a:t>
+            </a:r>
+          </a:p>
+          <a:p>
+            <a:pPr lvl="1">
+              <a:lnSpc>
+                <a:spcPct val="150000"/>
+              </a:lnSpc>
+            </a:pPr>
+            <a:r>
+              <a:rPr lang="en-IL" dirty="0">
+                <a:latin typeface="Times New Roman" panose="02020603050405020304" pitchFamily="18" charset="0"/>
+                <a:cs typeface="Times New Roman" panose="02020603050405020304" pitchFamily="18" charset="0"/>
+              </a:rPr>
+              <a:t>Reading the data file with correct type for </a:t>
+            </a:r>
+            <a:r>
+              <a:rPr lang="en-US" dirty="0">
+                <a:latin typeface="Times New Roman" panose="02020603050405020304" pitchFamily="18" charset="0"/>
+                <a:cs typeface="Times New Roman" panose="02020603050405020304" pitchFamily="18" charset="0"/>
+              </a:rPr>
+              <a:t>the dates, leaving only numbers for the </a:t>
+            </a:r>
+            <a:r>
+              <a:rPr lang="en-US" dirty="0" err="1">
+                <a:latin typeface="Times New Roman" panose="02020603050405020304" pitchFamily="18" charset="0"/>
+                <a:cs typeface="Times New Roman" panose="02020603050405020304" pitchFamily="18" charset="0"/>
+              </a:rPr>
+              <a:t>MemberID</a:t>
+            </a:r>
+            <a:r>
+              <a:rPr lang="en-US" dirty="0">
+                <a:latin typeface="Times New Roman" panose="02020603050405020304" pitchFamily="18" charset="0"/>
+                <a:cs typeface="Times New Roman" panose="02020603050405020304" pitchFamily="18" charset="0"/>
+              </a:rPr>
+              <a:t>.</a:t>
+            </a:r>
+          </a:p>
+          <a:p>
+            <a:pPr lvl="1">
+              <a:lnSpc>
+                <a:spcPct val="150000"/>
+              </a:lnSpc>
+            </a:pPr>
+            <a:r>
+              <a:rPr lang="en-US" dirty="0">
+                <a:latin typeface="Times New Roman" panose="02020603050405020304" pitchFamily="18" charset="0"/>
+                <a:cs typeface="Times New Roman" panose="02020603050405020304" pitchFamily="18" charset="0"/>
+              </a:rPr>
+              <a:t>Printing Preview of the data, statistics for numerical features, checking for duplications and distinct users and for correct data types.</a:t>
+            </a:r>
+          </a:p>
+          <a:p>
+            <a:pPr lvl="1">
+              <a:lnSpc>
+                <a:spcPct val="150000"/>
+              </a:lnSpc>
+            </a:pPr>
+            <a:r>
+              <a:rPr lang="en-US" dirty="0">
+                <a:latin typeface="Times New Roman" panose="02020603050405020304" pitchFamily="18" charset="0"/>
+                <a:cs typeface="Times New Roman" panose="02020603050405020304" pitchFamily="18" charset="0"/>
+              </a:rPr>
+              <a:t>Handling missing values:</a:t>
+            </a:r>
+          </a:p>
+          <a:p>
+            <a:pPr lvl="2">
+              <a:lnSpc>
+                <a:spcPct val="150000"/>
+              </a:lnSpc>
+            </a:pPr>
+            <a:r>
+              <a:rPr lang="en-US" dirty="0">
+                <a:latin typeface="Times New Roman" panose="02020603050405020304" pitchFamily="18" charset="0"/>
+                <a:cs typeface="Times New Roman" panose="02020603050405020304" pitchFamily="18" charset="0"/>
+              </a:rPr>
+              <a:t>Missing values were found only in `</a:t>
+            </a:r>
+            <a:r>
+              <a:rPr lang="en-US" dirty="0" err="1">
+                <a:latin typeface="Times New Roman" panose="02020603050405020304" pitchFamily="18" charset="0"/>
+                <a:cs typeface="Times New Roman" panose="02020603050405020304" pitchFamily="18" charset="0"/>
+              </a:rPr>
+              <a:t>OutReachOutcome</a:t>
+            </a:r>
+            <a:r>
+              <a:rPr lang="en-US" dirty="0">
+                <a:latin typeface="Times New Roman" panose="02020603050405020304" pitchFamily="18" charset="0"/>
+                <a:cs typeface="Times New Roman" panose="02020603050405020304" pitchFamily="18" charset="0"/>
+              </a:rPr>
+              <a:t>` feature, filled with `No outcome` value</a:t>
+            </a:r>
+            <a:endParaRPr lang="en-IL" dirty="0">
+              <a:latin typeface="Times New Roman" panose="02020603050405020304" pitchFamily="18" charset="0"/>
+              <a:cs typeface="Times New Roman" panose="02020603050405020304" pitchFamily="18" charset="0"/>
+            </a:endParaRPr>
+          </a:p>
+        </p:txBody>
+      </p:sp>
+    </p:spTree>
+    <p:extLst>
+      <p:ext uri="{BB962C8B-B14F-4D97-AF65-F5344CB8AC3E}">
+        <p14:creationId xmlns:p14="http://schemas.microsoft.com/office/powerpoint/2010/main" val="3964654841"/>
+      </p:ext>
+    </p:extLst>
+  </p:cSld>
+  <p:clrMapOvr>
+    <a:masterClrMapping/>
+  </p:clrMapOvr>
+</p:sld>
+</file>
+
+<file path=ppt/slides/slide3.xml><?xml version="1.0" encoding="utf-8"?>
+<p:sld xmlns:a="http://schemas.openxmlformats.org/drawingml/2006/main" xmlns:r="http://schemas.openxmlformats.org/officeDocument/2006/relationships" xmlns:p="http://schemas.openxmlformats.org/presentationml/2006/main">
+  <p:cSld>
+    <p:spTree>
+      <p:nvGrpSpPr>
+        <p:cNvPr id="1" name=""/>
+        <p:cNvGrpSpPr/>
+        <p:nvPr/>
+      </p:nvGrpSpPr>
+      <p:grpSpPr>
+        <a:xfrm>
+          <a:off x="0" y="0"/>
+          <a:ext cx="0" cy="0"/>
+          <a:chOff x="0" y="0"/>
+          <a:chExt cx="0" cy="0"/>
+        </a:xfrm>
+      </p:grpSpPr>
+      <p:sp>
+        <p:nvSpPr>
+          <p:cNvPr id="2" name="Title 1">
+            <a:extLst>
+              <a:ext uri="{FF2B5EF4-FFF2-40B4-BE49-F238E27FC236}">
+                <a16:creationId xmlns:a16="http://schemas.microsoft.com/office/drawing/2014/main" id="{85841FA6-AE98-E787-9364-9926A2A755BE}"/>
+              </a:ext>
+            </a:extLst>
+          </p:cNvPr>
+          <p:cNvSpPr>
+            <a:spLocks noGrp="1"/>
+          </p:cNvSpPr>
+          <p:nvPr>
+            <p:ph type="title"/>
+          </p:nvPr>
+        </p:nvSpPr>
+        <p:spPr/>
+        <p:txBody>
+          <a:bodyPr/>
+          <a:lstStyle/>
+          <a:p>
+            <a:pPr algn="ctr"/>
+            <a:r>
+              <a:rPr lang="en-IL" dirty="0"/>
+              <a:t>EDA – cont.</a:t>
+            </a:r>
+          </a:p>
+        </p:txBody>
+      </p:sp>
+      <p:sp>
+        <p:nvSpPr>
+          <p:cNvPr id="3" name="Content Placeholder 2">
+            <a:extLst>
+              <a:ext uri="{FF2B5EF4-FFF2-40B4-BE49-F238E27FC236}">
+                <a16:creationId xmlns:a16="http://schemas.microsoft.com/office/drawing/2014/main" id="{0619CA5E-55B1-135C-E351-2A2F76E3B1DB}"/>
+              </a:ext>
+            </a:extLst>
+          </p:cNvPr>
+          <p:cNvSpPr>
+            <a:spLocks noGrp="1"/>
+          </p:cNvSpPr>
+          <p:nvPr>
+            <p:ph idx="1"/>
+          </p:nvPr>
+        </p:nvSpPr>
+        <p:spPr/>
+        <p:txBody>
+          <a:bodyPr>
+            <a:normAutofit/>
+          </a:bodyPr>
+          <a:lstStyle/>
+          <a:p>
+            <a:pPr>
+              <a:lnSpc>
+                <a:spcPct val="150000"/>
+              </a:lnSpc>
+            </a:pPr>
+            <a:r>
+              <a:rPr lang="en-IL" dirty="0">
+                <a:latin typeface="Times New Roman" panose="02020603050405020304" pitchFamily="18" charset="0"/>
+                <a:cs typeface="Times New Roman" panose="02020603050405020304" pitchFamily="18" charset="0"/>
+              </a:rPr>
+              <a:t>Step 2 - Visualizations:</a:t>
+            </a:r>
+          </a:p>
+          <a:p>
+            <a:pPr lvl="1">
+              <a:lnSpc>
+                <a:spcPct val="150000"/>
+              </a:lnSpc>
+            </a:pPr>
+            <a:r>
+              <a:rPr lang="en-IL" dirty="0">
+                <a:latin typeface="Times New Roman" panose="02020603050405020304" pitchFamily="18" charset="0"/>
+                <a:cs typeface="Times New Roman" panose="02020603050405020304" pitchFamily="18" charset="0"/>
+              </a:rPr>
+              <a:t>Distribution for categorical features, and the target label (check for imbalance).</a:t>
+            </a:r>
+          </a:p>
+          <a:p>
+            <a:pPr lvl="1">
+              <a:lnSpc>
+                <a:spcPct val="150000"/>
+              </a:lnSpc>
+            </a:pPr>
+            <a:r>
+              <a:rPr lang="en-IL" dirty="0">
+                <a:latin typeface="Times New Roman" panose="02020603050405020304" pitchFamily="18" charset="0"/>
+                <a:cs typeface="Times New Roman" panose="02020603050405020304" pitchFamily="18" charset="0"/>
+              </a:rPr>
+              <a:t>Distribution for numerical features.</a:t>
+            </a:r>
+          </a:p>
+          <a:p>
+            <a:pPr lvl="1">
+              <a:lnSpc>
+                <a:spcPct val="150000"/>
+              </a:lnSpc>
+            </a:pPr>
+            <a:r>
+              <a:rPr lang="en-IL" dirty="0">
+                <a:latin typeface="Times New Roman" panose="02020603050405020304" pitchFamily="18" charset="0"/>
+                <a:cs typeface="Times New Roman" panose="02020603050405020304" pitchFamily="18" charset="0"/>
+              </a:rPr>
+              <a:t>Correlation for numerical features</a:t>
+            </a:r>
+          </a:p>
+          <a:p>
+            <a:pPr lvl="1">
+              <a:lnSpc>
+                <a:spcPct val="150000"/>
+              </a:lnSpc>
+            </a:pPr>
+            <a:r>
+              <a:rPr lang="en-IL" dirty="0">
+                <a:latin typeface="Times New Roman" panose="02020603050405020304" pitchFamily="18" charset="0"/>
+                <a:cs typeface="Times New Roman" panose="02020603050405020304" pitchFamily="18" charset="0"/>
+              </a:rPr>
+              <a:t>Pair plot for correlated numerical features</a:t>
+            </a:r>
+          </a:p>
+          <a:p>
+            <a:pPr lvl="1">
+              <a:lnSpc>
+                <a:spcPct val="150000"/>
+              </a:lnSpc>
+            </a:pPr>
+            <a:endParaRPr lang="en-IL" dirty="0">
+              <a:latin typeface="Times New Roman" panose="02020603050405020304" pitchFamily="18" charset="0"/>
+              <a:cs typeface="Times New Roman" panose="02020603050405020304" pitchFamily="18" charset="0"/>
+            </a:endParaRPr>
+          </a:p>
+          <a:p>
+            <a:pPr lvl="1">
+              <a:lnSpc>
+                <a:spcPct val="150000"/>
+              </a:lnSpc>
+            </a:pPr>
+            <a:endParaRPr lang="en-IL" dirty="0">
+              <a:latin typeface="Times New Roman" panose="02020603050405020304" pitchFamily="18" charset="0"/>
+              <a:cs typeface="Times New Roman" panose="02020603050405020304" pitchFamily="18" charset="0"/>
+            </a:endParaRPr>
+          </a:p>
+        </p:txBody>
+      </p:sp>
+    </p:spTree>
+    <p:extLst>
+      <p:ext uri="{BB962C8B-B14F-4D97-AF65-F5344CB8AC3E}">
+        <p14:creationId xmlns:p14="http://schemas.microsoft.com/office/powerpoint/2010/main" val="1801588390"/>
+      </p:ext>
+    </p:extLst>
+  </p:cSld>
+  <p:clrMapOvr>
+    <a:masterClrMapping/>
+  </p:clrMapOvr>
+</p:sld>
+</file>
+
+<file path=ppt/slides/slide4.xml><?xml version="1.0" encoding="utf-8"?>
+<p:sld xmlns:a="http://schemas.openxmlformats.org/drawingml/2006/main" xmlns:r="http://schemas.openxmlformats.org/officeDocument/2006/relationships" xmlns:p="http://schemas.openxmlformats.org/presentationml/2006/main">
+  <p:cSld>
+    <p:spTree>
+      <p:nvGrpSpPr>
+        <p:cNvPr id="1" name=""/>
+        <p:cNvGrpSpPr/>
+        <p:nvPr/>
+      </p:nvGrpSpPr>
+      <p:grpSpPr>
+        <a:xfrm>
+          <a:off x="0" y="0"/>
+          <a:ext cx="0" cy="0"/>
+          <a:chOff x="0" y="0"/>
+          <a:chExt cx="0" cy="0"/>
+        </a:xfrm>
+      </p:grpSpPr>
+      <p:sp>
+        <p:nvSpPr>
+          <p:cNvPr id="2" name="Title 1">
+            <a:extLst>
+              <a:ext uri="{FF2B5EF4-FFF2-40B4-BE49-F238E27FC236}">
+                <a16:creationId xmlns:a16="http://schemas.microsoft.com/office/drawing/2014/main" id="{85841FA6-AE98-E787-9364-9926A2A755BE}"/>
+              </a:ext>
+            </a:extLst>
+          </p:cNvPr>
+          <p:cNvSpPr>
+            <a:spLocks noGrp="1"/>
+          </p:cNvSpPr>
+          <p:nvPr>
+            <p:ph type="title"/>
+          </p:nvPr>
+        </p:nvSpPr>
+        <p:spPr/>
+        <p:txBody>
+          <a:bodyPr/>
+          <a:lstStyle/>
+          <a:p>
+            <a:pPr algn="ctr"/>
+            <a:r>
+              <a:rPr lang="en-IL" dirty="0"/>
+              <a:t>EDA – cont.</a:t>
+            </a:r>
+          </a:p>
+        </p:txBody>
+      </p:sp>
+      <p:sp>
+        <p:nvSpPr>
+          <p:cNvPr id="3" name="Content Placeholder 2">
+            <a:extLst>
+              <a:ext uri="{FF2B5EF4-FFF2-40B4-BE49-F238E27FC236}">
+                <a16:creationId xmlns:a16="http://schemas.microsoft.com/office/drawing/2014/main" id="{0619CA5E-55B1-135C-E351-2A2F76E3B1DB}"/>
+              </a:ext>
+            </a:extLst>
+          </p:cNvPr>
+          <p:cNvSpPr>
+            <a:spLocks noGrp="1"/>
+          </p:cNvSpPr>
+          <p:nvPr>
+            <p:ph idx="1"/>
+          </p:nvPr>
+        </p:nvSpPr>
+        <p:spPr/>
+        <p:txBody>
+          <a:bodyPr>
+            <a:normAutofit/>
+          </a:bodyPr>
+          <a:lstStyle/>
+          <a:p>
+            <a:pPr>
+              <a:lnSpc>
+                <a:spcPct val="150000"/>
+              </a:lnSpc>
+            </a:pPr>
+            <a:r>
+              <a:rPr lang="en-IL" dirty="0">
+                <a:latin typeface="Times New Roman" panose="02020603050405020304" pitchFamily="18" charset="0"/>
+                <a:cs typeface="Times New Roman" panose="02020603050405020304" pitchFamily="18" charset="0"/>
+              </a:rPr>
+              <a:t>Step 2 – Visualizations cont.:</a:t>
+            </a:r>
+          </a:p>
+          <a:p>
+            <a:pPr lvl="1">
+              <a:lnSpc>
+                <a:spcPct val="150000"/>
+              </a:lnSpc>
+            </a:pPr>
+            <a:r>
+              <a:rPr lang="en-IL" dirty="0">
+                <a:latin typeface="Times New Roman" panose="02020603050405020304" pitchFamily="18" charset="0"/>
+                <a:cs typeface="Times New Roman" panose="02020603050405020304" pitchFamily="18" charset="0"/>
+              </a:rPr>
+              <a:t>Grouped analysis for:</a:t>
+            </a:r>
+          </a:p>
+          <a:p>
+            <a:pPr lvl="2">
+              <a:lnSpc>
+                <a:spcPct val="150000"/>
+              </a:lnSpc>
+            </a:pPr>
+            <a:r>
+              <a:rPr lang="en-IL" dirty="0">
+                <a:latin typeface="Times New Roman" panose="02020603050405020304" pitchFamily="18" charset="0"/>
+                <a:cs typeface="Times New Roman" panose="02020603050405020304" pitchFamily="18" charset="0"/>
+              </a:rPr>
+              <a:t>`Gender`</a:t>
+            </a:r>
+          </a:p>
+          <a:p>
+            <a:pPr lvl="2">
+              <a:lnSpc>
+                <a:spcPct val="150000"/>
+              </a:lnSpc>
+            </a:pPr>
+            <a:r>
+              <a:rPr lang="en-IL" dirty="0">
+                <a:latin typeface="Times New Roman" panose="02020603050405020304" pitchFamily="18" charset="0"/>
+                <a:cs typeface="Times New Roman" panose="02020603050405020304" pitchFamily="18" charset="0"/>
+              </a:rPr>
+              <a:t>`</a:t>
+            </a:r>
+            <a:r>
+              <a:rPr lang="en-US" dirty="0" err="1">
+                <a:latin typeface="Times New Roman" panose="02020603050405020304" pitchFamily="18" charset="0"/>
+                <a:cs typeface="Times New Roman" panose="02020603050405020304" pitchFamily="18" charset="0"/>
+              </a:rPr>
+              <a:t>DEXAScanResult</a:t>
+            </a:r>
+            <a:r>
+              <a:rPr lang="en-US" dirty="0">
+                <a:latin typeface="Times New Roman" panose="02020603050405020304" pitchFamily="18" charset="0"/>
+                <a:cs typeface="Times New Roman" panose="02020603050405020304" pitchFamily="18" charset="0"/>
+              </a:rPr>
+              <a:t>`</a:t>
+            </a:r>
+          </a:p>
+          <a:p>
+            <a:pPr lvl="1">
+              <a:lnSpc>
+                <a:spcPct val="150000"/>
+              </a:lnSpc>
+            </a:pPr>
+            <a:r>
+              <a:rPr lang="en-US" dirty="0">
+                <a:latin typeface="Times New Roman" panose="02020603050405020304" pitchFamily="18" charset="0"/>
+                <a:cs typeface="Times New Roman" panose="02020603050405020304" pitchFamily="18" charset="0"/>
+              </a:rPr>
+              <a:t>Cross-tabulation plot for `</a:t>
+            </a:r>
+            <a:r>
+              <a:rPr lang="en-US" dirty="0" err="1">
+                <a:latin typeface="Times New Roman" panose="02020603050405020304" pitchFamily="18" charset="0"/>
+                <a:cs typeface="Times New Roman" panose="02020603050405020304" pitchFamily="18" charset="0"/>
+              </a:rPr>
+              <a:t>OutReachOutcome</a:t>
+            </a:r>
+            <a:r>
+              <a:rPr lang="en-US" dirty="0">
+                <a:latin typeface="Times New Roman" panose="02020603050405020304" pitchFamily="18" charset="0"/>
+                <a:cs typeface="Times New Roman" panose="02020603050405020304" pitchFamily="18" charset="0"/>
+              </a:rPr>
+              <a:t>` vs. `Churnin30Days` (could be more beneficial to plot it for all features)</a:t>
+            </a:r>
+          </a:p>
+          <a:p>
+            <a:pPr lvl="2">
+              <a:lnSpc>
+                <a:spcPct val="150000"/>
+              </a:lnSpc>
+            </a:pPr>
+            <a:endParaRPr lang="en-IL" dirty="0">
+              <a:latin typeface="Times New Roman" panose="02020603050405020304" pitchFamily="18" charset="0"/>
+              <a:cs typeface="Times New Roman" panose="02020603050405020304" pitchFamily="18" charset="0"/>
+            </a:endParaRPr>
+          </a:p>
+          <a:p>
+            <a:pPr lvl="1">
+              <a:lnSpc>
+                <a:spcPct val="150000"/>
+              </a:lnSpc>
+            </a:pPr>
+            <a:endParaRPr lang="en-IL" dirty="0">
+              <a:latin typeface="Times New Roman" panose="02020603050405020304" pitchFamily="18" charset="0"/>
+              <a:cs typeface="Times New Roman" panose="02020603050405020304" pitchFamily="18" charset="0"/>
+            </a:endParaRPr>
+          </a:p>
+        </p:txBody>
+      </p:sp>
+    </p:spTree>
+    <p:extLst>
+      <p:ext uri="{BB962C8B-B14F-4D97-AF65-F5344CB8AC3E}">
+        <p14:creationId xmlns:p14="http://schemas.microsoft.com/office/powerpoint/2010/main" val="665413931"/>
+      </p:ext>
+    </p:extLst>
+  </p:cSld>
+  <p:clrMapOvr>
+    <a:masterClrMapping/>
+  </p:clrMapOvr>
+</p:sld>
+</file>
+
+<file path=ppt/slides/slide5.xml><?xml version="1.0" encoding="utf-8"?>
+<p:sld xmlns:a="http://schemas.openxmlformats.org/drawingml/2006/main" xmlns:r="http://schemas.openxmlformats.org/officeDocument/2006/relationships" xmlns:p="http://schemas.openxmlformats.org/presentationml/2006/main">
+  <p:cSld>
+    <p:spTree>
+      <p:nvGrpSpPr>
+        <p:cNvPr id="1" name=""/>
+        <p:cNvGrpSpPr/>
+        <p:nvPr/>
+      </p:nvGrpSpPr>
+      <p:grpSpPr>
+        <a:xfrm>
+          <a:off x="0" y="0"/>
+          <a:ext cx="0" cy="0"/>
+          <a:chOff x="0" y="0"/>
+          <a:chExt cx="0" cy="0"/>
+        </a:xfrm>
+      </p:grpSpPr>
+      <p:sp>
+        <p:nvSpPr>
+          <p:cNvPr id="2" name="Title 1">
+            <a:extLst>
+              <a:ext uri="{FF2B5EF4-FFF2-40B4-BE49-F238E27FC236}">
+                <a16:creationId xmlns:a16="http://schemas.microsoft.com/office/drawing/2014/main" id="{85841FA6-AE98-E787-9364-9926A2A755BE}"/>
+              </a:ext>
+            </a:extLst>
+          </p:cNvPr>
+          <p:cNvSpPr>
+            <a:spLocks noGrp="1"/>
+          </p:cNvSpPr>
+          <p:nvPr>
+            <p:ph type="title"/>
+          </p:nvPr>
+        </p:nvSpPr>
+        <p:spPr/>
+        <p:txBody>
+          <a:bodyPr/>
+          <a:lstStyle/>
+          <a:p>
+            <a:pPr algn="ctr"/>
+            <a:r>
+              <a:rPr lang="en-IL" dirty="0"/>
+              <a:t>EDA – cont.</a:t>
+            </a:r>
+          </a:p>
+        </p:txBody>
+      </p:sp>
+      <p:sp>
+        <p:nvSpPr>
+          <p:cNvPr id="3" name="Content Placeholder 2">
+            <a:extLst>
+              <a:ext uri="{FF2B5EF4-FFF2-40B4-BE49-F238E27FC236}">
+                <a16:creationId xmlns:a16="http://schemas.microsoft.com/office/drawing/2014/main" id="{0619CA5E-55B1-135C-E351-2A2F76E3B1DB}"/>
+              </a:ext>
+            </a:extLst>
+          </p:cNvPr>
+          <p:cNvSpPr>
+            <a:spLocks noGrp="1"/>
+          </p:cNvSpPr>
+          <p:nvPr>
+            <p:ph idx="1"/>
+          </p:nvPr>
+        </p:nvSpPr>
+        <p:spPr/>
+        <p:txBody>
+          <a:bodyPr>
+            <a:normAutofit/>
+          </a:bodyPr>
+          <a:lstStyle/>
+          <a:p>
+            <a:pPr>
+              <a:lnSpc>
+                <a:spcPct val="150000"/>
+              </a:lnSpc>
+            </a:pPr>
+            <a:r>
+              <a:rPr lang="en-IL" dirty="0">
+                <a:latin typeface="Times New Roman" panose="02020603050405020304" pitchFamily="18" charset="0"/>
+                <a:cs typeface="Times New Roman" panose="02020603050405020304" pitchFamily="18" charset="0"/>
+              </a:rPr>
+              <a:t>Step 2 – Visualizations cont.:</a:t>
+            </a:r>
+          </a:p>
+          <a:p>
+            <a:pPr lvl="1">
+              <a:lnSpc>
+                <a:spcPct val="150000"/>
+              </a:lnSpc>
+            </a:pPr>
+            <a:r>
+              <a:rPr lang="en-IL" dirty="0">
+                <a:latin typeface="Times New Roman" panose="02020603050405020304" pitchFamily="18" charset="0"/>
+                <a:cs typeface="Times New Roman" panose="02020603050405020304" pitchFamily="18" charset="0"/>
+              </a:rPr>
+              <a:t>Trend analysis – weekly trend analysis for app usage, gym visits and target label.</a:t>
+            </a:r>
+          </a:p>
+          <a:p>
+            <a:pPr lvl="1">
+              <a:lnSpc>
+                <a:spcPct val="150000"/>
+              </a:lnSpc>
+            </a:pPr>
+            <a:r>
+              <a:rPr lang="en-IL" dirty="0">
+                <a:latin typeface="Times New Roman" panose="02020603050405020304" pitchFamily="18" charset="0"/>
+                <a:cs typeface="Times New Roman" panose="02020603050405020304" pitchFamily="18" charset="0"/>
+              </a:rPr>
+              <a:t>Boxplot for outliers removal.</a:t>
+            </a:r>
+          </a:p>
+          <a:p>
+            <a:pPr lvl="1">
+              <a:lnSpc>
+                <a:spcPct val="150000"/>
+              </a:lnSpc>
+            </a:pPr>
+            <a:r>
+              <a:rPr lang="en-IL" dirty="0">
+                <a:latin typeface="Times New Roman" panose="02020603050405020304" pitchFamily="18" charset="0"/>
+                <a:cs typeface="Times New Roman" panose="02020603050405020304" pitchFamily="18" charset="0"/>
+              </a:rPr>
+              <a:t>ReachOut counts per week – to get sense of the operators availability.</a:t>
+            </a:r>
+          </a:p>
+          <a:p>
+            <a:pPr marL="457200" lvl="1" indent="0">
+              <a:lnSpc>
+                <a:spcPct val="150000"/>
+              </a:lnSpc>
+              <a:buNone/>
+            </a:pPr>
+            <a:endParaRPr lang="en-IL" dirty="0">
+              <a:latin typeface="Times New Roman" panose="02020603050405020304" pitchFamily="18" charset="0"/>
+              <a:cs typeface="Times New Roman" panose="02020603050405020304" pitchFamily="18" charset="0"/>
+            </a:endParaRPr>
+          </a:p>
+        </p:txBody>
+      </p:sp>
+    </p:spTree>
+    <p:extLst>
+      <p:ext uri="{BB962C8B-B14F-4D97-AF65-F5344CB8AC3E}">
+        <p14:creationId xmlns:p14="http://schemas.microsoft.com/office/powerpoint/2010/main" val="3138460670"/>
+      </p:ext>
+    </p:extLst>
+  </p:cSld>
+  <p:clrMapOvr>
+    <a:masterClrMapping/>
+  </p:clrMapOvr>
+</p:sld>
+</file>
+
+<file path=ppt/slides/slide6.xml><?xml version="1.0" encoding="utf-8"?>
+<p:sld xmlns:a="http://schemas.openxmlformats.org/drawingml/2006/main" xmlns:r="http://schemas.openxmlformats.org/officeDocument/2006/relationships" xmlns:p="http://schemas.openxmlformats.org/presentationml/2006/main">
+  <p:cSld>
+    <p:spTree>
+      <p:nvGrpSpPr>
+        <p:cNvPr id="1" name=""/>
+        <p:cNvGrpSpPr/>
+        <p:nvPr/>
+      </p:nvGrpSpPr>
+      <p:grpSpPr>
+        <a:xfrm>
+          <a:off x="0" y="0"/>
+          <a:ext cx="0" cy="0"/>
+          <a:chOff x="0" y="0"/>
+          <a:chExt cx="0" cy="0"/>
+        </a:xfrm>
+      </p:grpSpPr>
+      <p:sp>
+        <p:nvSpPr>
+          <p:cNvPr id="2" name="Title 1">
+            <a:extLst>
+              <a:ext uri="{FF2B5EF4-FFF2-40B4-BE49-F238E27FC236}">
+                <a16:creationId xmlns:a16="http://schemas.microsoft.com/office/drawing/2014/main" id="{48F64C94-5A28-F832-DCDB-F3C1D9CA3101}"/>
+              </a:ext>
+            </a:extLst>
+          </p:cNvPr>
+          <p:cNvSpPr>
+            <a:spLocks noGrp="1"/>
+          </p:cNvSpPr>
+          <p:nvPr>
+            <p:ph type="title"/>
+          </p:nvPr>
+        </p:nvSpPr>
+        <p:spPr/>
+        <p:txBody>
+          <a:bodyPr/>
+          <a:lstStyle/>
+          <a:p>
+            <a:pPr algn="ctr"/>
+            <a:r>
+              <a:rPr lang="en-IL" dirty="0"/>
+              <a:t>Feature engineering</a:t>
+            </a:r>
+          </a:p>
+        </p:txBody>
+      </p:sp>
+      <p:sp>
+        <p:nvSpPr>
+          <p:cNvPr id="3" name="Content Placeholder 2">
+            <a:extLst>
+              <a:ext uri="{FF2B5EF4-FFF2-40B4-BE49-F238E27FC236}">
+                <a16:creationId xmlns:a16="http://schemas.microsoft.com/office/drawing/2014/main" id="{7B3C37FB-E846-432C-6EBC-7B29A5A2FE5C}"/>
+              </a:ext>
+            </a:extLst>
+          </p:cNvPr>
+          <p:cNvSpPr>
+            <a:spLocks noGrp="1"/>
+          </p:cNvSpPr>
+          <p:nvPr>
+            <p:ph idx="1"/>
+          </p:nvPr>
+        </p:nvSpPr>
+        <p:spPr/>
+        <p:txBody>
+          <a:bodyPr/>
+          <a:lstStyle/>
+          <a:p>
+            <a:pPr>
+              <a:lnSpc>
+                <a:spcPct val="150000"/>
+              </a:lnSpc>
+            </a:pPr>
+            <a:r>
+              <a:rPr lang="en-IL" dirty="0">
+                <a:latin typeface="Times New Roman" panose="02020603050405020304" pitchFamily="18" charset="0"/>
+                <a:cs typeface="Times New Roman" panose="02020603050405020304" pitchFamily="18" charset="0"/>
+              </a:rPr>
+              <a:t>The feature engineering part is separated to 2:</a:t>
+            </a:r>
+          </a:p>
+          <a:p>
+            <a:pPr lvl="1">
+              <a:lnSpc>
+                <a:spcPct val="150000"/>
+              </a:lnSpc>
+            </a:pPr>
+            <a:r>
+              <a:rPr lang="en-IL" dirty="0">
+                <a:latin typeface="Times New Roman" panose="02020603050405020304" pitchFamily="18" charset="0"/>
+                <a:cs typeface="Times New Roman" panose="02020603050405020304" pitchFamily="18" charset="0"/>
+              </a:rPr>
+              <a:t>Before the split – we create `BMI` and `weight_hight_ratio`</a:t>
+            </a:r>
+          </a:p>
+          <a:p>
+            <a:pPr lvl="1">
+              <a:lnSpc>
+                <a:spcPct val="150000"/>
+              </a:lnSpc>
+            </a:pPr>
+            <a:r>
+              <a:rPr lang="en-IL" dirty="0">
+                <a:latin typeface="Times New Roman" panose="02020603050405020304" pitchFamily="18" charset="0"/>
+                <a:cs typeface="Times New Roman" panose="02020603050405020304" pitchFamily="18" charset="0"/>
+              </a:rPr>
+              <a:t>After the split – we create `visit_change`, `</a:t>
+            </a:r>
+            <a:r>
+              <a:rPr lang="en-US" dirty="0" err="1">
+                <a:latin typeface="Times New Roman" panose="02020603050405020304" pitchFamily="18" charset="0"/>
+                <a:cs typeface="Times New Roman" panose="02020603050405020304" pitchFamily="18" charset="0"/>
+              </a:rPr>
+              <a:t>diff_median_app_usage_per_user_per_week</a:t>
+            </a:r>
+            <a:r>
+              <a:rPr lang="en-US" dirty="0">
+                <a:latin typeface="Times New Roman" panose="02020603050405020304" pitchFamily="18" charset="0"/>
+                <a:cs typeface="Times New Roman" panose="02020603050405020304" pitchFamily="18" charset="0"/>
+              </a:rPr>
+              <a:t>`, `</a:t>
+            </a:r>
+            <a:r>
+              <a:rPr lang="en-US" dirty="0" err="1">
+                <a:latin typeface="Times New Roman" panose="02020603050405020304" pitchFamily="18" charset="0"/>
+                <a:cs typeface="Times New Roman" panose="02020603050405020304" pitchFamily="18" charset="0"/>
+              </a:rPr>
+              <a:t>engagement_score</a:t>
+            </a:r>
+            <a:r>
+              <a:rPr lang="en-US" dirty="0">
+                <a:latin typeface="Times New Roman" panose="02020603050405020304" pitchFamily="18" charset="0"/>
+                <a:cs typeface="Times New Roman" panose="02020603050405020304" pitchFamily="18" charset="0"/>
+              </a:rPr>
+              <a:t>` and categorical encoding features.</a:t>
+            </a:r>
+          </a:p>
+          <a:p>
+            <a:pPr lvl="1"/>
+            <a:endParaRPr lang="en-IL" dirty="0">
+              <a:latin typeface="Times New Roman" panose="02020603050405020304" pitchFamily="18" charset="0"/>
+              <a:cs typeface="Times New Roman" panose="02020603050405020304" pitchFamily="18" charset="0"/>
+            </a:endParaRPr>
+          </a:p>
+        </p:txBody>
+      </p:sp>
+    </p:spTree>
+    <p:extLst>
+      <p:ext uri="{BB962C8B-B14F-4D97-AF65-F5344CB8AC3E}">
+        <p14:creationId xmlns:p14="http://schemas.microsoft.com/office/powerpoint/2010/main" val="2613516015"/>
+      </p:ext>
+    </p:extLst>
+  </p:cSld>
+  <p:clrMapOvr>
+    <a:masterClrMapping/>
+  </p:clrMapOvr>
+</p:sld>
+</file>
+
+<file path=ppt/slides/slide7.xml><?xml version="1.0" encoding="utf-8"?>
+<p:sld xmlns:a="http://schemas.openxmlformats.org/drawingml/2006/main" xmlns:r="http://schemas.openxmlformats.org/officeDocument/2006/relationships" xmlns:p="http://schemas.openxmlformats.org/presentationml/2006/main">
+  <p:cSld>
+    <p:spTree>
+      <p:nvGrpSpPr>
+        <p:cNvPr id="1" name=""/>
+        <p:cNvGrpSpPr/>
+        <p:nvPr/>
+      </p:nvGrpSpPr>
+      <p:grpSpPr>
+        <a:xfrm>
+          <a:off x="0" y="0"/>
+          <a:ext cx="0" cy="0"/>
+          <a:chOff x="0" y="0"/>
+          <a:chExt cx="0" cy="0"/>
+        </a:xfrm>
+      </p:grpSpPr>
+      <p:sp>
+        <p:nvSpPr>
+          <p:cNvPr id="2" name="Title 1">
+            <a:extLst>
+              <a:ext uri="{FF2B5EF4-FFF2-40B4-BE49-F238E27FC236}">
+                <a16:creationId xmlns:a16="http://schemas.microsoft.com/office/drawing/2014/main" id="{B0D64A64-180F-AE91-1558-5A7D5DD59D48}"/>
+              </a:ext>
+            </a:extLst>
+          </p:cNvPr>
+          <p:cNvSpPr>
+            <a:spLocks noGrp="1"/>
+          </p:cNvSpPr>
+          <p:nvPr>
+            <p:ph type="title"/>
+          </p:nvPr>
+        </p:nvSpPr>
+        <p:spPr/>
+        <p:txBody>
+          <a:bodyPr/>
+          <a:lstStyle/>
+          <a:p>
+            <a:pPr algn="ctr"/>
+            <a:r>
+              <a:rPr lang="en-IL" dirty="0"/>
+              <a:t>Train/Test split</a:t>
+            </a:r>
+          </a:p>
+        </p:txBody>
+      </p:sp>
+      <p:sp>
+        <p:nvSpPr>
+          <p:cNvPr id="3" name="Content Placeholder 2">
+            <a:extLst>
+              <a:ext uri="{FF2B5EF4-FFF2-40B4-BE49-F238E27FC236}">
+                <a16:creationId xmlns:a16="http://schemas.microsoft.com/office/drawing/2014/main" id="{DA9DE5CF-1978-CF13-11B5-D91F26EE5449}"/>
+              </a:ext>
+            </a:extLst>
+          </p:cNvPr>
+          <p:cNvSpPr>
+            <a:spLocks noGrp="1"/>
+          </p:cNvSpPr>
+          <p:nvPr>
+            <p:ph idx="1"/>
+          </p:nvPr>
+        </p:nvSpPr>
+        <p:spPr/>
+        <p:txBody>
+          <a:bodyPr/>
+          <a:lstStyle/>
+          <a:p>
+            <a:r>
+              <a:rPr lang="en-IL" dirty="0">
+                <a:latin typeface="Times New Roman" panose="02020603050405020304" pitchFamily="18" charset="0"/>
+                <a:cs typeface="Times New Roman" panose="02020603050405020304" pitchFamily="18" charset="0"/>
+              </a:rPr>
+              <a:t>We predict for 1 week over 5 weeks of data. As we move forward to the next week, the data of the previous test is added to the current train.</a:t>
+            </a:r>
+          </a:p>
+        </p:txBody>
+      </p:sp>
+      <p:pic>
+        <p:nvPicPr>
+          <p:cNvPr id="5" name="Picture 4" descr="A diagram of test results&#10;&#10;Description automatically generated">
+            <a:extLst>
+              <a:ext uri="{FF2B5EF4-FFF2-40B4-BE49-F238E27FC236}">
+                <a16:creationId xmlns:a16="http://schemas.microsoft.com/office/drawing/2014/main" id="{9D7D846D-F521-0A62-9BA4-6F3AA7E515AC}"/>
+              </a:ext>
+            </a:extLst>
+          </p:cNvPr>
+          <p:cNvPicPr>
+            <a:picLocks noChangeAspect="1"/>
+          </p:cNvPicPr>
+          <p:nvPr/>
+        </p:nvPicPr>
+        <p:blipFill>
+          <a:blip r:embed="rId2"/>
+          <a:stretch>
+            <a:fillRect/>
+          </a:stretch>
+        </p:blipFill>
+        <p:spPr>
+          <a:xfrm>
+            <a:off x="3268383" y="3249318"/>
+            <a:ext cx="4329206" cy="3062582"/>
+          </a:xfrm>
+          <a:prstGeom prst="rect">
+            <a:avLst/>
+          </a:prstGeom>
+        </p:spPr>
+      </p:pic>
+    </p:spTree>
+    <p:extLst>
+      <p:ext uri="{BB962C8B-B14F-4D97-AF65-F5344CB8AC3E}">
+        <p14:creationId xmlns:p14="http://schemas.microsoft.com/office/powerpoint/2010/main" val="921690447"/>
+      </p:ext>
+    </p:extLst>
+  </p:cSld>
+  <p:clrMapOvr>
+    <a:masterClrMapping/>
+  </p:clrMapOvr>
+</p:sld>
+</file>
+
+<file path=ppt/slides/slide8.xml><?xml version="1.0" encoding="utf-8"?>
+<p:sld xmlns:a="http://schemas.openxmlformats.org/drawingml/2006/main" xmlns:r="http://schemas.openxmlformats.org/officeDocument/2006/relationships" xmlns:p="http://schemas.openxmlformats.org/presentationml/2006/main">
+  <p:cSld>
+    <p:spTree>
+      <p:nvGrpSpPr>
+        <p:cNvPr id="1" name=""/>
+        <p:cNvGrpSpPr/>
+        <p:nvPr/>
+      </p:nvGrpSpPr>
+      <p:grpSpPr>
+        <a:xfrm>
+          <a:off x="0" y="0"/>
+          <a:ext cx="0" cy="0"/>
+          <a:chOff x="0" y="0"/>
+          <a:chExt cx="0" cy="0"/>
+        </a:xfrm>
+      </p:grpSpPr>
+      <p:sp>
+        <p:nvSpPr>
+          <p:cNvPr id="2" name="Title 1">
+            <a:extLst>
+              <a:ext uri="{FF2B5EF4-FFF2-40B4-BE49-F238E27FC236}">
+                <a16:creationId xmlns:a16="http://schemas.microsoft.com/office/drawing/2014/main" id="{C3B6BF1F-0AA9-FDB5-087E-DCCE8D897D24}"/>
+              </a:ext>
+            </a:extLst>
+          </p:cNvPr>
+          <p:cNvSpPr>
+            <a:spLocks noGrp="1"/>
+          </p:cNvSpPr>
+          <p:nvPr>
+            <p:ph type="title"/>
+          </p:nvPr>
+        </p:nvSpPr>
+        <p:spPr/>
+        <p:txBody>
+          <a:bodyPr/>
+          <a:lstStyle/>
+          <a:p>
+            <a:pPr algn="ctr" defTabSz="914400" rtl="1" eaLnBrk="1" latinLnBrk="0" hangingPunct="1">
+              <a:lnSpc>
+                <a:spcPct val="90000"/>
+              </a:lnSpc>
+              <a:spcBef>
+                <a:spcPct val="0"/>
+              </a:spcBef>
+              <a:buNone/>
+            </a:pPr>
+            <a:r>
+              <a:rPr lang="en-IL" dirty="0"/>
+              <a:t>The model</a:t>
+            </a:r>
+          </a:p>
+        </p:txBody>
+      </p:sp>
+      <p:sp>
+        <p:nvSpPr>
+          <p:cNvPr id="3" name="Content Placeholder 2">
+            <a:extLst>
+              <a:ext uri="{FF2B5EF4-FFF2-40B4-BE49-F238E27FC236}">
+                <a16:creationId xmlns:a16="http://schemas.microsoft.com/office/drawing/2014/main" id="{74B2C59C-65BE-4121-E9C1-A8507346D58C}"/>
+              </a:ext>
+            </a:extLst>
+          </p:cNvPr>
+          <p:cNvSpPr>
+            <a:spLocks noGrp="1"/>
+          </p:cNvSpPr>
+          <p:nvPr>
+            <p:ph idx="1"/>
+          </p:nvPr>
+        </p:nvSpPr>
+        <p:spPr/>
+        <p:txBody>
+          <a:bodyPr>
+            <a:normAutofit fontScale="92500"/>
+          </a:bodyPr>
+          <a:lstStyle/>
+          <a:p>
+            <a:pPr>
+              <a:lnSpc>
+                <a:spcPct val="150000"/>
+              </a:lnSpc>
+            </a:pPr>
+            <a:r>
+              <a:rPr lang="en-IL" dirty="0">
+                <a:latin typeface="Times New Roman" panose="02020603050405020304" pitchFamily="18" charset="0"/>
+                <a:cs typeface="Times New Roman" panose="02020603050405020304" pitchFamily="18" charset="0"/>
+              </a:rPr>
+              <a:t>I chose XGBoost as a model for the predictions. Weights for the true labels were incorporated as well.</a:t>
+            </a:r>
+          </a:p>
+          <a:p>
+            <a:pPr>
+              <a:lnSpc>
+                <a:spcPct val="150000"/>
+              </a:lnSpc>
+            </a:pPr>
+            <a:r>
+              <a:rPr lang="en-IL" dirty="0">
+                <a:latin typeface="Times New Roman" panose="02020603050405020304" pitchFamily="18" charset="0"/>
+                <a:cs typeface="Times New Roman" panose="02020603050405020304" pitchFamily="18" charset="0"/>
+              </a:rPr>
+              <a:t>In order to be able to map a probability to a specific member, I saved the results as a DF, mapping each member to its predicted value to churn.</a:t>
+            </a:r>
+          </a:p>
+          <a:p>
+            <a:pPr>
+              <a:lnSpc>
+                <a:spcPct val="150000"/>
+              </a:lnSpc>
+            </a:pPr>
+            <a:r>
+              <a:rPr lang="en-IL" b="1" dirty="0">
+                <a:latin typeface="Times New Roman" panose="02020603050405020304" pitchFamily="18" charset="0"/>
+                <a:cs typeface="Times New Roman" panose="02020603050405020304" pitchFamily="18" charset="0"/>
+              </a:rPr>
+              <a:t>N</a:t>
+            </a:r>
+            <a:r>
+              <a:rPr lang="en-IL" dirty="0">
+                <a:latin typeface="Times New Roman" panose="02020603050405020304" pitchFamily="18" charset="0"/>
+                <a:cs typeface="Times New Roman" panose="02020603050405020304" pitchFamily="18" charset="0"/>
+              </a:rPr>
+              <a:t> was selected for each week, based on the availability as reflected in the test set (sum of the `OutReach` feature).</a:t>
+            </a:r>
+            <a:endParaRPr lang="en-IL" b="1" dirty="0">
+              <a:latin typeface="Times New Roman" panose="02020603050405020304" pitchFamily="18" charset="0"/>
+              <a:cs typeface="Times New Roman" panose="02020603050405020304" pitchFamily="18" charset="0"/>
+            </a:endParaRPr>
+          </a:p>
+        </p:txBody>
+      </p:sp>
+    </p:spTree>
+    <p:extLst>
+      <p:ext uri="{BB962C8B-B14F-4D97-AF65-F5344CB8AC3E}">
+        <p14:creationId xmlns:p14="http://schemas.microsoft.com/office/powerpoint/2010/main" val="3896541090"/>
+      </p:ext>
+    </p:extLst>
+  </p:cSld>
+  <p:clrMapOvr>
+    <a:masterClrMapping/>
+  </p:clrMapOvr>
+</p:sld>
+</file>
+
+<file path=ppt/slides/slide9.xml><?xml version="1.0" encoding="utf-8"?>
+<p:sld xmlns:a="http://schemas.openxmlformats.org/drawingml/2006/main" xmlns:r="http://schemas.openxmlformats.org/officeDocument/2006/relationships" xmlns:p="http://schemas.openxmlformats.org/presentationml/2006/main">
+  <p:cSld>
+    <p:spTree>
+      <p:nvGrpSpPr>
+        <p:cNvPr id="1" name=""/>
+        <p:cNvGrpSpPr/>
+        <p:nvPr/>
+      </p:nvGrpSpPr>
+      <p:grpSpPr>
+        <a:xfrm>
+          <a:off x="0" y="0"/>
+          <a:ext cx="0" cy="0"/>
+          <a:chOff x="0" y="0"/>
+          <a:chExt cx="0" cy="0"/>
+        </a:xfrm>
+      </p:grpSpPr>
+      <p:sp>
+        <p:nvSpPr>
+          <p:cNvPr id="2" name="Title 1">
+            <a:extLst>
+              <a:ext uri="{FF2B5EF4-FFF2-40B4-BE49-F238E27FC236}">
+                <a16:creationId xmlns:a16="http://schemas.microsoft.com/office/drawing/2014/main" id="{C3B6BF1F-0AA9-FDB5-087E-DCCE8D897D24}"/>
+              </a:ext>
+            </a:extLst>
+          </p:cNvPr>
+          <p:cNvSpPr>
+            <a:spLocks noGrp="1"/>
+          </p:cNvSpPr>
+          <p:nvPr>
+            <p:ph type="title"/>
+          </p:nvPr>
+        </p:nvSpPr>
+        <p:spPr/>
+        <p:txBody>
+          <a:bodyPr/>
+          <a:lstStyle/>
+          <a:p>
+            <a:pPr algn="ctr" defTabSz="914400" rtl="1" eaLnBrk="1" latinLnBrk="0" hangingPunct="1">
+              <a:lnSpc>
+                <a:spcPct val="90000"/>
+              </a:lnSpc>
+              <a:spcBef>
+                <a:spcPct val="0"/>
+              </a:spcBef>
+              <a:buNone/>
+            </a:pPr>
+            <a:r>
+              <a:rPr lang="en-IL" dirty="0"/>
+              <a:t>  Model evaluation</a:t>
+            </a:r>
+          </a:p>
+        </p:txBody>
+      </p:sp>
+      <p:sp>
+        <p:nvSpPr>
+          <p:cNvPr id="3" name="Content Placeholder 2">
+            <a:extLst>
+              <a:ext uri="{FF2B5EF4-FFF2-40B4-BE49-F238E27FC236}">
+                <a16:creationId xmlns:a16="http://schemas.microsoft.com/office/drawing/2014/main" id="{74B2C59C-65BE-4121-E9C1-A8507346D58C}"/>
+              </a:ext>
+            </a:extLst>
+          </p:cNvPr>
+          <p:cNvSpPr>
+            <a:spLocks noGrp="1"/>
+          </p:cNvSpPr>
+          <p:nvPr>
+            <p:ph idx="1"/>
+          </p:nvPr>
+        </p:nvSpPr>
+        <p:spPr/>
+        <p:txBody>
+          <a:bodyPr/>
+          <a:lstStyle/>
+          <a:p>
+            <a:pPr>
+              <a:lnSpc>
+                <a:spcPct val="150000"/>
+              </a:lnSpc>
+            </a:pPr>
+            <a:r>
+              <a:rPr lang="en-IL" dirty="0">
+                <a:latin typeface="Times New Roman" panose="02020603050405020304" pitchFamily="18" charset="0"/>
+                <a:cs typeface="Times New Roman" panose="02020603050405020304" pitchFamily="18" charset="0"/>
+              </a:rPr>
+              <a:t>Precision at N</a:t>
+            </a:r>
+          </a:p>
+          <a:p>
+            <a:pPr lvl="1">
+              <a:lnSpc>
+                <a:spcPct val="150000"/>
+              </a:lnSpc>
+            </a:pPr>
+            <a:r>
+              <a:rPr lang="en-US" b="0" i="0" dirty="0">
+                <a:solidFill>
+                  <a:srgbClr val="0D0D0D"/>
+                </a:solidFill>
+                <a:effectLst/>
+                <a:highlight>
+                  <a:srgbClr val="FFFFFF"/>
+                </a:highlight>
+                <a:latin typeface="Times New Roman" panose="02020603050405020304" pitchFamily="18" charset="0"/>
+                <a:cs typeface="Times New Roman" panose="02020603050405020304" pitchFamily="18" charset="0"/>
+              </a:rPr>
+              <a:t>Measures the proportion of correctly identified positive cases (customers who churn) out of the top N cases ranked by the model as most likely to churn.</a:t>
+            </a:r>
+            <a:endParaRPr lang="en-IL" dirty="0">
+              <a:latin typeface="Times New Roman" panose="02020603050405020304" pitchFamily="18" charset="0"/>
+              <a:cs typeface="Times New Roman" panose="02020603050405020304" pitchFamily="18" charset="0"/>
+            </a:endParaRPr>
+          </a:p>
+          <a:p>
+            <a:pPr>
+              <a:lnSpc>
+                <a:spcPct val="150000"/>
+              </a:lnSpc>
+            </a:pPr>
+            <a:r>
+              <a:rPr lang="en-IL" dirty="0">
+                <a:latin typeface="Times New Roman" panose="02020603050405020304" pitchFamily="18" charset="0"/>
+                <a:cs typeface="Times New Roman" panose="02020603050405020304" pitchFamily="18" charset="0"/>
+              </a:rPr>
+              <a:t>Recall at N</a:t>
+            </a:r>
+          </a:p>
+          <a:p>
+            <a:pPr lvl="1">
+              <a:lnSpc>
+                <a:spcPct val="150000"/>
+              </a:lnSpc>
+            </a:pPr>
+            <a:r>
+              <a:rPr lang="en-US" b="0" i="0" dirty="0">
+                <a:solidFill>
+                  <a:srgbClr val="0D0D0D"/>
+                </a:solidFill>
+                <a:effectLst/>
+                <a:highlight>
+                  <a:srgbClr val="FFFFFF"/>
+                </a:highlight>
+                <a:latin typeface="Times New Roman" panose="02020603050405020304" pitchFamily="18" charset="0"/>
+                <a:cs typeface="Times New Roman" panose="02020603050405020304" pitchFamily="18" charset="0"/>
+              </a:rPr>
+              <a:t>Measures the proportion of correctly identified positive cases out of </a:t>
+            </a:r>
+            <a:r>
+              <a:rPr lang="en-US" b="1" i="0" dirty="0">
+                <a:solidFill>
+                  <a:srgbClr val="0D0D0D"/>
+                </a:solidFill>
+                <a:effectLst/>
+                <a:highlight>
+                  <a:srgbClr val="FFFFFF"/>
+                </a:highlight>
+                <a:latin typeface="Times New Roman" panose="02020603050405020304" pitchFamily="18" charset="0"/>
+                <a:cs typeface="Times New Roman" panose="02020603050405020304" pitchFamily="18" charset="0"/>
+              </a:rPr>
+              <a:t>all</a:t>
+            </a:r>
+            <a:r>
+              <a:rPr lang="en-US" b="0" i="0" dirty="0">
+                <a:solidFill>
+                  <a:srgbClr val="0D0D0D"/>
+                </a:solidFill>
+                <a:effectLst/>
+                <a:highlight>
+                  <a:srgbClr val="FFFFFF"/>
+                </a:highlight>
+                <a:latin typeface="Times New Roman" panose="02020603050405020304" pitchFamily="18" charset="0"/>
+                <a:cs typeface="Times New Roman" panose="02020603050405020304" pitchFamily="18" charset="0"/>
+              </a:rPr>
+              <a:t> actual positive cases in the test set, considering only the top N ranked predictions.</a:t>
+            </a:r>
+            <a:endParaRPr lang="en-US" dirty="0">
+              <a:solidFill>
+                <a:srgbClr val="0D0D0D"/>
+              </a:solidFill>
+              <a:highlight>
+                <a:srgbClr val="FFFFFF"/>
+              </a:highlight>
+              <a:latin typeface="Times New Roman" panose="02020603050405020304" pitchFamily="18" charset="0"/>
+              <a:cs typeface="Times New Roman" panose="02020603050405020304" pitchFamily="18" charset="0"/>
+            </a:endParaRPr>
+          </a:p>
+          <a:p>
+            <a:endParaRPr lang="en-IL" dirty="0">
+              <a:latin typeface="Times New Roman" panose="02020603050405020304" pitchFamily="18" charset="0"/>
+              <a:cs typeface="Times New Roman" panose="02020603050405020304" pitchFamily="18" charset="0"/>
+            </a:endParaRPr>
+          </a:p>
+        </p:txBody>
+      </p:sp>
+    </p:spTree>
+    <p:extLst>
+      <p:ext uri="{BB962C8B-B14F-4D97-AF65-F5344CB8AC3E}">
+        <p14:creationId xmlns:p14="http://schemas.microsoft.com/office/powerpoint/2010/main" val="2721746839"/>
       </p:ext>
     </p:extLst>
   </p:cSld>
@@ -5650,4 +10531,319 @@
     </a:ext>
   </a:extLst>
 </a:theme>
+</file>
+
+<file path=ppt/theme/theme2.xml><?xml version="1.0" encoding="utf-8"?>
+<a:theme xmlns:a="http://schemas.openxmlformats.org/drawingml/2006/main" name="Office Theme">
+  <a:themeElements>
+    <a:clrScheme name="Office">
+      <a:dk1>
+        <a:sysClr val="windowText" lastClr="000000"/>
+      </a:dk1>
+      <a:lt1>
+        <a:sysClr val="window" lastClr="FFFFFF"/>
+      </a:lt1>
+      <a:dk2>
+        <a:srgbClr val="0E2841"/>
+      </a:dk2>
+      <a:lt2>
+        <a:srgbClr val="E8E8E8"/>
+      </a:lt2>
+      <a:accent1>
+        <a:srgbClr val="156082"/>
+      </a:accent1>
+      <a:accent2>
+        <a:srgbClr val="E97132"/>
+      </a:accent2>
+      <a:accent3>
+        <a:srgbClr val="196B24"/>
+      </a:accent3>
+      <a:accent4>
+        <a:srgbClr val="0F9ED5"/>
+      </a:accent4>
+      <a:accent5>
+        <a:srgbClr val="A02B93"/>
+      </a:accent5>
+      <a:accent6>
+        <a:srgbClr val="4EA72E"/>
+      </a:accent6>
+      <a:hlink>
+        <a:srgbClr val="467886"/>
+      </a:hlink>
+      <a:folHlink>
+        <a:srgbClr val="96607D"/>
+      </a:folHlink>
+    </a:clrScheme>
+    <a:fontScheme name="Office">
+      <a:majorFont>
+        <a:latin typeface="Aptos Display" panose="02110004020202020204"/>
+        <a:ea typeface=""/>
+        <a:cs typeface=""/>
+        <a:font script="Jpan" typeface="游ゴシック Light"/>
+        <a:font script="Hang" typeface="맑은 고딕"/>
+        <a:font script="Hans" typeface="等线 Light"/>
+        <a:font script="Hant" typeface="新細明體"/>
+        <a:font script="Arab" typeface="Times New Roman"/>
+        <a:font script="Hebr" typeface="Times New Roman"/>
+        <a:font script="Thai" typeface="Angsana New"/>
+        <a:font script="Ethi" typeface="Nyala"/>
+        <a:font script="Beng" typeface="Vrinda"/>
+        <a:font script="Gujr" typeface="Shruti"/>
+        <a:font script="Khmr" typeface="MoolBoran"/>
+        <a:font script="Knda" typeface="Tunga"/>
+        <a:font script="Guru" typeface="Raavi"/>
+        <a:font script="Cans" typeface="Euphemia"/>
+        <a:font script="Cher" typeface="Plantagenet Cherokee"/>
+        <a:font script="Yiii" typeface="Microsoft Yi Baiti"/>
+        <a:font script="Tibt" typeface="Microsoft Himalaya"/>
+        <a:font script="Thaa" typeface="MV Boli"/>
+        <a:font script="Deva" typeface="Mangal"/>
+        <a:font script="Telu" typeface="Gautami"/>
+        <a:font script="Taml" typeface="Latha"/>
+        <a:font script="Syrc" typeface="Estrangelo Edessa"/>
+        <a:font script="Orya" typeface="Kalinga"/>
+        <a:font script="Mlym" typeface="Kartika"/>
+        <a:font script="Laoo" typeface="DokChampa"/>
+        <a:font script="Sinh" typeface="Iskoola Pota"/>
+        <a:font script="Mong" typeface="Mongolian Baiti"/>
+        <a:font script="Viet" typeface="Times New Roman"/>
+        <a:font script="Uigh" typeface="Microsoft Uighur"/>
+        <a:font script="Geor" typeface="Sylfaen"/>
+        <a:font script="Armn" typeface="Arial"/>
+        <a:font script="Bugi" typeface="Leelawadee UI"/>
+        <a:font script="Bopo" typeface="Microsoft JhengHei"/>
+        <a:font script="Java" typeface="Javanese Text"/>
+        <a:font script="Lisu" typeface="Segoe UI"/>
+        <a:font script="Mymr" typeface="Myanmar Text"/>
+        <a:font script="Nkoo" typeface="Ebrima"/>
+        <a:font script="Olck" typeface="Nirmala UI"/>
+        <a:font script="Osma" typeface="Ebrima"/>
+        <a:font script="Phag" typeface="Phagspa"/>
+        <a:font script="Syrn" typeface="Estrangelo Edessa"/>
+        <a:font script="Syrj" typeface="Estrangelo Edessa"/>
+        <a:font script="Syre" typeface="Estrangelo Edessa"/>
+        <a:font script="Sora" typeface="Nirmala UI"/>
+        <a:font script="Tale" typeface="Microsoft Tai Le"/>
+        <a:font script="Talu" typeface="Microsoft New Tai Lue"/>
+        <a:font script="Tfng" typeface="Ebrima"/>
+      </a:majorFont>
+      <a:minorFont>
+        <a:latin typeface="Aptos" panose="02110004020202020204"/>
+        <a:ea typeface=""/>
+        <a:cs typeface=""/>
+        <a:font script="Jpan" typeface="游ゴシック"/>
+        <a:font script="Hang" typeface="맑은 고딕"/>
+        <a:font script="Hans" typeface="等线"/>
+        <a:font script="Hant" typeface="新細明體"/>
+        <a:font script="Arab" typeface="Arial"/>
+        <a:font script="Hebr" typeface="Arial"/>
+        <a:font script="Thai" typeface="Cordia New"/>
+        <a:font script="Ethi" typeface="Nyala"/>
+        <a:font script="Beng" typeface="Vrinda"/>
+        <a:font script="Gujr" typeface="Shruti"/>
+        <a:font script="Khmr" typeface="DaunPenh"/>
+        <a:font script="Knda" typeface="Tunga"/>
+        <a:font script="Guru" typeface="Raavi"/>
+        <a:font script="Cans" typeface="Euphemia"/>
+        <a:font script="Cher" typeface="Plantagenet Cherokee"/>
+        <a:font script="Yiii" typeface="Microsoft Yi Baiti"/>
+        <a:font script="Tibt" typeface="Microsoft Himalaya"/>
+        <a:font script="Thaa" typeface="MV Boli"/>
+        <a:font script="Deva" typeface="Mangal"/>
+        <a:font script="Telu" typeface="Gautami"/>
+        <a:font script="Taml" typeface="Latha"/>
+        <a:font script="Syrc" typeface="Estrangelo Edessa"/>
+        <a:font script="Orya" typeface="Kalinga"/>
+        <a:font script="Mlym" typeface="Kartika"/>
+        <a:font script="Laoo" typeface="DokChampa"/>
+        <a:font script="Sinh" typeface="Iskoola Pota"/>
+        <a:font script="Mong" typeface="Mongolian Baiti"/>
+        <a:font script="Viet" typeface="Arial"/>
+        <a:font script="Uigh" typeface="Microsoft Uighur"/>
+        <a:font script="Geor" typeface="Sylfaen"/>
+        <a:font script="Armn" typeface="Arial"/>
+        <a:font script="Bugi" typeface="Leelawadee UI"/>
+        <a:font script="Bopo" typeface="Microsoft JhengHei"/>
+        <a:font script="Java" typeface="Javanese Text"/>
+        <a:font script="Lisu" typeface="Segoe UI"/>
+        <a:font script="Mymr" typeface="Myanmar Text"/>
+        <a:font script="Nkoo" typeface="Ebrima"/>
+        <a:font script="Olck" typeface="Nirmala UI"/>
+        <a:font script="Osma" typeface="Ebrima"/>
+        <a:font script="Phag" typeface="Phagspa"/>
+        <a:font script="Syrn" typeface="Estrangelo Edessa"/>
+        <a:font script="Syrj" typeface="Estrangelo Edessa"/>
+        <a:font script="Syre" typeface="Estrangelo Edessa"/>
+        <a:font script="Sora" typeface="Nirmala UI"/>
+        <a:font script="Tale" typeface="Microsoft Tai Le"/>
+        <a:font script="Talu" typeface="Microsoft New Tai Lue"/>
+        <a:font script="Tfng" typeface="Ebrima"/>
+      </a:minorFont>
+    </a:fontScheme>
+    <a:fmtScheme name="Office">
+      <a:fillStyleLst>
+        <a:solidFill>
+          <a:schemeClr val="phClr"/>
+        </a:solidFill>
+        <a:gradFill rotWithShape="1">
+          <a:gsLst>
+            <a:gs pos="0">
+              <a:schemeClr val="phClr">
+                <a:lumMod val="110000"/>
+                <a:satMod val="105000"/>
+                <a:tint val="67000"/>
+              </a:schemeClr>
+            </a:gs>
+            <a:gs pos="50000">
+              <a:schemeClr val="phClr">
+                <a:lumMod val="105000"/>
+                <a:satMod val="103000"/>
+                <a:tint val="73000"/>
+              </a:schemeClr>
+            </a:gs>
+            <a:gs pos="100000">
+              <a:schemeClr val="phClr">
+                <a:lumMod val="105000"/>
+                <a:satMod val="109000"/>
+                <a:tint val="81000"/>
+              </a:schemeClr>
+            </a:gs>
+          </a:gsLst>
+          <a:lin ang="5400000" scaled="0"/>
+        </a:gradFill>
+        <a:gradFill rotWithShape="1">
+          <a:gsLst>
+            <a:gs pos="0">
+              <a:schemeClr val="phClr">
+                <a:satMod val="103000"/>
+                <a:lumMod val="102000"/>
+                <a:tint val="94000"/>
+              </a:schemeClr>
+            </a:gs>
+            <a:gs pos="50000">
+              <a:schemeClr val="phClr">
+                <a:satMod val="110000"/>
+                <a:lumMod val="100000"/>
+                <a:shade val="100000"/>
+              </a:schemeClr>
+            </a:gs>
+            <a:gs pos="100000">
+              <a:schemeClr val="phClr">
+                <a:lumMod val="99000"/>
+                <a:satMod val="120000"/>
+                <a:shade val="78000"/>
+              </a:schemeClr>
+            </a:gs>
+          </a:gsLst>
+          <a:lin ang="5400000" scaled="0"/>
+        </a:gradFill>
+      </a:fillStyleLst>
+      <a:lnStyleLst>
+        <a:ln w="12700" cap="flat" cmpd="sng" algn="ctr">
+          <a:solidFill>
+            <a:schemeClr val="phClr"/>
+          </a:solidFill>
+          <a:prstDash val="solid"/>
+          <a:miter lim="800000"/>
+        </a:ln>
+        <a:ln w="19050" cap="flat" cmpd="sng" algn="ctr">
+          <a:solidFill>
+            <a:schemeClr val="phClr"/>
+          </a:solidFill>
+          <a:prstDash val="solid"/>
+          <a:miter lim="800000"/>
+        </a:ln>
+        <a:ln w="25400" cap="flat" cmpd="sng" algn="ctr">
+          <a:solidFill>
+            <a:schemeClr val="phClr"/>
+          </a:solidFill>
+          <a:prstDash val="solid"/>
+          <a:miter lim="800000"/>
+        </a:ln>
+      </a:lnStyleLst>
+      <a:effectStyleLst>
+        <a:effectStyle>
+          <a:effectLst/>
+        </a:effectStyle>
+        <a:effectStyle>
+          <a:effectLst/>
+        </a:effectStyle>
+        <a:effectStyle>
+          <a:effectLst>
+            <a:outerShdw blurRad="57150" dist="19050" dir="5400000" algn="ctr" rotWithShape="0">
+              <a:srgbClr val="000000">
+                <a:alpha val="63000"/>
+              </a:srgbClr>
+            </a:outerShdw>
+          </a:effectLst>
+        </a:effectStyle>
+      </a:effectStyleLst>
+      <a:bgFillStyleLst>
+        <a:solidFill>
+          <a:schemeClr val="phClr"/>
+        </a:solidFill>
+        <a:solidFill>
+          <a:schemeClr val="phClr">
+            <a:tint val="95000"/>
+            <a:satMod val="170000"/>
+          </a:schemeClr>
+        </a:solidFill>
+        <a:gradFill rotWithShape="1">
+          <a:gsLst>
+            <a:gs pos="0">
+              <a:schemeClr val="phClr">
+                <a:tint val="93000"/>
+                <a:satMod val="150000"/>
+                <a:shade val="98000"/>
+                <a:lumMod val="102000"/>
+              </a:schemeClr>
+            </a:gs>
+            <a:gs pos="50000">
+              <a:schemeClr val="phClr">
+                <a:tint val="98000"/>
+                <a:satMod val="130000"/>
+                <a:shade val="90000"/>
+                <a:lumMod val="103000"/>
+              </a:schemeClr>
+            </a:gs>
+            <a:gs pos="100000">
+              <a:schemeClr val="phClr">
+                <a:shade val="63000"/>
+                <a:satMod val="120000"/>
+              </a:schemeClr>
+            </a:gs>
+          </a:gsLst>
+          <a:lin ang="5400000" scaled="0"/>
+        </a:gradFill>
+      </a:bgFillStyleLst>
+    </a:fmtScheme>
+  </a:themeElements>
+  <a:objectDefaults>
+    <a:lnDef>
+      <a:spPr/>
+      <a:bodyPr/>
+      <a:lstStyle/>
+      <a:style>
+        <a:lnRef idx="2">
+          <a:schemeClr val="accent1"/>
+        </a:lnRef>
+        <a:fillRef idx="0">
+          <a:schemeClr val="accent1"/>
+        </a:fillRef>
+        <a:effectRef idx="1">
+          <a:schemeClr val="accent1"/>
+        </a:effectRef>
+        <a:fontRef idx="minor">
+          <a:schemeClr val="tx1"/>
+        </a:fontRef>
+      </a:style>
+    </a:lnDef>
+  </a:objectDefaults>
+  <a:extraClrSchemeLst/>
+  <a:extLst>
+    <a:ext uri="{05A4C25C-085E-4340-85A3-A5531E510DB2}">
+      <thm15:themeFamily xmlns:thm15="http://schemas.microsoft.com/office/thememl/2012/main" name="Office Theme" id="{2E142A2C-CD16-42D6-873A-C26D2A0506FA}" vid="{1BDDFF52-6CD6-40A5-AB3C-68EB2F1E4D0A}"/>
+    </a:ext>
+  </a:extLst>
+</a:theme>
 </file>